--- a/Get Kinect-ed.pptx
+++ b/Get Kinect-ed.pptx
@@ -2,26 +2,30 @@
 <file path=ppt/presentation.xml><?xml version="1.0" encoding="utf-8"?>
 <p:presentation xmlns:a="http://schemas.openxmlformats.org/drawingml/2006/main" xmlns:r="http://schemas.openxmlformats.org/officeDocument/2006/relationships" xmlns:p="http://schemas.openxmlformats.org/presentationml/2006/main" saveSubsetFonts="1">
   <p:sldMasterIdLst>
-    <p:sldMasterId id="2147483660" r:id="rId1"/>
+    <p:sldMasterId id="2147483648" r:id="rId1"/>
   </p:sldMasterIdLst>
   <p:sldIdLst>
-    <p:sldId id="277" r:id="rId2"/>
+    <p:sldId id="256" r:id="rId2"/>
     <p:sldId id="257" r:id="rId3"/>
-    <p:sldId id="290" r:id="rId4"/>
-    <p:sldId id="258" r:id="rId5"/>
-    <p:sldId id="259" r:id="rId6"/>
-    <p:sldId id="291" r:id="rId7"/>
-    <p:sldId id="292" r:id="rId8"/>
-    <p:sldId id="293" r:id="rId9"/>
-    <p:sldId id="294" r:id="rId10"/>
-    <p:sldId id="295" r:id="rId11"/>
-    <p:sldId id="280" r:id="rId12"/>
-    <p:sldId id="296" r:id="rId13"/>
-    <p:sldId id="297" r:id="rId14"/>
-    <p:sldId id="275" r:id="rId15"/>
-    <p:sldId id="276" r:id="rId16"/>
+    <p:sldId id="258" r:id="rId4"/>
+    <p:sldId id="259" r:id="rId5"/>
+    <p:sldId id="260" r:id="rId6"/>
+    <p:sldId id="261" r:id="rId7"/>
+    <p:sldId id="262" r:id="rId8"/>
+    <p:sldId id="263" r:id="rId9"/>
+    <p:sldId id="264" r:id="rId10"/>
+    <p:sldId id="265" r:id="rId11"/>
+    <p:sldId id="266" r:id="rId12"/>
+    <p:sldId id="267" r:id="rId13"/>
+    <p:sldId id="268" r:id="rId14"/>
+    <p:sldId id="269" r:id="rId15"/>
+    <p:sldId id="270" r:id="rId16"/>
+    <p:sldId id="271" r:id="rId17"/>
+    <p:sldId id="272" r:id="rId18"/>
+    <p:sldId id="273" r:id="rId19"/>
+    <p:sldId id="274" r:id="rId20"/>
   </p:sldIdLst>
-  <p:sldSz cx="9144000" cy="6858000" type="screen4x3"/>
+  <p:sldSz cx="12192000" cy="6858000"/>
   <p:notesSz cx="6858000" cy="9144000"/>
   <p:defaultTextStyle>
     <a:defPPr>
@@ -120,31 +124,15 @@
   </p:defaultTextStyle>
   <p:extLst>
     <p:ext uri="{EFAFB233-063F-42B5-8137-9DF3F51BA10A}">
-      <p15:sldGuideLst xmlns:p15="http://schemas.microsoft.com/office/powerpoint/2012/main">
-        <p15:guide id="1" orient="horz" pos="2160">
-          <p15:clr>
-            <a:srgbClr val="A4A3A4"/>
-          </p15:clr>
-        </p15:guide>
-        <p15:guide id="2" pos="2880">
-          <p15:clr>
-            <a:srgbClr val="A4A3A4"/>
-          </p15:clr>
-        </p15:guide>
-      </p15:sldGuideLst>
+      <p15:sldGuideLst xmlns:p15="http://schemas.microsoft.com/office/powerpoint/2012/main"/>
     </p:ext>
   </p:extLst>
 </p:presentation>
 </file>
 
 <file path=ppt/slideLayouts/slideLayout1.xml><?xml version="1.0" encoding="utf-8"?>
-<p:sldLayout xmlns:a="http://schemas.openxmlformats.org/drawingml/2006/main" xmlns:r="http://schemas.openxmlformats.org/officeDocument/2006/relationships" xmlns:p="http://schemas.openxmlformats.org/presentationml/2006/main" showMasterSp="0" type="title" preserve="1">
+<p:sldLayout xmlns:a="http://schemas.openxmlformats.org/drawingml/2006/main" xmlns:r="http://schemas.openxmlformats.org/officeDocument/2006/relationships" xmlns:p="http://schemas.openxmlformats.org/presentationml/2006/main" type="title" preserve="1">
   <p:cSld name="Title Slide">
-    <p:bg>
-      <p:bgRef idx="1002">
-        <a:schemeClr val="bg2"/>
-      </p:bgRef>
-    </p:bg>
     <p:spTree>
       <p:nvGrpSpPr>
         <p:cNvPr id="1" name=""/>
@@ -161,53 +149,6 @@
       </p:grpSpPr>
       <p:sp>
         <p:nvSpPr>
-          <p:cNvPr id="9" name="Rectangle 8"/>
-          <p:cNvSpPr/>
-          <p:nvPr/>
-        </p:nvSpPr>
-        <p:spPr bwMode="ltGray">
-          <a:xfrm>
-            <a:off x="0" y="0"/>
-            <a:ext cx="9143999" cy="5135430"/>
-          </a:xfrm>
-          <a:prstGeom prst="rect">
-            <a:avLst/>
-          </a:prstGeom>
-          <a:solidFill>
-            <a:srgbClr val="000000"/>
-          </a:solidFill>
-          <a:ln w="48000" cap="flat" cmpd="thickThin" algn="ctr">
-            <a:noFill/>
-            <a:prstDash val="solid"/>
-          </a:ln>
-        </p:spPr>
-        <p:style>
-          <a:lnRef idx="2">
-            <a:schemeClr val="accent1"/>
-          </a:lnRef>
-          <a:fillRef idx="1">
-            <a:schemeClr val="accent1"/>
-          </a:fillRef>
-          <a:effectRef idx="0">
-            <a:schemeClr val="accent1"/>
-          </a:effectRef>
-          <a:fontRef idx="minor">
-            <a:schemeClr val="lt1"/>
-          </a:fontRef>
-        </p:style>
-        <p:txBody>
-          <a:bodyPr rtlCol="0" anchor="ctr"/>
-          <a:lstStyle>
-            <a:extLst/>
-          </a:lstStyle>
-          <a:p>
-            <a:pPr algn="ctr" eaLnBrk="1" latinLnBrk="0" hangingPunct="1"/>
-            <a:endParaRPr kumimoji="0" lang="en-US"/>
-          </a:p>
-        </p:txBody>
-      </p:sp>
-      <p:sp>
-        <p:nvSpPr>
           <p:cNvPr id="2" name="Title 1"/>
           <p:cNvSpPr>
             <a:spLocks noGrp="1"/>
@@ -218,35 +159,23 @@
         </p:nvSpPr>
         <p:spPr>
           <a:xfrm>
-            <a:off x="685800" y="3355848"/>
-            <a:ext cx="8077200" cy="1673352"/>
+            <a:off x="1524000" y="1122363"/>
+            <a:ext cx="9144000" cy="2387600"/>
           </a:xfrm>
         </p:spPr>
         <p:txBody>
-          <a:bodyPr vert="horz" lIns="91440" tIns="0" rIns="45720" bIns="0" rtlCol="0" anchor="t">
-            <a:normAutofit/>
-            <a:scene3d>
-              <a:camera prst="orthographicFront"/>
-              <a:lightRig rig="threePt" dir="t">
-                <a:rot lat="0" lon="0" rev="4800000"/>
-              </a:lightRig>
-            </a:scene3d>
-            <a:sp3d prstMaterial="matte">
-              <a:bevelT w="50800" h="10160"/>
-            </a:sp3d>
-          </a:bodyPr>
+          <a:bodyPr anchor="b"/>
           <a:lstStyle>
-            <a:lvl1pPr algn="l">
-              <a:defRPr sz="4700" b="1"/>
+            <a:lvl1pPr algn="ctr">
+              <a:defRPr sz="6000"/>
             </a:lvl1pPr>
-            <a:extLst/>
           </a:lstStyle>
           <a:p>
             <a:r>
-              <a:rPr kumimoji="0" lang="en-US" smtClean="0"/>
+              <a:rPr lang="en-US" smtClean="0"/>
               <a:t>Click to edit Master title style</a:t>
             </a:r>
-            <a:endParaRPr kumimoji="0" lang="en-US"/>
+            <a:endParaRPr lang="en-US"/>
           </a:p>
         </p:txBody>
       </p:sp>
@@ -262,109 +191,56 @@
         </p:nvSpPr>
         <p:spPr>
           <a:xfrm>
-            <a:off x="685800" y="1828800"/>
-            <a:ext cx="8077200" cy="1499616"/>
+            <a:off x="1524000" y="3602038"/>
+            <a:ext cx="9144000" cy="1655762"/>
           </a:xfrm>
         </p:spPr>
         <p:txBody>
-          <a:bodyPr lIns="118872" tIns="0" rIns="45720" bIns="0" anchor="b"/>
+          <a:bodyPr/>
           <a:lstStyle>
-            <a:lvl1pPr marL="0" indent="0" algn="l">
-              <a:buNone/>
-              <a:defRPr sz="2000">
-                <a:solidFill>
-                  <a:srgbClr val="FFFFFF"/>
-                </a:solidFill>
-              </a:defRPr>
+            <a:lvl1pPr marL="0" indent="0" algn="ctr">
+              <a:buNone/>
+              <a:defRPr sz="2400"/>
             </a:lvl1pPr>
             <a:lvl2pPr marL="457200" indent="0" algn="ctr">
               <a:buNone/>
-              <a:defRPr>
-                <a:solidFill>
-                  <a:schemeClr val="tx1">
-                    <a:tint val="75000"/>
-                  </a:schemeClr>
-                </a:solidFill>
-              </a:defRPr>
+              <a:defRPr sz="2000"/>
             </a:lvl2pPr>
             <a:lvl3pPr marL="914400" indent="0" algn="ctr">
               <a:buNone/>
-              <a:defRPr>
-                <a:solidFill>
-                  <a:schemeClr val="tx1">
-                    <a:tint val="75000"/>
-                  </a:schemeClr>
-                </a:solidFill>
-              </a:defRPr>
+              <a:defRPr sz="1800"/>
             </a:lvl3pPr>
             <a:lvl4pPr marL="1371600" indent="0" algn="ctr">
               <a:buNone/>
-              <a:defRPr>
-                <a:solidFill>
-                  <a:schemeClr val="tx1">
-                    <a:tint val="75000"/>
-                  </a:schemeClr>
-                </a:solidFill>
-              </a:defRPr>
+              <a:defRPr sz="1600"/>
             </a:lvl4pPr>
             <a:lvl5pPr marL="1828800" indent="0" algn="ctr">
               <a:buNone/>
-              <a:defRPr>
-                <a:solidFill>
-                  <a:schemeClr val="tx1">
-                    <a:tint val="75000"/>
-                  </a:schemeClr>
-                </a:solidFill>
-              </a:defRPr>
+              <a:defRPr sz="1600"/>
             </a:lvl5pPr>
             <a:lvl6pPr marL="2286000" indent="0" algn="ctr">
               <a:buNone/>
-              <a:defRPr>
-                <a:solidFill>
-                  <a:schemeClr val="tx1">
-                    <a:tint val="75000"/>
-                  </a:schemeClr>
-                </a:solidFill>
-              </a:defRPr>
+              <a:defRPr sz="1600"/>
             </a:lvl6pPr>
             <a:lvl7pPr marL="2743200" indent="0" algn="ctr">
               <a:buNone/>
-              <a:defRPr>
-                <a:solidFill>
-                  <a:schemeClr val="tx1">
-                    <a:tint val="75000"/>
-                  </a:schemeClr>
-                </a:solidFill>
-              </a:defRPr>
+              <a:defRPr sz="1600"/>
             </a:lvl7pPr>
             <a:lvl8pPr marL="3200400" indent="0" algn="ctr">
               <a:buNone/>
-              <a:defRPr>
-                <a:solidFill>
-                  <a:schemeClr val="tx1">
-                    <a:tint val="75000"/>
-                  </a:schemeClr>
-                </a:solidFill>
-              </a:defRPr>
+              <a:defRPr sz="1600"/>
             </a:lvl8pPr>
             <a:lvl9pPr marL="3657600" indent="0" algn="ctr">
               <a:buNone/>
-              <a:defRPr>
-                <a:solidFill>
-                  <a:schemeClr val="tx1">
-                    <a:tint val="75000"/>
-                  </a:schemeClr>
-                </a:solidFill>
-              </a:defRPr>
+              <a:defRPr sz="1600"/>
             </a:lvl9pPr>
-            <a:extLst/>
           </a:lstStyle>
           <a:p>
             <a:r>
-              <a:rPr kumimoji="0" lang="en-US" smtClean="0"/>
+              <a:rPr lang="en-US" smtClean="0"/>
               <a:t>Click to edit Master subtitle style</a:t>
             </a:r>
-            <a:endParaRPr kumimoji="0" lang="en-US"/>
+            <a:endParaRPr lang="en-US"/>
           </a:p>
         </p:txBody>
       </p:sp>
@@ -383,9 +259,9 @@
           <a:bodyPr/>
           <a:lstStyle/>
           <a:p>
-            <a:fld id="{635BB966-669B-45D9-A7F0-F2AB7D3A47CE}" type="datetimeFigureOut">
-              <a:rPr lang="en-US" smtClean="0"/>
-              <a:t>08/25/2014</a:t>
+            <a:fld id="{8362C8D4-5748-4CF1-ABED-3009C1ED6FAD}" type="datetimeFigureOut">
+              <a:rPr lang="en-US" smtClean="0"/>
+              <a:t>8/17/2016</a:t>
             </a:fld>
             <a:endParaRPr lang="en-US"/>
           </a:p>
@@ -425,7 +301,7 @@
           <a:bodyPr/>
           <a:lstStyle/>
           <a:p>
-            <a:fld id="{3FC8A660-D84A-4CD7-A356-93077375BF90}" type="slidenum">
+            <a:fld id="{8D7E2EF1-94DC-44F5-A526-FD74D364DCB6}" type="slidenum">
               <a:rPr lang="en-US" smtClean="0"/>
               <a:t>‹#›</a:t>
             </a:fld>
@@ -433,64 +309,15 @@
           </a:p>
         </p:txBody>
       </p:sp>
-      <p:sp>
-        <p:nvSpPr>
-          <p:cNvPr id="10" name="Rectangle 9"/>
-          <p:cNvSpPr/>
-          <p:nvPr/>
-        </p:nvSpPr>
-        <p:spPr bwMode="invGray">
-          <a:xfrm>
-            <a:off x="0" y="5128334"/>
-            <a:ext cx="9144000" cy="45720"/>
-          </a:xfrm>
-          <a:prstGeom prst="rect">
-            <a:avLst/>
-          </a:prstGeom>
-          <a:solidFill>
-            <a:srgbClr val="FFFFFF"/>
-          </a:solidFill>
-          <a:ln w="48000" cap="flat" cmpd="thickThin" algn="ctr">
-            <a:noFill/>
-            <a:prstDash val="solid"/>
-          </a:ln>
-          <a:effectLst>
-            <a:outerShdw blurRad="31750" dist="10160" dir="5400000" algn="tl" rotWithShape="0">
-              <a:srgbClr val="000000">
-                <a:alpha val="60000"/>
-              </a:srgbClr>
-            </a:outerShdw>
-          </a:effectLst>
-        </p:spPr>
-        <p:style>
-          <a:lnRef idx="2">
-            <a:schemeClr val="accent1"/>
-          </a:lnRef>
-          <a:fillRef idx="1">
-            <a:schemeClr val="accent1"/>
-          </a:fillRef>
-          <a:effectRef idx="0">
-            <a:schemeClr val="accent1"/>
-          </a:effectRef>
-          <a:fontRef idx="minor">
-            <a:schemeClr val="lt1"/>
-          </a:fontRef>
-        </p:style>
-        <p:txBody>
-          <a:bodyPr rtlCol="0" anchor="ctr"/>
-          <a:lstStyle>
-            <a:extLst/>
-          </a:lstStyle>
-          <a:p>
-            <a:pPr algn="ctr" eaLnBrk="1" latinLnBrk="0" hangingPunct="1"/>
-            <a:endParaRPr kumimoji="0" lang="en-US"/>
-          </a:p>
-        </p:txBody>
-      </p:sp>
     </p:spTree>
+    <p:extLst>
+      <p:ext uri="{BB962C8B-B14F-4D97-AF65-F5344CB8AC3E}">
+        <p14:creationId xmlns:p14="http://schemas.microsoft.com/office/powerpoint/2010/main" val="1399900994"/>
+      </p:ext>
+    </p:extLst>
   </p:cSld>
   <p:clrMapOvr>
-    <a:overrideClrMapping bg1="dk1" tx1="lt1" bg2="dk2" tx2="lt2" accent1="accent1" accent2="accent2" accent3="accent3" accent4="accent4" accent5="accent5" accent6="accent6" hlink="hlink" folHlink="folHlink"/>
+    <a:masterClrMapping/>
   </p:clrMapOvr>
 </p:sldLayout>
 </file>
@@ -525,15 +352,13 @@
         <p:spPr/>
         <p:txBody>
           <a:bodyPr/>
-          <a:lstStyle>
-            <a:extLst/>
-          </a:lstStyle>
-          <a:p>
-            <a:r>
-              <a:rPr kumimoji="0" lang="en-US" smtClean="0"/>
+          <a:lstStyle/>
+          <a:p>
+            <a:r>
+              <a:rPr lang="en-US" smtClean="0"/>
               <a:t>Click to edit Master title style</a:t>
             </a:r>
-            <a:endParaRPr kumimoji="0" lang="en-US"/>
+            <a:endParaRPr lang="en-US"/>
           </a:p>
         </p:txBody>
       </p:sp>
@@ -550,44 +375,42 @@
         <p:spPr/>
         <p:txBody>
           <a:bodyPr vert="eaVert"/>
-          <a:lstStyle>
-            <a:extLst/>
-          </a:lstStyle>
-          <a:p>
-            <a:pPr lvl="0" eaLnBrk="1" latinLnBrk="0" hangingPunct="1"/>
+          <a:lstStyle/>
+          <a:p>
+            <a:pPr lvl="0"/>
             <a:r>
               <a:rPr lang="en-US" smtClean="0"/>
               <a:t>Click to edit Master text styles</a:t>
             </a:r>
           </a:p>
           <a:p>
-            <a:pPr lvl="1" eaLnBrk="1" latinLnBrk="0" hangingPunct="1"/>
+            <a:pPr lvl="1"/>
             <a:r>
               <a:rPr lang="en-US" smtClean="0"/>
               <a:t>Second level</a:t>
             </a:r>
           </a:p>
           <a:p>
-            <a:pPr lvl="2" eaLnBrk="1" latinLnBrk="0" hangingPunct="1"/>
+            <a:pPr lvl="2"/>
             <a:r>
               <a:rPr lang="en-US" smtClean="0"/>
               <a:t>Third level</a:t>
             </a:r>
           </a:p>
           <a:p>
-            <a:pPr lvl="3" eaLnBrk="1" latinLnBrk="0" hangingPunct="1"/>
+            <a:pPr lvl="3"/>
             <a:r>
               <a:rPr lang="en-US" smtClean="0"/>
               <a:t>Fourth level</a:t>
             </a:r>
           </a:p>
           <a:p>
-            <a:pPr lvl="4" eaLnBrk="1" latinLnBrk="0" hangingPunct="1"/>
+            <a:pPr lvl="4"/>
             <a:r>
               <a:rPr lang="en-US" smtClean="0"/>
               <a:t>Fifth level</a:t>
             </a:r>
-            <a:endParaRPr kumimoji="0" lang="en-US"/>
+            <a:endParaRPr lang="en-US"/>
           </a:p>
         </p:txBody>
       </p:sp>
@@ -606,9 +429,9 @@
           <a:bodyPr/>
           <a:lstStyle/>
           <a:p>
-            <a:fld id="{635BB966-669B-45D9-A7F0-F2AB7D3A47CE}" type="datetimeFigureOut">
-              <a:rPr lang="en-US" smtClean="0"/>
-              <a:t>08/25/2014</a:t>
+            <a:fld id="{8362C8D4-5748-4CF1-ABED-3009C1ED6FAD}" type="datetimeFigureOut">
+              <a:rPr lang="en-US" smtClean="0"/>
+              <a:t>8/17/2016</a:t>
             </a:fld>
             <a:endParaRPr lang="en-US"/>
           </a:p>
@@ -648,7 +471,7 @@
           <a:bodyPr/>
           <a:lstStyle/>
           <a:p>
-            <a:fld id="{3FC8A660-D84A-4CD7-A356-93077375BF90}" type="slidenum">
+            <a:fld id="{8D7E2EF1-94DC-44F5-A526-FD74D364DCB6}" type="slidenum">
               <a:rPr lang="en-US" smtClean="0"/>
               <a:t>‹#›</a:t>
             </a:fld>
@@ -657,6 +480,11 @@
         </p:txBody>
       </p:sp>
     </p:spTree>
+    <p:extLst>
+      <p:ext uri="{BB962C8B-B14F-4D97-AF65-F5344CB8AC3E}">
+        <p14:creationId xmlns:p14="http://schemas.microsoft.com/office/powerpoint/2010/main" val="4109139050"/>
+      </p:ext>
+    </p:extLst>
   </p:cSld>
   <p:clrMapOvr>
     <a:masterClrMapping/>
@@ -665,7 +493,7 @@
 </file>
 
 <file path=ppt/slideLayouts/slideLayout11.xml><?xml version="1.0" encoding="utf-8"?>
-<p:sldLayout xmlns:a="http://schemas.openxmlformats.org/drawingml/2006/main" xmlns:r="http://schemas.openxmlformats.org/officeDocument/2006/relationships" xmlns:p="http://schemas.openxmlformats.org/presentationml/2006/main" showMasterSp="0" type="vertTitleAndTx" preserve="1">
+<p:sldLayout xmlns:a="http://schemas.openxmlformats.org/drawingml/2006/main" xmlns:r="http://schemas.openxmlformats.org/officeDocument/2006/relationships" xmlns:p="http://schemas.openxmlformats.org/presentationml/2006/main" type="vertTitleAndTx" preserve="1">
   <p:cSld name="Vertical Title and Text">
     <p:spTree>
       <p:nvGrpSpPr>
@@ -683,107 +511,6 @@
       </p:grpSpPr>
       <p:sp>
         <p:nvSpPr>
-          <p:cNvPr id="9" name="Rectangle 8"/>
-          <p:cNvSpPr/>
-          <p:nvPr/>
-        </p:nvSpPr>
-        <p:spPr bwMode="invGray">
-          <a:xfrm>
-            <a:off x="6598920" y="0"/>
-            <a:ext cx="45720" cy="6858000"/>
-          </a:xfrm>
-          <a:prstGeom prst="rect">
-            <a:avLst/>
-          </a:prstGeom>
-          <a:solidFill>
-            <a:srgbClr val="FFFFFF"/>
-          </a:solidFill>
-          <a:ln w="48000" cap="flat" cmpd="thickThin" algn="ctr">
-            <a:noFill/>
-            <a:prstDash val="solid"/>
-          </a:ln>
-          <a:effectLst>
-            <a:outerShdw blurRad="31750" dist="10160" dir="10800000" algn="tl" rotWithShape="0">
-              <a:srgbClr val="000000">
-                <a:alpha val="60000"/>
-              </a:srgbClr>
-            </a:outerShdw>
-          </a:effectLst>
-        </p:spPr>
-        <p:style>
-          <a:lnRef idx="2">
-            <a:schemeClr val="accent1"/>
-          </a:lnRef>
-          <a:fillRef idx="1">
-            <a:schemeClr val="accent1"/>
-          </a:fillRef>
-          <a:effectRef idx="0">
-            <a:schemeClr val="accent1"/>
-          </a:effectRef>
-          <a:fontRef idx="minor">
-            <a:schemeClr val="lt1"/>
-          </a:fontRef>
-        </p:style>
-        <p:txBody>
-          <a:bodyPr rtlCol="0" anchor="ctr"/>
-          <a:lstStyle>
-            <a:extLst/>
-          </a:lstStyle>
-          <a:p>
-            <a:pPr algn="ctr" eaLnBrk="1" latinLnBrk="0" hangingPunct="1"/>
-            <a:endParaRPr kumimoji="0" lang="en-US"/>
-          </a:p>
-        </p:txBody>
-      </p:sp>
-      <p:sp>
-        <p:nvSpPr>
-          <p:cNvPr id="8" name="Rectangle 7"/>
-          <p:cNvSpPr/>
-          <p:nvPr/>
-        </p:nvSpPr>
-        <p:spPr bwMode="ltGray">
-          <a:xfrm>
-            <a:off x="6647687" y="0"/>
-            <a:ext cx="2514601" cy="6858000"/>
-          </a:xfrm>
-          <a:prstGeom prst="rect">
-            <a:avLst/>
-          </a:prstGeom>
-          <a:solidFill>
-            <a:srgbClr val="000000"/>
-          </a:solidFill>
-          <a:ln w="48000" cap="flat" cmpd="thickThin" algn="ctr">
-            <a:noFill/>
-            <a:prstDash val="solid"/>
-          </a:ln>
-        </p:spPr>
-        <p:style>
-          <a:lnRef idx="2">
-            <a:schemeClr val="accent1"/>
-          </a:lnRef>
-          <a:fillRef idx="1">
-            <a:schemeClr val="accent1"/>
-          </a:fillRef>
-          <a:effectRef idx="0">
-            <a:schemeClr val="accent1"/>
-          </a:effectRef>
-          <a:fontRef idx="minor">
-            <a:schemeClr val="lt1"/>
-          </a:fontRef>
-        </p:style>
-        <p:txBody>
-          <a:bodyPr rtlCol="0" anchor="ctr"/>
-          <a:lstStyle>
-            <a:extLst/>
-          </a:lstStyle>
-          <a:p>
-            <a:pPr algn="ctr" eaLnBrk="1" latinLnBrk="0" hangingPunct="1"/>
-            <a:endParaRPr kumimoji="0" lang="en-US"/>
-          </a:p>
-        </p:txBody>
-      </p:sp>
-      <p:sp>
-        <p:nvSpPr>
           <p:cNvPr id="2" name="Vertical Title 1"/>
           <p:cNvSpPr>
             <a:spLocks noGrp="1"/>
@@ -794,21 +521,19 @@
         </p:nvSpPr>
         <p:spPr>
           <a:xfrm>
-            <a:off x="6781800" y="274640"/>
-            <a:ext cx="1905000" cy="5851525"/>
+            <a:off x="8724900" y="365125"/>
+            <a:ext cx="2628900" cy="5811838"/>
           </a:xfrm>
         </p:spPr>
         <p:txBody>
           <a:bodyPr vert="eaVert"/>
-          <a:lstStyle>
-            <a:extLst/>
-          </a:lstStyle>
-          <a:p>
-            <a:r>
-              <a:rPr kumimoji="0" lang="en-US" smtClean="0"/>
+          <a:lstStyle/>
+          <a:p>
+            <a:r>
+              <a:rPr lang="en-US" smtClean="0"/>
               <a:t>Click to edit Master title style</a:t>
             </a:r>
-            <a:endParaRPr kumimoji="0" lang="en-US"/>
+            <a:endParaRPr lang="en-US"/>
           </a:p>
         </p:txBody>
       </p:sp>
@@ -824,50 +549,48 @@
         </p:nvSpPr>
         <p:spPr>
           <a:xfrm>
-            <a:off x="457200" y="304800"/>
-            <a:ext cx="6019800" cy="5851525"/>
+            <a:off x="838200" y="365125"/>
+            <a:ext cx="7734300" cy="5811838"/>
           </a:xfrm>
         </p:spPr>
         <p:txBody>
           <a:bodyPr vert="eaVert"/>
-          <a:lstStyle>
-            <a:extLst/>
-          </a:lstStyle>
-          <a:p>
-            <a:pPr lvl="0" eaLnBrk="1" latinLnBrk="0" hangingPunct="1"/>
+          <a:lstStyle/>
+          <a:p>
+            <a:pPr lvl="0"/>
             <a:r>
               <a:rPr lang="en-US" smtClean="0"/>
               <a:t>Click to edit Master text styles</a:t>
             </a:r>
           </a:p>
           <a:p>
-            <a:pPr lvl="1" eaLnBrk="1" latinLnBrk="0" hangingPunct="1"/>
+            <a:pPr lvl="1"/>
             <a:r>
               <a:rPr lang="en-US" smtClean="0"/>
               <a:t>Second level</a:t>
             </a:r>
           </a:p>
           <a:p>
-            <a:pPr lvl="2" eaLnBrk="1" latinLnBrk="0" hangingPunct="1"/>
+            <a:pPr lvl="2"/>
             <a:r>
               <a:rPr lang="en-US" smtClean="0"/>
               <a:t>Third level</a:t>
             </a:r>
           </a:p>
           <a:p>
-            <a:pPr lvl="3" eaLnBrk="1" latinLnBrk="0" hangingPunct="1"/>
+            <a:pPr lvl="3"/>
             <a:r>
               <a:rPr lang="en-US" smtClean="0"/>
               <a:t>Fourth level</a:t>
             </a:r>
           </a:p>
           <a:p>
-            <a:pPr lvl="4" eaLnBrk="1" latinLnBrk="0" hangingPunct="1"/>
+            <a:pPr lvl="4"/>
             <a:r>
               <a:rPr lang="en-US" smtClean="0"/>
               <a:t>Fifth level</a:t>
             </a:r>
-            <a:endParaRPr kumimoji="0" lang="en-US"/>
+            <a:endParaRPr lang="en-US"/>
           </a:p>
         </p:txBody>
       </p:sp>
@@ -886,9 +609,9 @@
           <a:bodyPr/>
           <a:lstStyle/>
           <a:p>
-            <a:fld id="{635BB966-669B-45D9-A7F0-F2AB7D3A47CE}" type="datetimeFigureOut">
-              <a:rPr lang="en-US" smtClean="0"/>
-              <a:t>08/25/2014</a:t>
+            <a:fld id="{8362C8D4-5748-4CF1-ABED-3009C1ED6FAD}" type="datetimeFigureOut">
+              <a:rPr lang="en-US" smtClean="0"/>
+              <a:t>8/17/2016</a:t>
             </a:fld>
             <a:endParaRPr lang="en-US"/>
           </a:p>
@@ -904,12 +627,7 @@
             <p:ph type="ftr" sz="quarter" idx="11"/>
           </p:nvPr>
         </p:nvSpPr>
-        <p:spPr>
-          <a:xfrm>
-            <a:off x="2640597" y="6377459"/>
-            <a:ext cx="3836404" cy="365125"/>
-          </a:xfrm>
-        </p:spPr>
+        <p:spPr/>
         <p:txBody>
           <a:bodyPr/>
           <a:lstStyle/>
@@ -933,7 +651,7 @@
           <a:bodyPr/>
           <a:lstStyle/>
           <a:p>
-            <a:fld id="{3FC8A660-D84A-4CD7-A356-93077375BF90}" type="slidenum">
+            <a:fld id="{8D7E2EF1-94DC-44F5-A526-FD74D364DCB6}" type="slidenum">
               <a:rPr lang="en-US" smtClean="0"/>
               <a:t>‹#›</a:t>
             </a:fld>
@@ -942,6 +660,11 @@
         </p:txBody>
       </p:sp>
     </p:spTree>
+    <p:extLst>
+      <p:ext uri="{BB962C8B-B14F-4D97-AF65-F5344CB8AC3E}">
+        <p14:creationId xmlns:p14="http://schemas.microsoft.com/office/powerpoint/2010/main" val="994800052"/>
+      </p:ext>
+    </p:extLst>
   </p:cSld>
   <p:clrMapOvr>
     <a:masterClrMapping/>
@@ -976,23 +699,16 @@
             <p:ph type="title"/>
           </p:nvPr>
         </p:nvSpPr>
-        <p:spPr>
-          <a:xfrm>
-            <a:off x="457200" y="155448"/>
-            <a:ext cx="8229600" cy="1252728"/>
-          </a:xfrm>
-        </p:spPr>
-        <p:txBody>
-          <a:bodyPr/>
-          <a:lstStyle>
-            <a:extLst/>
-          </a:lstStyle>
-          <a:p>
-            <a:r>
-              <a:rPr kumimoji="0" lang="en-US" smtClean="0"/>
+        <p:spPr/>
+        <p:txBody>
+          <a:bodyPr/>
+          <a:lstStyle/>
+          <a:p>
+            <a:r>
+              <a:rPr lang="en-US" smtClean="0"/>
               <a:t>Click to edit Master title style</a:t>
             </a:r>
-            <a:endParaRPr kumimoji="0" lang="en-US"/>
+            <a:endParaRPr lang="en-US"/>
           </a:p>
         </p:txBody>
       </p:sp>
@@ -1009,44 +725,42 @@
         <p:spPr/>
         <p:txBody>
           <a:bodyPr/>
-          <a:lstStyle>
-            <a:extLst/>
-          </a:lstStyle>
-          <a:p>
-            <a:pPr lvl="0" eaLnBrk="1" latinLnBrk="0" hangingPunct="1"/>
+          <a:lstStyle/>
+          <a:p>
+            <a:pPr lvl="0"/>
             <a:r>
               <a:rPr lang="en-US" smtClean="0"/>
               <a:t>Click to edit Master text styles</a:t>
             </a:r>
           </a:p>
           <a:p>
-            <a:pPr lvl="1" eaLnBrk="1" latinLnBrk="0" hangingPunct="1"/>
+            <a:pPr lvl="1"/>
             <a:r>
               <a:rPr lang="en-US" smtClean="0"/>
               <a:t>Second level</a:t>
             </a:r>
           </a:p>
           <a:p>
-            <a:pPr lvl="2" eaLnBrk="1" latinLnBrk="0" hangingPunct="1"/>
+            <a:pPr lvl="2"/>
             <a:r>
               <a:rPr lang="en-US" smtClean="0"/>
               <a:t>Third level</a:t>
             </a:r>
           </a:p>
           <a:p>
-            <a:pPr lvl="3" eaLnBrk="1" latinLnBrk="0" hangingPunct="1"/>
+            <a:pPr lvl="3"/>
             <a:r>
               <a:rPr lang="en-US" smtClean="0"/>
               <a:t>Fourth level</a:t>
             </a:r>
           </a:p>
           <a:p>
-            <a:pPr lvl="4" eaLnBrk="1" latinLnBrk="0" hangingPunct="1"/>
+            <a:pPr lvl="4"/>
             <a:r>
               <a:rPr lang="en-US" smtClean="0"/>
               <a:t>Fifth level</a:t>
             </a:r>
-            <a:endParaRPr kumimoji="0" lang="en-US"/>
+            <a:endParaRPr lang="en-US"/>
           </a:p>
         </p:txBody>
       </p:sp>
@@ -1065,9 +779,9 @@
           <a:bodyPr/>
           <a:lstStyle/>
           <a:p>
-            <a:fld id="{635BB966-669B-45D9-A7F0-F2AB7D3A47CE}" type="datetimeFigureOut">
-              <a:rPr lang="en-US" smtClean="0"/>
-              <a:t>08/25/2014</a:t>
+            <a:fld id="{8362C8D4-5748-4CF1-ABED-3009C1ED6FAD}" type="datetimeFigureOut">
+              <a:rPr lang="en-US" smtClean="0"/>
+              <a:t>8/17/2016</a:t>
             </a:fld>
             <a:endParaRPr lang="en-US"/>
           </a:p>
@@ -1107,7 +821,7 @@
           <a:bodyPr/>
           <a:lstStyle/>
           <a:p>
-            <a:fld id="{3FC8A660-D84A-4CD7-A356-93077375BF90}" type="slidenum">
+            <a:fld id="{8D7E2EF1-94DC-44F5-A526-FD74D364DCB6}" type="slidenum">
               <a:rPr lang="en-US" smtClean="0"/>
               <a:t>‹#›</a:t>
             </a:fld>
@@ -1116,6 +830,11 @@
         </p:txBody>
       </p:sp>
     </p:spTree>
+    <p:extLst>
+      <p:ext uri="{BB962C8B-B14F-4D97-AF65-F5344CB8AC3E}">
+        <p14:creationId xmlns:p14="http://schemas.microsoft.com/office/powerpoint/2010/main" val="1450414219"/>
+      </p:ext>
+    </p:extLst>
   </p:cSld>
   <p:clrMapOvr>
     <a:masterClrMapping/>
@@ -1124,13 +843,8 @@
 </file>
 
 <file path=ppt/slideLayouts/slideLayout3.xml><?xml version="1.0" encoding="utf-8"?>
-<p:sldLayout xmlns:a="http://schemas.openxmlformats.org/drawingml/2006/main" xmlns:r="http://schemas.openxmlformats.org/officeDocument/2006/relationships" xmlns:p="http://schemas.openxmlformats.org/presentationml/2006/main" showMasterSp="0" type="secHead" preserve="1">
+<p:sldLayout xmlns:a="http://schemas.openxmlformats.org/drawingml/2006/main" xmlns:r="http://schemas.openxmlformats.org/officeDocument/2006/relationships" xmlns:p="http://schemas.openxmlformats.org/presentationml/2006/main" type="secHead" preserve="1">
   <p:cSld name="Section Header">
-    <p:bg>
-      <p:bgRef idx="1002">
-        <a:schemeClr val="bg2"/>
-      </p:bgRef>
-    </p:bg>
     <p:spTree>
       <p:nvGrpSpPr>
         <p:cNvPr id="1" name=""/>
@@ -1147,107 +861,6 @@
       </p:grpSpPr>
       <p:sp>
         <p:nvSpPr>
-          <p:cNvPr id="9" name="Rectangle 8"/>
-          <p:cNvSpPr/>
-          <p:nvPr/>
-        </p:nvSpPr>
-        <p:spPr bwMode="ltGray">
-          <a:xfrm>
-            <a:off x="0" y="1"/>
-            <a:ext cx="9144000" cy="2602520"/>
-          </a:xfrm>
-          <a:prstGeom prst="rect">
-            <a:avLst/>
-          </a:prstGeom>
-          <a:solidFill>
-            <a:srgbClr val="000000"/>
-          </a:solidFill>
-          <a:ln w="48000" cap="flat" cmpd="thickThin" algn="ctr">
-            <a:noFill/>
-            <a:prstDash val="solid"/>
-          </a:ln>
-        </p:spPr>
-        <p:style>
-          <a:lnRef idx="2">
-            <a:schemeClr val="accent1"/>
-          </a:lnRef>
-          <a:fillRef idx="1">
-            <a:schemeClr val="accent1"/>
-          </a:fillRef>
-          <a:effectRef idx="0">
-            <a:schemeClr val="accent1"/>
-          </a:effectRef>
-          <a:fontRef idx="minor">
-            <a:schemeClr val="lt1"/>
-          </a:fontRef>
-        </p:style>
-        <p:txBody>
-          <a:bodyPr rtlCol="0" anchor="ctr"/>
-          <a:lstStyle>
-            <a:extLst/>
-          </a:lstStyle>
-          <a:p>
-            <a:pPr algn="ctr" eaLnBrk="1" latinLnBrk="0" hangingPunct="1"/>
-            <a:endParaRPr kumimoji="0" lang="en-US"/>
-          </a:p>
-        </p:txBody>
-      </p:sp>
-      <p:sp>
-        <p:nvSpPr>
-          <p:cNvPr id="12" name="Rectangle 11"/>
-          <p:cNvSpPr/>
-          <p:nvPr/>
-        </p:nvSpPr>
-        <p:spPr bwMode="invGray">
-          <a:xfrm>
-            <a:off x="0" y="2602520"/>
-            <a:ext cx="9144000" cy="45720"/>
-          </a:xfrm>
-          <a:prstGeom prst="rect">
-            <a:avLst/>
-          </a:prstGeom>
-          <a:solidFill>
-            <a:srgbClr val="FFFFFF"/>
-          </a:solidFill>
-          <a:ln w="48000" cap="flat" cmpd="thickThin" algn="ctr">
-            <a:noFill/>
-            <a:prstDash val="solid"/>
-          </a:ln>
-          <a:effectLst>
-            <a:outerShdw blurRad="31750" dist="10160" dir="5400000" algn="tl" rotWithShape="0">
-              <a:srgbClr val="000000">
-                <a:alpha val="60000"/>
-              </a:srgbClr>
-            </a:outerShdw>
-          </a:effectLst>
-        </p:spPr>
-        <p:style>
-          <a:lnRef idx="2">
-            <a:schemeClr val="accent1"/>
-          </a:lnRef>
-          <a:fillRef idx="1">
-            <a:schemeClr val="accent1"/>
-          </a:fillRef>
-          <a:effectRef idx="0">
-            <a:schemeClr val="accent1"/>
-          </a:effectRef>
-          <a:fontRef idx="minor">
-            <a:schemeClr val="lt1"/>
-          </a:fontRef>
-        </p:style>
-        <p:txBody>
-          <a:bodyPr rtlCol="0" anchor="ctr"/>
-          <a:lstStyle>
-            <a:extLst/>
-          </a:lstStyle>
-          <a:p>
-            <a:pPr algn="ctr" eaLnBrk="1" latinLnBrk="0" hangingPunct="1"/>
-            <a:endParaRPr kumimoji="0" lang="en-US"/>
-          </a:p>
-        </p:txBody>
-      </p:sp>
-      <p:sp>
-        <p:nvSpPr>
           <p:cNvPr id="2" name="Title 1"/>
           <p:cNvSpPr>
             <a:spLocks noGrp="1"/>
@@ -1258,35 +871,23 @@
         </p:nvSpPr>
         <p:spPr>
           <a:xfrm>
-            <a:off x="749808" y="118872"/>
-            <a:ext cx="8013192" cy="1636776"/>
+            <a:off x="831850" y="1709738"/>
+            <a:ext cx="10515600" cy="2852737"/>
           </a:xfrm>
         </p:spPr>
         <p:txBody>
-          <a:bodyPr vert="horz" lIns="91440" tIns="0" rIns="91440" bIns="0" rtlCol="0" anchor="b">
-            <a:normAutofit/>
-            <a:scene3d>
-              <a:camera prst="orthographicFront"/>
-              <a:lightRig rig="threePt" dir="t">
-                <a:rot lat="0" lon="0" rev="4800000"/>
-              </a:lightRig>
-            </a:scene3d>
-            <a:sp3d prstMaterial="matte">
-              <a:bevelT w="50800" h="10160"/>
-            </a:sp3d>
-          </a:bodyPr>
+          <a:bodyPr anchor="b"/>
           <a:lstStyle>
-            <a:lvl1pPr algn="l">
-              <a:defRPr sz="4700" b="1" cap="none" baseline="0"/>
+            <a:lvl1pPr>
+              <a:defRPr sz="6000"/>
             </a:lvl1pPr>
-            <a:extLst/>
           </a:lstStyle>
           <a:p>
             <a:r>
-              <a:rPr kumimoji="0" lang="en-US" smtClean="0"/>
+              <a:rPr lang="en-US" smtClean="0"/>
               <a:t>Click to edit Master title style</a:t>
             </a:r>
-            <a:endParaRPr kumimoji="0" lang="en-US"/>
+            <a:endParaRPr lang="en-US"/>
           </a:p>
         </p:txBody>
       </p:sp>
@@ -1302,24 +903,26 @@
         </p:nvSpPr>
         <p:spPr>
           <a:xfrm>
-            <a:off x="740664" y="1828800"/>
-            <a:ext cx="8022336" cy="685800"/>
+            <a:off x="831850" y="4589463"/>
+            <a:ext cx="10515600" cy="1500187"/>
           </a:xfrm>
         </p:spPr>
         <p:txBody>
-          <a:bodyPr lIns="146304" tIns="0" rIns="45720" bIns="0" anchor="t"/>
+          <a:bodyPr/>
           <a:lstStyle>
             <a:lvl1pPr marL="0" indent="0">
               <a:buNone/>
-              <a:defRPr sz="2000">
+              <a:defRPr sz="2400">
                 <a:solidFill>
-                  <a:srgbClr val="FFFFFF"/>
+                  <a:schemeClr val="tx1">
+                    <a:tint val="75000"/>
+                  </a:schemeClr>
                 </a:solidFill>
               </a:defRPr>
             </a:lvl1pPr>
             <a:lvl2pPr marL="457200" indent="0">
               <a:buNone/>
-              <a:defRPr sz="1800">
+              <a:defRPr sz="2000">
                 <a:solidFill>
                   <a:schemeClr val="tx1">
                     <a:tint val="75000"/>
@@ -1329,7 +932,7 @@
             </a:lvl2pPr>
             <a:lvl3pPr marL="914400" indent="0">
               <a:buNone/>
-              <a:defRPr sz="1600">
+              <a:defRPr sz="1800">
                 <a:solidFill>
                   <a:schemeClr val="tx1">
                     <a:tint val="75000"/>
@@ -1339,7 +942,7 @@
             </a:lvl3pPr>
             <a:lvl4pPr marL="1371600" indent="0">
               <a:buNone/>
-              <a:defRPr sz="1400">
+              <a:defRPr sz="1600">
                 <a:solidFill>
                   <a:schemeClr val="tx1">
                     <a:tint val="75000"/>
@@ -1349,7 +952,7 @@
             </a:lvl4pPr>
             <a:lvl5pPr marL="1828800" indent="0">
               <a:buNone/>
-              <a:defRPr sz="1400">
+              <a:defRPr sz="1600">
                 <a:solidFill>
                   <a:schemeClr val="tx1">
                     <a:tint val="75000"/>
@@ -1359,7 +962,7 @@
             </a:lvl5pPr>
             <a:lvl6pPr marL="2286000" indent="0">
               <a:buNone/>
-              <a:defRPr sz="1400">
+              <a:defRPr sz="1600">
                 <a:solidFill>
                   <a:schemeClr val="tx1">
                     <a:tint val="75000"/>
@@ -1369,7 +972,7 @@
             </a:lvl6pPr>
             <a:lvl7pPr marL="2743200" indent="0">
               <a:buNone/>
-              <a:defRPr sz="1400">
+              <a:defRPr sz="1600">
                 <a:solidFill>
                   <a:schemeClr val="tx1">
                     <a:tint val="75000"/>
@@ -1379,7 +982,7 @@
             </a:lvl7pPr>
             <a:lvl8pPr marL="3200400" indent="0">
               <a:buNone/>
-              <a:defRPr sz="1400">
+              <a:defRPr sz="1600">
                 <a:solidFill>
                   <a:schemeClr val="tx1">
                     <a:tint val="75000"/>
@@ -1389,7 +992,7 @@
             </a:lvl8pPr>
             <a:lvl9pPr marL="3657600" indent="0">
               <a:buNone/>
-              <a:defRPr sz="1400">
+              <a:defRPr sz="1600">
                 <a:solidFill>
                   <a:schemeClr val="tx1">
                     <a:tint val="75000"/>
@@ -1397,12 +1000,11 @@
                 </a:solidFill>
               </a:defRPr>
             </a:lvl9pPr>
-            <a:extLst/>
           </a:lstStyle>
           <a:p>
-            <a:pPr lvl="0" eaLnBrk="1" latinLnBrk="0" hangingPunct="1"/>
-            <a:r>
-              <a:rPr kumimoji="0" lang="en-US" smtClean="0"/>
+            <a:pPr lvl="0"/>
+            <a:r>
+              <a:rPr lang="en-US" smtClean="0"/>
               <a:t>Click to edit Master text styles</a:t>
             </a:r>
           </a:p>
@@ -1423,9 +1025,9 @@
           <a:bodyPr/>
           <a:lstStyle/>
           <a:p>
-            <a:fld id="{635BB966-669B-45D9-A7F0-F2AB7D3A47CE}" type="datetimeFigureOut">
-              <a:rPr lang="en-US" smtClean="0"/>
-              <a:t>08/25/2014</a:t>
+            <a:fld id="{8362C8D4-5748-4CF1-ABED-3009C1ED6FAD}" type="datetimeFigureOut">
+              <a:rPr lang="en-US" smtClean="0"/>
+              <a:t>8/17/2016</a:t>
             </a:fld>
             <a:endParaRPr lang="en-US"/>
           </a:p>
@@ -1465,7 +1067,7 @@
           <a:bodyPr/>
           <a:lstStyle/>
           <a:p>
-            <a:fld id="{3FC8A660-D84A-4CD7-A356-93077375BF90}" type="slidenum">
+            <a:fld id="{8D7E2EF1-94DC-44F5-A526-FD74D364DCB6}" type="slidenum">
               <a:rPr lang="en-US" smtClean="0"/>
               <a:t>‹#›</a:t>
             </a:fld>
@@ -1474,9 +1076,14 @@
         </p:txBody>
       </p:sp>
     </p:spTree>
+    <p:extLst>
+      <p:ext uri="{BB962C8B-B14F-4D97-AF65-F5344CB8AC3E}">
+        <p14:creationId xmlns:p14="http://schemas.microsoft.com/office/powerpoint/2010/main" val="3130474070"/>
+      </p:ext>
+    </p:extLst>
   </p:cSld>
   <p:clrMapOvr>
-    <a:overrideClrMapping bg1="dk1" tx1="lt1" bg2="dk2" tx2="lt2" accent1="accent1" accent2="accent2" accent3="accent3" accent4="accent4" accent5="accent5" accent6="accent6" hlink="hlink" folHlink="folHlink"/>
+    <a:masterClrMapping/>
   </p:clrMapOvr>
 </p:sldLayout>
 </file>
@@ -1511,15 +1118,13 @@
         <p:spPr/>
         <p:txBody>
           <a:bodyPr/>
-          <a:lstStyle>
-            <a:extLst/>
-          </a:lstStyle>
-          <a:p>
-            <a:r>
-              <a:rPr kumimoji="0" lang="en-US" smtClean="0"/>
+          <a:lstStyle/>
+          <a:p>
+            <a:r>
+              <a:rPr lang="en-US" smtClean="0"/>
               <a:t>Click to edit Master title style</a:t>
             </a:r>
-            <a:endParaRPr kumimoji="0" lang="en-US"/>
+            <a:endParaRPr lang="en-US"/>
           </a:p>
         </p:txBody>
       </p:sp>
@@ -1535,77 +1140,48 @@
         </p:nvSpPr>
         <p:spPr>
           <a:xfrm>
-            <a:off x="457200" y="1773936"/>
-            <a:ext cx="4038600" cy="4623816"/>
+            <a:off x="838200" y="1825625"/>
+            <a:ext cx="5181600" cy="4351338"/>
           </a:xfrm>
         </p:spPr>
         <p:txBody>
-          <a:bodyPr lIns="91440"/>
-          <a:lstStyle>
-            <a:lvl1pPr>
-              <a:defRPr sz="2800"/>
-            </a:lvl1pPr>
-            <a:lvl2pPr>
-              <a:defRPr sz="2400"/>
-            </a:lvl2pPr>
-            <a:lvl3pPr>
-              <a:defRPr sz="2000"/>
-            </a:lvl3pPr>
-            <a:lvl4pPr>
-              <a:defRPr sz="1800"/>
-            </a:lvl4pPr>
-            <a:lvl5pPr>
-              <a:defRPr sz="1800"/>
-            </a:lvl5pPr>
-            <a:lvl6pPr>
-              <a:defRPr sz="1800"/>
-            </a:lvl6pPr>
-            <a:lvl7pPr>
-              <a:defRPr sz="1800"/>
-            </a:lvl7pPr>
-            <a:lvl8pPr>
-              <a:defRPr sz="1800"/>
-            </a:lvl8pPr>
-            <a:lvl9pPr>
-              <a:defRPr sz="1800"/>
-            </a:lvl9pPr>
-            <a:extLst/>
-          </a:lstStyle>
-          <a:p>
-            <a:pPr lvl="0" eaLnBrk="1" latinLnBrk="0" hangingPunct="1"/>
+          <a:bodyPr/>
+          <a:lstStyle/>
+          <a:p>
+            <a:pPr lvl="0"/>
             <a:r>
               <a:rPr lang="en-US" smtClean="0"/>
               <a:t>Click to edit Master text styles</a:t>
             </a:r>
           </a:p>
           <a:p>
-            <a:pPr lvl="1" eaLnBrk="1" latinLnBrk="0" hangingPunct="1"/>
+            <a:pPr lvl="1"/>
             <a:r>
               <a:rPr lang="en-US" smtClean="0"/>
               <a:t>Second level</a:t>
             </a:r>
           </a:p>
           <a:p>
-            <a:pPr lvl="2" eaLnBrk="1" latinLnBrk="0" hangingPunct="1"/>
+            <a:pPr lvl="2"/>
             <a:r>
               <a:rPr lang="en-US" smtClean="0"/>
               <a:t>Third level</a:t>
             </a:r>
           </a:p>
           <a:p>
-            <a:pPr lvl="3" eaLnBrk="1" latinLnBrk="0" hangingPunct="1"/>
+            <a:pPr lvl="3"/>
             <a:r>
               <a:rPr lang="en-US" smtClean="0"/>
               <a:t>Fourth level</a:t>
             </a:r>
           </a:p>
           <a:p>
-            <a:pPr lvl="4" eaLnBrk="1" latinLnBrk="0" hangingPunct="1"/>
+            <a:pPr lvl="4"/>
             <a:r>
               <a:rPr lang="en-US" smtClean="0"/>
               <a:t>Fifth level</a:t>
             </a:r>
-            <a:endParaRPr kumimoji="0" lang="en-US"/>
+            <a:endParaRPr lang="en-US"/>
           </a:p>
         </p:txBody>
       </p:sp>
@@ -1621,77 +1197,48 @@
         </p:nvSpPr>
         <p:spPr>
           <a:xfrm>
-            <a:off x="4648200" y="1773936"/>
-            <a:ext cx="4038600" cy="4623816"/>
+            <a:off x="6172200" y="1825625"/>
+            <a:ext cx="5181600" cy="4351338"/>
           </a:xfrm>
         </p:spPr>
         <p:txBody>
           <a:bodyPr/>
-          <a:lstStyle>
-            <a:lvl1pPr>
-              <a:defRPr sz="2800"/>
-            </a:lvl1pPr>
-            <a:lvl2pPr>
-              <a:defRPr sz="2400"/>
-            </a:lvl2pPr>
-            <a:lvl3pPr>
-              <a:defRPr sz="2000"/>
-            </a:lvl3pPr>
-            <a:lvl4pPr>
-              <a:defRPr sz="1800"/>
-            </a:lvl4pPr>
-            <a:lvl5pPr>
-              <a:defRPr sz="1800"/>
-            </a:lvl5pPr>
-            <a:lvl6pPr>
-              <a:defRPr sz="1800"/>
-            </a:lvl6pPr>
-            <a:lvl7pPr>
-              <a:defRPr sz="1800"/>
-            </a:lvl7pPr>
-            <a:lvl8pPr>
-              <a:defRPr sz="1800"/>
-            </a:lvl8pPr>
-            <a:lvl9pPr>
-              <a:defRPr sz="1800"/>
-            </a:lvl9pPr>
-            <a:extLst/>
-          </a:lstStyle>
-          <a:p>
-            <a:pPr lvl="0" eaLnBrk="1" latinLnBrk="0" hangingPunct="1"/>
+          <a:lstStyle/>
+          <a:p>
+            <a:pPr lvl="0"/>
             <a:r>
               <a:rPr lang="en-US" smtClean="0"/>
               <a:t>Click to edit Master text styles</a:t>
             </a:r>
           </a:p>
           <a:p>
-            <a:pPr lvl="1" eaLnBrk="1" latinLnBrk="0" hangingPunct="1"/>
+            <a:pPr lvl="1"/>
             <a:r>
               <a:rPr lang="en-US" smtClean="0"/>
               <a:t>Second level</a:t>
             </a:r>
           </a:p>
           <a:p>
-            <a:pPr lvl="2" eaLnBrk="1" latinLnBrk="0" hangingPunct="1"/>
+            <a:pPr lvl="2"/>
             <a:r>
               <a:rPr lang="en-US" smtClean="0"/>
               <a:t>Third level</a:t>
             </a:r>
           </a:p>
           <a:p>
-            <a:pPr lvl="3" eaLnBrk="1" latinLnBrk="0" hangingPunct="1"/>
+            <a:pPr lvl="3"/>
             <a:r>
               <a:rPr lang="en-US" smtClean="0"/>
               <a:t>Fourth level</a:t>
             </a:r>
           </a:p>
           <a:p>
-            <a:pPr lvl="4" eaLnBrk="1" latinLnBrk="0" hangingPunct="1"/>
+            <a:pPr lvl="4"/>
             <a:r>
               <a:rPr lang="en-US" smtClean="0"/>
               <a:t>Fifth level</a:t>
             </a:r>
-            <a:endParaRPr kumimoji="0" lang="en-US"/>
+            <a:endParaRPr lang="en-US"/>
           </a:p>
         </p:txBody>
       </p:sp>
@@ -1710,9 +1257,9 @@
           <a:bodyPr/>
           <a:lstStyle/>
           <a:p>
-            <a:fld id="{635BB966-669B-45D9-A7F0-F2AB7D3A47CE}" type="datetimeFigureOut">
-              <a:rPr lang="en-US" smtClean="0"/>
-              <a:t>08/25/2014</a:t>
+            <a:fld id="{8362C8D4-5748-4CF1-ABED-3009C1ED6FAD}" type="datetimeFigureOut">
+              <a:rPr lang="en-US" smtClean="0"/>
+              <a:t>8/17/2016</a:t>
             </a:fld>
             <a:endParaRPr lang="en-US"/>
           </a:p>
@@ -1752,7 +1299,7 @@
           <a:bodyPr/>
           <a:lstStyle/>
           <a:p>
-            <a:fld id="{3FC8A660-D84A-4CD7-A356-93077375BF90}" type="slidenum">
+            <a:fld id="{8D7E2EF1-94DC-44F5-A526-FD74D364DCB6}" type="slidenum">
               <a:rPr lang="en-US" smtClean="0"/>
               <a:t>‹#›</a:t>
             </a:fld>
@@ -1761,6 +1308,11 @@
         </p:txBody>
       </p:sp>
     </p:spTree>
+    <p:extLst>
+      <p:ext uri="{BB962C8B-B14F-4D97-AF65-F5344CB8AC3E}">
+        <p14:creationId xmlns:p14="http://schemas.microsoft.com/office/powerpoint/2010/main" val="960808781"/>
+      </p:ext>
+    </p:extLst>
   </p:cSld>
   <p:clrMapOvr>
     <a:masterClrMapping/>
@@ -1795,46 +1347,46 @@
             <p:ph type="title"/>
           </p:nvPr>
         </p:nvSpPr>
-        <p:spPr/>
-        <p:txBody>
-          <a:bodyPr/>
-          <a:lstStyle>
-            <a:lvl1pPr>
-              <a:defRPr/>
-            </a:lvl1pPr>
-            <a:extLst/>
-          </a:lstStyle>
-          <a:p>
-            <a:r>
-              <a:rPr kumimoji="0" lang="en-US" smtClean="0"/>
-              <a:t>Click to edit Master title style</a:t>
-            </a:r>
-            <a:endParaRPr kumimoji="0" lang="en-US"/>
-          </a:p>
-        </p:txBody>
-      </p:sp>
-      <p:sp>
-        <p:nvSpPr>
-          <p:cNvPr id="3" name="Text Placeholder 2"/>
-          <p:cNvSpPr>
-            <a:spLocks noGrp="1"/>
-          </p:cNvSpPr>
-          <p:nvPr>
-            <p:ph type="body" idx="1"/>
-          </p:nvPr>
-        </p:nvSpPr>
         <p:spPr>
           <a:xfrm>
-            <a:off x="457200" y="1698987"/>
-            <a:ext cx="4040188" cy="715355"/>
+            <a:off x="839788" y="365125"/>
+            <a:ext cx="10515600" cy="1325563"/>
           </a:xfrm>
         </p:spPr>
         <p:txBody>
-          <a:bodyPr lIns="146304" anchor="ctr"/>
+          <a:bodyPr/>
+          <a:lstStyle/>
+          <a:p>
+            <a:r>
+              <a:rPr lang="en-US" smtClean="0"/>
+              <a:t>Click to edit Master title style</a:t>
+            </a:r>
+            <a:endParaRPr lang="en-US"/>
+          </a:p>
+        </p:txBody>
+      </p:sp>
+      <p:sp>
+        <p:nvSpPr>
+          <p:cNvPr id="3" name="Text Placeholder 2"/>
+          <p:cNvSpPr>
+            <a:spLocks noGrp="1"/>
+          </p:cNvSpPr>
+          <p:nvPr>
+            <p:ph type="body" idx="1"/>
+          </p:nvPr>
+        </p:nvSpPr>
+        <p:spPr>
+          <a:xfrm>
+            <a:off x="839788" y="1681163"/>
+            <a:ext cx="5157787" cy="823912"/>
+          </a:xfrm>
+        </p:spPr>
+        <p:txBody>
+          <a:bodyPr anchor="b"/>
           <a:lstStyle>
             <a:lvl1pPr marL="0" indent="0">
               <a:buNone/>
-              <a:defRPr sz="2300" b="1" cap="all" baseline="0"/>
+              <a:defRPr sz="2400" b="1"/>
             </a:lvl1pPr>
             <a:lvl2pPr marL="457200" indent="0">
               <a:buNone/>
@@ -1868,12 +1420,11 @@
               <a:buNone/>
               <a:defRPr sz="1600" b="1"/>
             </a:lvl9pPr>
-            <a:extLst/>
           </a:lstStyle>
           <a:p>
-            <a:pPr lvl="0" eaLnBrk="1" latinLnBrk="0" hangingPunct="1"/>
-            <a:r>
-              <a:rPr kumimoji="0" lang="en-US" smtClean="0"/>
+            <a:pPr lvl="0"/>
+            <a:r>
+              <a:rPr lang="en-US" smtClean="0"/>
               <a:t>Click to edit Master text styles</a:t>
             </a:r>
           </a:p>
@@ -1891,77 +1442,48 @@
         </p:nvSpPr>
         <p:spPr>
           <a:xfrm>
-            <a:off x="457200" y="2449512"/>
-            <a:ext cx="4040188" cy="3951288"/>
+            <a:off x="839788" y="2505075"/>
+            <a:ext cx="5157787" cy="3684588"/>
           </a:xfrm>
         </p:spPr>
         <p:txBody>
           <a:bodyPr/>
-          <a:lstStyle>
-            <a:lvl1pPr>
-              <a:defRPr sz="2400"/>
-            </a:lvl1pPr>
-            <a:lvl2pPr>
-              <a:defRPr sz="2000"/>
-            </a:lvl2pPr>
-            <a:lvl3pPr>
-              <a:defRPr sz="1800"/>
-            </a:lvl3pPr>
-            <a:lvl4pPr>
-              <a:defRPr sz="1600"/>
-            </a:lvl4pPr>
-            <a:lvl5pPr>
-              <a:defRPr sz="1600"/>
-            </a:lvl5pPr>
-            <a:lvl6pPr>
-              <a:defRPr sz="1600"/>
-            </a:lvl6pPr>
-            <a:lvl7pPr>
-              <a:defRPr sz="1600"/>
-            </a:lvl7pPr>
-            <a:lvl8pPr>
-              <a:defRPr sz="1600"/>
-            </a:lvl8pPr>
-            <a:lvl9pPr>
-              <a:defRPr sz="1600"/>
-            </a:lvl9pPr>
-            <a:extLst/>
-          </a:lstStyle>
-          <a:p>
-            <a:pPr lvl="0" eaLnBrk="1" latinLnBrk="0" hangingPunct="1"/>
+          <a:lstStyle/>
+          <a:p>
+            <a:pPr lvl="0"/>
             <a:r>
               <a:rPr lang="en-US" smtClean="0"/>
               <a:t>Click to edit Master text styles</a:t>
             </a:r>
           </a:p>
           <a:p>
-            <a:pPr lvl="1" eaLnBrk="1" latinLnBrk="0" hangingPunct="1"/>
+            <a:pPr lvl="1"/>
             <a:r>
               <a:rPr lang="en-US" smtClean="0"/>
               <a:t>Second level</a:t>
             </a:r>
           </a:p>
           <a:p>
-            <a:pPr lvl="2" eaLnBrk="1" latinLnBrk="0" hangingPunct="1"/>
+            <a:pPr lvl="2"/>
             <a:r>
               <a:rPr lang="en-US" smtClean="0"/>
               <a:t>Third level</a:t>
             </a:r>
           </a:p>
           <a:p>
-            <a:pPr lvl="3" eaLnBrk="1" latinLnBrk="0" hangingPunct="1"/>
+            <a:pPr lvl="3"/>
             <a:r>
               <a:rPr lang="en-US" smtClean="0"/>
               <a:t>Fourth level</a:t>
             </a:r>
           </a:p>
           <a:p>
-            <a:pPr lvl="4" eaLnBrk="1" latinLnBrk="0" hangingPunct="1"/>
+            <a:pPr lvl="4"/>
             <a:r>
               <a:rPr lang="en-US" smtClean="0"/>
               <a:t>Fifth level</a:t>
             </a:r>
-            <a:endParaRPr kumimoji="0" lang="en-US"/>
+            <a:endParaRPr lang="en-US"/>
           </a:p>
         </p:txBody>
       </p:sp>
@@ -1977,16 +1499,16 @@
         </p:nvSpPr>
         <p:spPr>
           <a:xfrm>
-            <a:off x="4645025" y="1698987"/>
-            <a:ext cx="4041775" cy="715355"/>
+            <a:off x="6172200" y="1681163"/>
+            <a:ext cx="5183188" cy="823912"/>
           </a:xfrm>
         </p:spPr>
         <p:txBody>
-          <a:bodyPr lIns="146304" anchor="ctr"/>
+          <a:bodyPr anchor="b"/>
           <a:lstStyle>
             <a:lvl1pPr marL="0" indent="0">
               <a:buNone/>
-              <a:defRPr sz="2300" b="1" cap="all" baseline="0"/>
+              <a:defRPr sz="2400" b="1"/>
             </a:lvl1pPr>
             <a:lvl2pPr marL="457200" indent="0">
               <a:buNone/>
@@ -2020,12 +1542,11 @@
               <a:buNone/>
               <a:defRPr sz="1600" b="1"/>
             </a:lvl9pPr>
-            <a:extLst/>
           </a:lstStyle>
           <a:p>
-            <a:pPr lvl="0" eaLnBrk="1" latinLnBrk="0" hangingPunct="1"/>
-            <a:r>
-              <a:rPr kumimoji="0" lang="en-US" smtClean="0"/>
+            <a:pPr lvl="0"/>
+            <a:r>
+              <a:rPr lang="en-US" smtClean="0"/>
               <a:t>Click to edit Master text styles</a:t>
             </a:r>
           </a:p>
@@ -2043,77 +1564,48 @@
         </p:nvSpPr>
         <p:spPr>
           <a:xfrm>
-            <a:off x="4645025" y="2449512"/>
-            <a:ext cx="4041775" cy="3951288"/>
+            <a:off x="6172200" y="2505075"/>
+            <a:ext cx="5183188" cy="3684588"/>
           </a:xfrm>
         </p:spPr>
         <p:txBody>
           <a:bodyPr/>
-          <a:lstStyle>
-            <a:lvl1pPr>
-              <a:defRPr sz="2400"/>
-            </a:lvl1pPr>
-            <a:lvl2pPr>
-              <a:defRPr sz="2000"/>
-            </a:lvl2pPr>
-            <a:lvl3pPr>
-              <a:defRPr sz="1800"/>
-            </a:lvl3pPr>
-            <a:lvl4pPr>
-              <a:defRPr sz="1600"/>
-            </a:lvl4pPr>
-            <a:lvl5pPr>
-              <a:defRPr sz="1600"/>
-            </a:lvl5pPr>
-            <a:lvl6pPr>
-              <a:defRPr sz="1600"/>
-            </a:lvl6pPr>
-            <a:lvl7pPr>
-              <a:defRPr sz="1600"/>
-            </a:lvl7pPr>
-            <a:lvl8pPr>
-              <a:defRPr sz="1600"/>
-            </a:lvl8pPr>
-            <a:lvl9pPr>
-              <a:defRPr sz="1600"/>
-            </a:lvl9pPr>
-            <a:extLst/>
-          </a:lstStyle>
-          <a:p>
-            <a:pPr lvl="0" eaLnBrk="1" latinLnBrk="0" hangingPunct="1"/>
+          <a:lstStyle/>
+          <a:p>
+            <a:pPr lvl="0"/>
             <a:r>
               <a:rPr lang="en-US" smtClean="0"/>
               <a:t>Click to edit Master text styles</a:t>
             </a:r>
           </a:p>
           <a:p>
-            <a:pPr lvl="1" eaLnBrk="1" latinLnBrk="0" hangingPunct="1"/>
+            <a:pPr lvl="1"/>
             <a:r>
               <a:rPr lang="en-US" smtClean="0"/>
               <a:t>Second level</a:t>
             </a:r>
           </a:p>
           <a:p>
-            <a:pPr lvl="2" eaLnBrk="1" latinLnBrk="0" hangingPunct="1"/>
+            <a:pPr lvl="2"/>
             <a:r>
               <a:rPr lang="en-US" smtClean="0"/>
               <a:t>Third level</a:t>
             </a:r>
           </a:p>
           <a:p>
-            <a:pPr lvl="3" eaLnBrk="1" latinLnBrk="0" hangingPunct="1"/>
+            <a:pPr lvl="3"/>
             <a:r>
               <a:rPr lang="en-US" smtClean="0"/>
               <a:t>Fourth level</a:t>
             </a:r>
           </a:p>
           <a:p>
-            <a:pPr lvl="4" eaLnBrk="1" latinLnBrk="0" hangingPunct="1"/>
+            <a:pPr lvl="4"/>
             <a:r>
               <a:rPr lang="en-US" smtClean="0"/>
               <a:t>Fifth level</a:t>
             </a:r>
-            <a:endParaRPr kumimoji="0" lang="en-US"/>
+            <a:endParaRPr lang="en-US"/>
           </a:p>
         </p:txBody>
       </p:sp>
@@ -2132,9 +1624,9 @@
           <a:bodyPr/>
           <a:lstStyle/>
           <a:p>
-            <a:fld id="{635BB966-669B-45D9-A7F0-F2AB7D3A47CE}" type="datetimeFigureOut">
-              <a:rPr lang="en-US" smtClean="0"/>
-              <a:t>08/25/2014</a:t>
+            <a:fld id="{8362C8D4-5748-4CF1-ABED-3009C1ED6FAD}" type="datetimeFigureOut">
+              <a:rPr lang="en-US" smtClean="0"/>
+              <a:t>8/17/2016</a:t>
             </a:fld>
             <a:endParaRPr lang="en-US"/>
           </a:p>
@@ -2174,7 +1666,7 @@
           <a:bodyPr/>
           <a:lstStyle/>
           <a:p>
-            <a:fld id="{3FC8A660-D84A-4CD7-A356-93077375BF90}" type="slidenum">
+            <a:fld id="{8D7E2EF1-94DC-44F5-A526-FD74D364DCB6}" type="slidenum">
               <a:rPr lang="en-US" smtClean="0"/>
               <a:t>‹#›</a:t>
             </a:fld>
@@ -2183,6 +1675,11 @@
         </p:txBody>
       </p:sp>
     </p:spTree>
+    <p:extLst>
+      <p:ext uri="{BB962C8B-B14F-4D97-AF65-F5344CB8AC3E}">
+        <p14:creationId xmlns:p14="http://schemas.microsoft.com/office/powerpoint/2010/main" val="1976600368"/>
+      </p:ext>
+    </p:extLst>
   </p:cSld>
   <p:clrMapOvr>
     <a:masterClrMapping/>
@@ -2220,15 +1717,13 @@
         <p:spPr/>
         <p:txBody>
           <a:bodyPr/>
-          <a:lstStyle>
-            <a:extLst/>
-          </a:lstStyle>
-          <a:p>
-            <a:r>
-              <a:rPr kumimoji="0" lang="en-US" smtClean="0"/>
+          <a:lstStyle/>
+          <a:p>
+            <a:r>
+              <a:rPr lang="en-US" smtClean="0"/>
               <a:t>Click to edit Master title style</a:t>
             </a:r>
-            <a:endParaRPr kumimoji="0" lang="en-US"/>
+            <a:endParaRPr lang="en-US"/>
           </a:p>
         </p:txBody>
       </p:sp>
@@ -2247,9 +1742,9 @@
           <a:bodyPr/>
           <a:lstStyle/>
           <a:p>
-            <a:fld id="{635BB966-669B-45D9-A7F0-F2AB7D3A47CE}" type="datetimeFigureOut">
-              <a:rPr lang="en-US" smtClean="0"/>
-              <a:t>08/25/2014</a:t>
+            <a:fld id="{8362C8D4-5748-4CF1-ABED-3009C1ED6FAD}" type="datetimeFigureOut">
+              <a:rPr lang="en-US" smtClean="0"/>
+              <a:t>8/17/2016</a:t>
             </a:fld>
             <a:endParaRPr lang="en-US"/>
           </a:p>
@@ -2289,7 +1784,7 @@
           <a:bodyPr/>
           <a:lstStyle/>
           <a:p>
-            <a:fld id="{3FC8A660-D84A-4CD7-A356-93077375BF90}" type="slidenum">
+            <a:fld id="{8D7E2EF1-94DC-44F5-A526-FD74D364DCB6}" type="slidenum">
               <a:rPr lang="en-US" smtClean="0"/>
               <a:t>‹#›</a:t>
             </a:fld>
@@ -2298,6 +1793,11 @@
         </p:txBody>
       </p:sp>
     </p:spTree>
+    <p:extLst>
+      <p:ext uri="{BB962C8B-B14F-4D97-AF65-F5344CB8AC3E}">
+        <p14:creationId xmlns:p14="http://schemas.microsoft.com/office/powerpoint/2010/main" val="2365000892"/>
+      </p:ext>
+    </p:extLst>
   </p:cSld>
   <p:clrMapOvr>
     <a:masterClrMapping/>
@@ -2306,7 +1806,7 @@
 </file>
 
 <file path=ppt/slideLayouts/slideLayout7.xml><?xml version="1.0" encoding="utf-8"?>
-<p:sldLayout xmlns:a="http://schemas.openxmlformats.org/drawingml/2006/main" xmlns:r="http://schemas.openxmlformats.org/officeDocument/2006/relationships" xmlns:p="http://schemas.openxmlformats.org/presentationml/2006/main" showMasterSp="0" type="blank" preserve="1">
+<p:sldLayout xmlns:a="http://schemas.openxmlformats.org/drawingml/2006/main" xmlns:r="http://schemas.openxmlformats.org/officeDocument/2006/relationships" xmlns:p="http://schemas.openxmlformats.org/presentationml/2006/main" type="blank" preserve="1">
   <p:cSld name="Blank">
     <p:spTree>
       <p:nvGrpSpPr>
@@ -2337,9 +1837,9 @@
           <a:bodyPr/>
           <a:lstStyle/>
           <a:p>
-            <a:fld id="{635BB966-669B-45D9-A7F0-F2AB7D3A47CE}" type="datetimeFigureOut">
-              <a:rPr lang="en-US" smtClean="0"/>
-              <a:t>08/25/2014</a:t>
+            <a:fld id="{8362C8D4-5748-4CF1-ABED-3009C1ED6FAD}" type="datetimeFigureOut">
+              <a:rPr lang="en-US" smtClean="0"/>
+              <a:t>8/17/2016</a:t>
             </a:fld>
             <a:endParaRPr lang="en-US"/>
           </a:p>
@@ -2379,7 +1879,7 @@
           <a:bodyPr/>
           <a:lstStyle/>
           <a:p>
-            <a:fld id="{3FC8A660-D84A-4CD7-A356-93077375BF90}" type="slidenum">
+            <a:fld id="{8D7E2EF1-94DC-44F5-A526-FD74D364DCB6}" type="slidenum">
               <a:rPr lang="en-US" smtClean="0"/>
               <a:t>‹#›</a:t>
             </a:fld>
@@ -2388,6 +1888,11 @@
         </p:txBody>
       </p:sp>
     </p:spTree>
+    <p:extLst>
+      <p:ext uri="{BB962C8B-B14F-4D97-AF65-F5344CB8AC3E}">
+        <p14:creationId xmlns:p14="http://schemas.microsoft.com/office/powerpoint/2010/main" val="728131941"/>
+      </p:ext>
+    </p:extLst>
   </p:cSld>
   <p:clrMapOvr>
     <a:masterClrMapping/>
@@ -2424,27 +1929,23 @@
         </p:nvSpPr>
         <p:spPr>
           <a:xfrm>
-            <a:off x="167838" y="152400"/>
-            <a:ext cx="2523744" cy="978408"/>
+            <a:off x="839788" y="457200"/>
+            <a:ext cx="3932237" cy="1600200"/>
           </a:xfrm>
         </p:spPr>
         <p:txBody>
-          <a:bodyPr vert="horz" lIns="73152" rIns="45720" bIns="0" rtlCol="0" anchor="b">
-            <a:normAutofit/>
-            <a:sp3d prstMaterial="matte"/>
-          </a:bodyPr>
+          <a:bodyPr anchor="b"/>
           <a:lstStyle>
-            <a:lvl1pPr algn="l">
-              <a:defRPr sz="2000" b="0"/>
+            <a:lvl1pPr>
+              <a:defRPr sz="3200"/>
             </a:lvl1pPr>
-            <a:extLst/>
           </a:lstStyle>
           <a:p>
             <a:r>
-              <a:rPr kumimoji="0" lang="en-US" smtClean="0"/>
+              <a:rPr lang="en-US" smtClean="0"/>
               <a:t>Click to edit Master title style</a:t>
             </a:r>
-            <a:endParaRPr kumimoji="0" lang="en-US"/>
+            <a:endParaRPr lang="en-US"/>
           </a:p>
         </p:txBody>
       </p:sp>
@@ -2460,8 +1961,8 @@
         </p:nvSpPr>
         <p:spPr>
           <a:xfrm>
-            <a:off x="3019377" y="1743133"/>
-            <a:ext cx="5920641" cy="4558885"/>
+            <a:off x="5183188" y="987425"/>
+            <a:ext cx="6172200" cy="4873625"/>
           </a:xfrm>
         </p:spPr>
         <p:txBody>
@@ -2494,43 +1995,42 @@
             <a:lvl9pPr>
               <a:defRPr sz="2000"/>
             </a:lvl9pPr>
-            <a:extLst/>
           </a:lstStyle>
           <a:p>
-            <a:pPr lvl="0" eaLnBrk="1" latinLnBrk="0" hangingPunct="1"/>
+            <a:pPr lvl="0"/>
             <a:r>
               <a:rPr lang="en-US" smtClean="0"/>
               <a:t>Click to edit Master text styles</a:t>
             </a:r>
           </a:p>
           <a:p>
-            <a:pPr lvl="1" eaLnBrk="1" latinLnBrk="0" hangingPunct="1"/>
+            <a:pPr lvl="1"/>
             <a:r>
               <a:rPr lang="en-US" smtClean="0"/>
               <a:t>Second level</a:t>
             </a:r>
           </a:p>
           <a:p>
-            <a:pPr lvl="2" eaLnBrk="1" latinLnBrk="0" hangingPunct="1"/>
+            <a:pPr lvl="2"/>
             <a:r>
               <a:rPr lang="en-US" smtClean="0"/>
               <a:t>Third level</a:t>
             </a:r>
           </a:p>
           <a:p>
-            <a:pPr lvl="3" eaLnBrk="1" latinLnBrk="0" hangingPunct="1"/>
+            <a:pPr lvl="3"/>
             <a:r>
               <a:rPr lang="en-US" smtClean="0"/>
               <a:t>Fourth level</a:t>
             </a:r>
           </a:p>
           <a:p>
-            <a:pPr lvl="4" eaLnBrk="1" latinLnBrk="0" hangingPunct="1"/>
+            <a:pPr lvl="4"/>
             <a:r>
               <a:rPr lang="en-US" smtClean="0"/>
               <a:t>Fifth level</a:t>
             </a:r>
-            <a:endParaRPr kumimoji="0" lang="en-US"/>
+            <a:endParaRPr lang="en-US"/>
           </a:p>
         </p:txBody>
       </p:sp>
@@ -2546,8 +2046,8 @@
         </p:nvSpPr>
         <p:spPr>
           <a:xfrm>
-            <a:off x="167838" y="1730018"/>
-            <a:ext cx="2468880" cy="4572000"/>
+            <a:off x="839788" y="2057400"/>
+            <a:ext cx="3932237" cy="3811588"/>
           </a:xfrm>
         </p:spPr>
         <p:txBody>
@@ -2555,46 +2055,45 @@
           <a:lstStyle>
             <a:lvl1pPr marL="0" indent="0">
               <a:buNone/>
-              <a:defRPr sz="1400"/>
+              <a:defRPr sz="1600"/>
             </a:lvl1pPr>
             <a:lvl2pPr marL="457200" indent="0">
               <a:buNone/>
-              <a:defRPr sz="1200"/>
+              <a:defRPr sz="1400"/>
             </a:lvl2pPr>
             <a:lvl3pPr marL="914400" indent="0">
               <a:buNone/>
-              <a:defRPr sz="1000"/>
+              <a:defRPr sz="1200"/>
             </a:lvl3pPr>
             <a:lvl4pPr marL="1371600" indent="0">
               <a:buNone/>
-              <a:defRPr sz="900"/>
+              <a:defRPr sz="1000"/>
             </a:lvl4pPr>
             <a:lvl5pPr marL="1828800" indent="0">
               <a:buNone/>
-              <a:defRPr sz="900"/>
+              <a:defRPr sz="1000"/>
             </a:lvl5pPr>
             <a:lvl6pPr marL="2286000" indent="0">
               <a:buNone/>
-              <a:defRPr sz="900"/>
+              <a:defRPr sz="1000"/>
             </a:lvl6pPr>
             <a:lvl7pPr marL="2743200" indent="0">
               <a:buNone/>
-              <a:defRPr sz="900"/>
+              <a:defRPr sz="1000"/>
             </a:lvl7pPr>
             <a:lvl8pPr marL="3200400" indent="0">
               <a:buNone/>
-              <a:defRPr sz="900"/>
+              <a:defRPr sz="1000"/>
             </a:lvl8pPr>
             <a:lvl9pPr marL="3657600" indent="0">
               <a:buNone/>
-              <a:defRPr sz="900"/>
+              <a:defRPr sz="1000"/>
             </a:lvl9pPr>
-            <a:extLst/>
           </a:lstStyle>
           <a:p>
-            <a:pPr lvl="0" eaLnBrk="1" latinLnBrk="0" hangingPunct="1"/>
-            <a:r>
-              <a:rPr kumimoji="0" lang="en-US" smtClean="0"/>
+            <a:pPr lvl="0"/>
+            <a:r>
+              <a:rPr lang="en-US" smtClean="0"/>
               <a:t>Click to edit Master text styles</a:t>
             </a:r>
           </a:p>
@@ -2615,9 +2114,9 @@
           <a:bodyPr/>
           <a:lstStyle/>
           <a:p>
-            <a:fld id="{635BB966-669B-45D9-A7F0-F2AB7D3A47CE}" type="datetimeFigureOut">
-              <a:rPr lang="en-US" smtClean="0"/>
-              <a:t>08/25/2014</a:t>
+            <a:fld id="{8362C8D4-5748-4CF1-ABED-3009C1ED6FAD}" type="datetimeFigureOut">
+              <a:rPr lang="en-US" smtClean="0"/>
+              <a:t>8/17/2016</a:t>
             </a:fld>
             <a:endParaRPr lang="en-US"/>
           </a:p>
@@ -2657,7 +2156,7 @@
           <a:bodyPr/>
           <a:lstStyle/>
           <a:p>
-            <a:fld id="{3FC8A660-D84A-4CD7-A356-93077375BF90}" type="slidenum">
+            <a:fld id="{8D7E2EF1-94DC-44F5-A526-FD74D364DCB6}" type="slidenum">
               <a:rPr lang="en-US" smtClean="0"/>
               <a:t>‹#›</a:t>
             </a:fld>
@@ -2665,101 +2164,12 @@
           </a:p>
         </p:txBody>
       </p:sp>
-      <p:sp>
-        <p:nvSpPr>
-          <p:cNvPr id="12" name="Rectangle 11"/>
-          <p:cNvSpPr/>
-          <p:nvPr/>
-        </p:nvSpPr>
-        <p:spPr bwMode="invGray">
-          <a:xfrm>
-            <a:off x="2855737" y="0"/>
-            <a:ext cx="45720" cy="1453896"/>
-          </a:xfrm>
-          <a:prstGeom prst="rect">
-            <a:avLst/>
-          </a:prstGeom>
-          <a:solidFill>
-            <a:srgbClr val="FFFFFF"/>
-          </a:solidFill>
-          <a:ln w="48000" cap="flat" cmpd="thickThin" algn="ctr">
-            <a:noFill/>
-            <a:prstDash val="solid"/>
-          </a:ln>
-        </p:spPr>
-        <p:style>
-          <a:lnRef idx="2">
-            <a:schemeClr val="accent1"/>
-          </a:lnRef>
-          <a:fillRef idx="1">
-            <a:schemeClr val="accent1"/>
-          </a:fillRef>
-          <a:effectRef idx="0">
-            <a:schemeClr val="accent1"/>
-          </a:effectRef>
-          <a:fontRef idx="minor">
-            <a:schemeClr val="lt1"/>
-          </a:fontRef>
-        </p:style>
-        <p:txBody>
-          <a:bodyPr rtlCol="0" anchor="ctr"/>
-          <a:lstStyle>
-            <a:extLst/>
-          </a:lstStyle>
-          <a:p>
-            <a:pPr algn="ctr" eaLnBrk="1" latinLnBrk="0" hangingPunct="1"/>
-            <a:endParaRPr kumimoji="0" lang="en-US"/>
-          </a:p>
-        </p:txBody>
-      </p:sp>
-      <p:sp>
-        <p:nvSpPr>
-          <p:cNvPr id="9" name="Rectangle 8"/>
-          <p:cNvSpPr/>
-          <p:nvPr/>
-        </p:nvSpPr>
-        <p:spPr bwMode="invGray">
-          <a:xfrm>
-            <a:off x="2855737" y="0"/>
-            <a:ext cx="45720" cy="1453896"/>
-          </a:xfrm>
-          <a:prstGeom prst="rect">
-            <a:avLst/>
-          </a:prstGeom>
-          <a:solidFill>
-            <a:srgbClr val="FFFFFF"/>
-          </a:solidFill>
-          <a:ln w="48000" cap="flat" cmpd="thickThin" algn="ctr">
-            <a:noFill/>
-            <a:prstDash val="solid"/>
-          </a:ln>
-        </p:spPr>
-        <p:style>
-          <a:lnRef idx="2">
-            <a:schemeClr val="accent1"/>
-          </a:lnRef>
-          <a:fillRef idx="1">
-            <a:schemeClr val="accent1"/>
-          </a:fillRef>
-          <a:effectRef idx="0">
-            <a:schemeClr val="accent1"/>
-          </a:effectRef>
-          <a:fontRef idx="minor">
-            <a:schemeClr val="lt1"/>
-          </a:fontRef>
-        </p:style>
-        <p:txBody>
-          <a:bodyPr rtlCol="0" anchor="ctr"/>
-          <a:lstStyle>
-            <a:extLst/>
-          </a:lstStyle>
-          <a:p>
-            <a:pPr algn="ctr" eaLnBrk="1" latinLnBrk="0" hangingPunct="1"/>
-            <a:endParaRPr kumimoji="0" lang="en-US"/>
-          </a:p>
-        </p:txBody>
-      </p:sp>
     </p:spTree>
+    <p:extLst>
+      <p:ext uri="{BB962C8B-B14F-4D97-AF65-F5344CB8AC3E}">
+        <p14:creationId xmlns:p14="http://schemas.microsoft.com/office/powerpoint/2010/main" val="3900604091"/>
+      </p:ext>
+    </p:extLst>
   </p:cSld>
   <p:clrMapOvr>
     <a:masterClrMapping/>
@@ -2770,11 +2180,6 @@
 <file path=ppt/slideLayouts/slideLayout9.xml><?xml version="1.0" encoding="utf-8"?>
 <p:sldLayout xmlns:a="http://schemas.openxmlformats.org/drawingml/2006/main" xmlns:r="http://schemas.openxmlformats.org/officeDocument/2006/relationships" xmlns:p="http://schemas.openxmlformats.org/presentationml/2006/main" type="picTx" preserve="1">
   <p:cSld name="Picture with Caption">
-    <p:bg>
-      <p:bgRef idx="1001">
-        <a:schemeClr val="bg2"/>
-      </p:bgRef>
-    </p:bg>
     <p:spTree>
       <p:nvGrpSpPr>
         <p:cNvPr id="1" name=""/>
@@ -2801,26 +2206,23 @@
         </p:nvSpPr>
         <p:spPr>
           <a:xfrm>
-            <a:off x="164592" y="155448"/>
-            <a:ext cx="2525150" cy="978408"/>
+            <a:off x="839788" y="457200"/>
+            <a:ext cx="3932237" cy="1600200"/>
           </a:xfrm>
         </p:spPr>
         <p:txBody>
-          <a:bodyPr lIns="73152" bIns="0" anchor="b">
-            <a:sp3d prstMaterial="matte"/>
-          </a:bodyPr>
+          <a:bodyPr anchor="b"/>
           <a:lstStyle>
-            <a:lvl1pPr algn="l">
-              <a:defRPr sz="2000" b="0"/>
+            <a:lvl1pPr>
+              <a:defRPr sz="3200"/>
             </a:lvl1pPr>
-            <a:extLst/>
           </a:lstStyle>
           <a:p>
             <a:r>
-              <a:rPr kumimoji="0" lang="en-US" smtClean="0"/>
+              <a:rPr lang="en-US" smtClean="0"/>
               <a:t>Click to edit Master title style</a:t>
             </a:r>
-            <a:endParaRPr kumimoji="0" lang="en-US"/>
+            <a:endParaRPr lang="en-US"/>
           </a:p>
         </p:txBody>
       </p:sp>
@@ -2836,14 +2238,9 @@
         </p:nvSpPr>
         <p:spPr>
           <a:xfrm>
-            <a:off x="2903805" y="1484808"/>
-            <a:ext cx="6247397" cy="5373192"/>
+            <a:off x="5183188" y="987425"/>
+            <a:ext cx="6172200" cy="4873625"/>
           </a:xfrm>
-          <a:solidFill>
-            <a:schemeClr val="bg2">
-              <a:shade val="75000"/>
-            </a:schemeClr>
-          </a:solidFill>
         </p:spPr>
         <p:txBody>
           <a:bodyPr/>
@@ -2884,14 +2281,9 @@
               <a:buNone/>
               <a:defRPr sz="2000"/>
             </a:lvl9pPr>
-            <a:extLst/>
           </a:lstStyle>
           <a:p>
-            <a:r>
-              <a:rPr kumimoji="0" lang="en-US" smtClean="0"/>
-              <a:t>Click icon to add picture</a:t>
-            </a:r>
-            <a:endParaRPr kumimoji="0" lang="en-US" dirty="0"/>
+            <a:endParaRPr lang="en-US"/>
           </a:p>
         </p:txBody>
       </p:sp>
@@ -2907,8 +2299,8 @@
         </p:nvSpPr>
         <p:spPr>
           <a:xfrm>
-            <a:off x="164592" y="1728216"/>
-            <a:ext cx="2468880" cy="4572000"/>
+            <a:off x="839788" y="2057400"/>
+            <a:ext cx="3932237" cy="3811588"/>
           </a:xfrm>
         </p:spPr>
         <p:txBody>
@@ -2916,46 +2308,45 @@
           <a:lstStyle>
             <a:lvl1pPr marL="0" indent="0">
               <a:buNone/>
-              <a:defRPr sz="1400"/>
+              <a:defRPr sz="1600"/>
             </a:lvl1pPr>
             <a:lvl2pPr marL="457200" indent="0">
               <a:buNone/>
-              <a:defRPr sz="1200"/>
+              <a:defRPr sz="1400"/>
             </a:lvl2pPr>
             <a:lvl3pPr marL="914400" indent="0">
               <a:buNone/>
-              <a:defRPr sz="1000"/>
+              <a:defRPr sz="1200"/>
             </a:lvl3pPr>
             <a:lvl4pPr marL="1371600" indent="0">
               <a:buNone/>
-              <a:defRPr sz="900"/>
+              <a:defRPr sz="1000"/>
             </a:lvl4pPr>
             <a:lvl5pPr marL="1828800" indent="0">
               <a:buNone/>
-              <a:defRPr sz="900"/>
+              <a:defRPr sz="1000"/>
             </a:lvl5pPr>
             <a:lvl6pPr marL="2286000" indent="0">
               <a:buNone/>
-              <a:defRPr sz="900"/>
+              <a:defRPr sz="1000"/>
             </a:lvl6pPr>
             <a:lvl7pPr marL="2743200" indent="0">
               <a:buNone/>
-              <a:defRPr sz="900"/>
+              <a:defRPr sz="1000"/>
             </a:lvl7pPr>
             <a:lvl8pPr marL="3200400" indent="0">
               <a:buNone/>
-              <a:defRPr sz="900"/>
+              <a:defRPr sz="1000"/>
             </a:lvl8pPr>
             <a:lvl9pPr marL="3657600" indent="0">
               <a:buNone/>
-              <a:defRPr sz="900"/>
+              <a:defRPr sz="1000"/>
             </a:lvl9pPr>
-            <a:extLst/>
           </a:lstStyle>
           <a:p>
-            <a:pPr lvl="0" eaLnBrk="1" latinLnBrk="0" hangingPunct="1"/>
-            <a:r>
-              <a:rPr kumimoji="0" lang="en-US" smtClean="0"/>
+            <a:pPr lvl="0"/>
+            <a:r>
+              <a:rPr lang="en-US" smtClean="0"/>
               <a:t>Click to edit Master text styles</a:t>
             </a:r>
           </a:p>
@@ -2971,19 +2362,14 @@
             <p:ph type="dt" sz="half" idx="10"/>
           </p:nvPr>
         </p:nvSpPr>
-        <p:spPr>
-          <a:xfrm>
-            <a:off x="164592" y="1170432"/>
-            <a:ext cx="2523744" cy="201168"/>
-          </a:xfrm>
-        </p:spPr>
-        <p:txBody>
-          <a:bodyPr/>
-          <a:lstStyle/>
-          <a:p>
-            <a:fld id="{635BB966-669B-45D9-A7F0-F2AB7D3A47CE}" type="datetimeFigureOut">
-              <a:rPr lang="en-US" smtClean="0"/>
-              <a:t>08/25/2014</a:t>
+        <p:spPr/>
+        <p:txBody>
+          <a:bodyPr/>
+          <a:lstStyle/>
+          <a:p>
+            <a:fld id="{8362C8D4-5748-4CF1-ABED-3009C1ED6FAD}" type="datetimeFigureOut">
+              <a:rPr lang="en-US" smtClean="0"/>
+              <a:t>8/17/2016</a:t>
             </a:fld>
             <a:endParaRPr lang="en-US"/>
           </a:p>
@@ -2991,100 +2377,6 @@
       </p:sp>
       <p:sp>
         <p:nvSpPr>
-          <p:cNvPr id="11" name="Rectangle 10"/>
-          <p:cNvSpPr/>
-          <p:nvPr/>
-        </p:nvSpPr>
-        <p:spPr>
-          <a:xfrm>
-            <a:off x="2855737" y="0"/>
-            <a:ext cx="45720" cy="6858000"/>
-          </a:xfrm>
-          <a:prstGeom prst="rect">
-            <a:avLst/>
-          </a:prstGeom>
-          <a:solidFill>
-            <a:srgbClr val="FFFFFF"/>
-          </a:solidFill>
-          <a:ln w="48000" cap="flat" cmpd="thickThin" algn="ctr">
-            <a:noFill/>
-            <a:prstDash val="solid"/>
-          </a:ln>
-        </p:spPr>
-        <p:style>
-          <a:lnRef idx="2">
-            <a:schemeClr val="accent1"/>
-          </a:lnRef>
-          <a:fillRef idx="1">
-            <a:schemeClr val="accent1"/>
-          </a:fillRef>
-          <a:effectRef idx="0">
-            <a:schemeClr val="accent1"/>
-          </a:effectRef>
-          <a:fontRef idx="minor">
-            <a:schemeClr val="lt1"/>
-          </a:fontRef>
-        </p:style>
-        <p:txBody>
-          <a:bodyPr rtlCol="0" anchor="ctr"/>
-          <a:lstStyle>
-            <a:extLst/>
-          </a:lstStyle>
-          <a:p>
-            <a:pPr algn="ctr" eaLnBrk="1" latinLnBrk="0" hangingPunct="1"/>
-            <a:endParaRPr kumimoji="0" lang="en-US"/>
-          </a:p>
-        </p:txBody>
-      </p:sp>
-      <p:sp>
-        <p:nvSpPr>
-          <p:cNvPr id="9" name="Rectangle 8"/>
-          <p:cNvSpPr/>
-          <p:nvPr/>
-        </p:nvSpPr>
-        <p:spPr bwMode="invGray">
-          <a:xfrm>
-            <a:off x="2855737" y="0"/>
-            <a:ext cx="45720" cy="6858000"/>
-          </a:xfrm>
-          <a:prstGeom prst="rect">
-            <a:avLst/>
-          </a:prstGeom>
-          <a:solidFill>
-            <a:srgbClr val="FFFFFF"/>
-          </a:solidFill>
-          <a:ln w="48000" cap="flat" cmpd="thickThin" algn="ctr">
-            <a:noFill/>
-            <a:prstDash val="solid"/>
-          </a:ln>
-        </p:spPr>
-        <p:style>
-          <a:lnRef idx="2">
-            <a:schemeClr val="accent1"/>
-          </a:lnRef>
-          <a:fillRef idx="1">
-            <a:schemeClr val="accent1"/>
-          </a:fillRef>
-          <a:effectRef idx="0">
-            <a:schemeClr val="accent1"/>
-          </a:effectRef>
-          <a:fontRef idx="minor">
-            <a:schemeClr val="lt1"/>
-          </a:fontRef>
-        </p:style>
-        <p:txBody>
-          <a:bodyPr rtlCol="0" anchor="ctr"/>
-          <a:lstStyle>
-            <a:extLst/>
-          </a:lstStyle>
-          <a:p>
-            <a:pPr algn="ctr" eaLnBrk="1" latinLnBrk="0" hangingPunct="1"/>
-            <a:endParaRPr kumimoji="0" lang="en-US"/>
-          </a:p>
-        </p:txBody>
-      </p:sp>
-      <p:sp>
-        <p:nvSpPr>
           <p:cNvPr id="6" name="Footer Placeholder 5"/>
           <p:cNvSpPr>
             <a:spLocks noGrp="1"/>
@@ -3093,25 +2385,10 @@
             <p:ph type="ftr" sz="quarter" idx="11"/>
           </p:nvPr>
         </p:nvSpPr>
-        <p:spPr>
-          <a:xfrm>
-            <a:off x="3035808" y="1170432"/>
-            <a:ext cx="5193792" cy="201168"/>
-          </a:xfrm>
-        </p:spPr>
-        <p:txBody>
-          <a:bodyPr/>
-          <a:lstStyle>
-            <a:lvl1pPr>
-              <a:defRPr>
-                <a:solidFill>
-                  <a:schemeClr val="bg1">
-                    <a:shade val="50000"/>
-                  </a:schemeClr>
-                </a:solidFill>
-              </a:defRPr>
-            </a:lvl1pPr>
-          </a:lstStyle>
+        <p:spPr/>
+        <p:txBody>
+          <a:bodyPr/>
+          <a:lstStyle/>
           <a:p>
             <a:endParaRPr lang="en-US"/>
           </a:p>
@@ -3127,17 +2404,12 @@
             <p:ph type="sldNum" sz="quarter" idx="12"/>
           </p:nvPr>
         </p:nvSpPr>
-        <p:spPr>
-          <a:xfrm>
-            <a:off x="8339328" y="1170432"/>
-            <a:ext cx="733864" cy="201168"/>
-          </a:xfrm>
-        </p:spPr>
-        <p:txBody>
-          <a:bodyPr/>
-          <a:lstStyle/>
-          <a:p>
-            <a:fld id="{3FC8A660-D84A-4CD7-A356-93077375BF90}" type="slidenum">
+        <p:spPr/>
+        <p:txBody>
+          <a:bodyPr/>
+          <a:lstStyle/>
+          <a:p>
+            <a:fld id="{8D7E2EF1-94DC-44F5-A526-FD74D364DCB6}" type="slidenum">
               <a:rPr lang="en-US" smtClean="0"/>
               <a:t>‹#›</a:t>
             </a:fld>
@@ -3146,9 +2418,14 @@
         </p:txBody>
       </p:sp>
     </p:spTree>
+    <p:extLst>
+      <p:ext uri="{BB962C8B-B14F-4D97-AF65-F5344CB8AC3E}">
+        <p14:creationId xmlns:p14="http://schemas.microsoft.com/office/powerpoint/2010/main" val="983983876"/>
+      </p:ext>
+    </p:extLst>
   </p:cSld>
   <p:clrMapOvr>
-    <a:overrideClrMapping bg1="lt1" tx1="dk1" bg2="lt2" tx2="dk2" accent1="accent1" accent2="accent2" accent3="accent3" accent4="accent4" accent5="accent5" accent6="accent6" hlink="hlink" folHlink="folHlink"/>
+    <a:masterClrMapping/>
   </p:clrMapOvr>
 </p:sldLayout>
 </file>
@@ -3177,107 +2454,6 @@
       </p:grpSpPr>
       <p:sp>
         <p:nvSpPr>
-          <p:cNvPr id="10" name="Rectangle 9"/>
-          <p:cNvSpPr/>
-          <p:nvPr/>
-        </p:nvSpPr>
-        <p:spPr bwMode="invGray">
-          <a:xfrm>
-            <a:off x="0" y="1435895"/>
-            <a:ext cx="9144000" cy="45720"/>
-          </a:xfrm>
-          <a:prstGeom prst="rect">
-            <a:avLst/>
-          </a:prstGeom>
-          <a:solidFill>
-            <a:srgbClr val="FFFFFF"/>
-          </a:solidFill>
-          <a:ln w="48000" cap="flat" cmpd="thickThin" algn="ctr">
-            <a:noFill/>
-            <a:prstDash val="solid"/>
-          </a:ln>
-          <a:effectLst>
-            <a:outerShdw blurRad="31750" dist="10160" dir="5400000" algn="tl" rotWithShape="0">
-              <a:srgbClr val="000000">
-                <a:alpha val="60000"/>
-              </a:srgbClr>
-            </a:outerShdw>
-          </a:effectLst>
-        </p:spPr>
-        <p:style>
-          <a:lnRef idx="2">
-            <a:schemeClr val="accent1"/>
-          </a:lnRef>
-          <a:fillRef idx="1">
-            <a:schemeClr val="accent1"/>
-          </a:fillRef>
-          <a:effectRef idx="0">
-            <a:schemeClr val="accent1"/>
-          </a:effectRef>
-          <a:fontRef idx="minor">
-            <a:schemeClr val="lt1"/>
-          </a:fontRef>
-        </p:style>
-        <p:txBody>
-          <a:bodyPr rtlCol="0" anchor="ctr"/>
-          <a:lstStyle>
-            <a:extLst/>
-          </a:lstStyle>
-          <a:p>
-            <a:pPr algn="ctr" eaLnBrk="1" latinLnBrk="0" hangingPunct="1"/>
-            <a:endParaRPr kumimoji="0" lang="en-US"/>
-          </a:p>
-        </p:txBody>
-      </p:sp>
-      <p:sp>
-        <p:nvSpPr>
-          <p:cNvPr id="7" name="Rectangle 6"/>
-          <p:cNvSpPr/>
-          <p:nvPr/>
-        </p:nvSpPr>
-        <p:spPr bwMode="ltGray">
-          <a:xfrm>
-            <a:off x="0" y="0"/>
-            <a:ext cx="9143999" cy="1433733"/>
-          </a:xfrm>
-          <a:prstGeom prst="rect">
-            <a:avLst/>
-          </a:prstGeom>
-          <a:solidFill>
-            <a:srgbClr val="000000"/>
-          </a:solidFill>
-          <a:ln w="48000" cap="flat" cmpd="thickThin" algn="ctr">
-            <a:noFill/>
-            <a:prstDash val="solid"/>
-          </a:ln>
-        </p:spPr>
-        <p:style>
-          <a:lnRef idx="2">
-            <a:schemeClr val="accent1"/>
-          </a:lnRef>
-          <a:fillRef idx="1">
-            <a:schemeClr val="accent1"/>
-          </a:fillRef>
-          <a:effectRef idx="0">
-            <a:schemeClr val="accent1"/>
-          </a:effectRef>
-          <a:fontRef idx="minor">
-            <a:schemeClr val="lt1"/>
-          </a:fontRef>
-        </p:style>
-        <p:txBody>
-          <a:bodyPr rtlCol="0" anchor="ctr"/>
-          <a:lstStyle>
-            <a:extLst/>
-          </a:lstStyle>
-          <a:p>
-            <a:pPr algn="ctr" eaLnBrk="1" latinLnBrk="0" hangingPunct="1"/>
-            <a:endParaRPr kumimoji="0" lang="en-US"/>
-          </a:p>
-        </p:txBody>
-      </p:sp>
-      <p:sp>
-        <p:nvSpPr>
           <p:cNvPr id="2" name="Title Placeholder 1"/>
           <p:cNvSpPr>
             <a:spLocks noGrp="1"/>
@@ -3288,35 +2464,24 @@
         </p:nvSpPr>
         <p:spPr>
           <a:xfrm>
-            <a:off x="457200" y="152400"/>
-            <a:ext cx="8229600" cy="1251062"/>
+            <a:off x="838200" y="365125"/>
+            <a:ext cx="10515600" cy="1325563"/>
           </a:xfrm>
           <a:prstGeom prst="rect">
             <a:avLst/>
           </a:prstGeom>
         </p:spPr>
         <p:txBody>
-          <a:bodyPr vert="horz" lIns="91440" rIns="45720" rtlCol="0" anchor="ctr">
+          <a:bodyPr vert="horz" lIns="91440" tIns="45720" rIns="91440" bIns="45720" rtlCol="0" anchor="ctr">
             <a:normAutofit/>
-            <a:scene3d>
-              <a:camera prst="orthographicFront"/>
-              <a:lightRig rig="threePt" dir="t">
-                <a:rot lat="0" lon="0" rev="4800000"/>
-              </a:lightRig>
-            </a:scene3d>
-            <a:sp3d prstMaterial="matte">
-              <a:bevelT w="50800" h="10160"/>
-            </a:sp3d>
           </a:bodyPr>
-          <a:lstStyle>
-            <a:extLst/>
-          </a:lstStyle>
-          <a:p>
-            <a:r>
-              <a:rPr kumimoji="0" lang="en-US" smtClean="0"/>
+          <a:lstStyle/>
+          <a:p>
+            <a:r>
+              <a:rPr lang="en-US" smtClean="0"/>
               <a:t>Click to edit Master title style</a:t>
             </a:r>
-            <a:endParaRPr kumimoji="0" lang="en-US"/>
+            <a:endParaRPr lang="en-US"/>
           </a:p>
         </p:txBody>
       </p:sp>
@@ -3332,55 +2497,53 @@
         </p:nvSpPr>
         <p:spPr>
           <a:xfrm>
-            <a:off x="457200" y="1775191"/>
-            <a:ext cx="8229600" cy="4625609"/>
+            <a:off x="838200" y="1825625"/>
+            <a:ext cx="10515600" cy="4351338"/>
           </a:xfrm>
           <a:prstGeom prst="rect">
             <a:avLst/>
           </a:prstGeom>
         </p:spPr>
         <p:txBody>
-          <a:bodyPr vert="horz" lIns="54864" tIns="91440" rtlCol="0">
+          <a:bodyPr vert="horz" lIns="91440" tIns="45720" rIns="91440" bIns="45720" rtlCol="0">
             <a:normAutofit/>
           </a:bodyPr>
-          <a:lstStyle>
-            <a:extLst/>
-          </a:lstStyle>
-          <a:p>
-            <a:pPr lvl="0" eaLnBrk="1" latinLnBrk="0" hangingPunct="1"/>
-            <a:r>
-              <a:rPr kumimoji="0" lang="en-US" smtClean="0"/>
+          <a:lstStyle/>
+          <a:p>
+            <a:pPr lvl="0"/>
+            <a:r>
+              <a:rPr lang="en-US" smtClean="0"/>
               <a:t>Click to edit Master text styles</a:t>
             </a:r>
           </a:p>
           <a:p>
-            <a:pPr lvl="1" eaLnBrk="1" latinLnBrk="0" hangingPunct="1"/>
-            <a:r>
-              <a:rPr kumimoji="0" lang="en-US" smtClean="0"/>
+            <a:pPr lvl="1"/>
+            <a:r>
+              <a:rPr lang="en-US" smtClean="0"/>
               <a:t>Second level</a:t>
             </a:r>
           </a:p>
           <a:p>
-            <a:pPr lvl="2" eaLnBrk="1" latinLnBrk="0" hangingPunct="1"/>
-            <a:r>
-              <a:rPr kumimoji="0" lang="en-US" smtClean="0"/>
+            <a:pPr lvl="2"/>
+            <a:r>
+              <a:rPr lang="en-US" smtClean="0"/>
               <a:t>Third level</a:t>
             </a:r>
           </a:p>
           <a:p>
-            <a:pPr lvl="3" eaLnBrk="1" latinLnBrk="0" hangingPunct="1"/>
-            <a:r>
-              <a:rPr kumimoji="0" lang="en-US" smtClean="0"/>
+            <a:pPr lvl="3"/>
+            <a:r>
+              <a:rPr lang="en-US" smtClean="0"/>
               <a:t>Fourth level</a:t>
             </a:r>
           </a:p>
           <a:p>
-            <a:pPr lvl="4" eaLnBrk="1" latinLnBrk="0" hangingPunct="1"/>
-            <a:r>
-              <a:rPr kumimoji="0" lang="en-US" smtClean="0"/>
+            <a:pPr lvl="4"/>
+            <a:r>
+              <a:rPr lang="en-US" smtClean="0"/>
               <a:t>Fifth level</a:t>
             </a:r>
-            <a:endParaRPr kumimoji="0" lang="en-US"/>
+            <a:endParaRPr lang="en-US"/>
           </a:p>
         </p:txBody>
       </p:sp>
@@ -3396,31 +2559,30 @@
         </p:nvSpPr>
         <p:spPr>
           <a:xfrm>
-            <a:off x="457200" y="6476999"/>
-            <a:ext cx="2133600" cy="274320"/>
+            <a:off x="838200" y="6356350"/>
+            <a:ext cx="2743200" cy="365125"/>
           </a:xfrm>
           <a:prstGeom prst="rect">
             <a:avLst/>
           </a:prstGeom>
         </p:spPr>
         <p:txBody>
-          <a:bodyPr vert="horz" lIns="109728" rIns="45720" bIns="0" rtlCol="0" anchor="b"/>
+          <a:bodyPr vert="horz" lIns="91440" tIns="45720" rIns="91440" bIns="45720" rtlCol="0" anchor="ctr"/>
           <a:lstStyle>
-            <a:lvl1pPr algn="l" eaLnBrk="1" latinLnBrk="0" hangingPunct="1">
-              <a:defRPr kumimoji="0" sz="1200">
+            <a:lvl1pPr algn="l">
+              <a:defRPr sz="1200">
                 <a:solidFill>
                   <a:schemeClr val="tx1">
-                    <a:tint val="95000"/>
+                    <a:tint val="75000"/>
                   </a:schemeClr>
                 </a:solidFill>
               </a:defRPr>
             </a:lvl1pPr>
-            <a:extLst/>
           </a:lstStyle>
           <a:p>
-            <a:fld id="{635BB966-669B-45D9-A7F0-F2AB7D3A47CE}" type="datetimeFigureOut">
-              <a:rPr lang="en-US" smtClean="0"/>
-              <a:t>08/25/2014</a:t>
+            <a:fld id="{8362C8D4-5748-4CF1-ABED-3009C1ED6FAD}" type="datetimeFigureOut">
+              <a:rPr lang="en-US" smtClean="0"/>
+              <a:t>8/17/2016</a:t>
             </a:fld>
             <a:endParaRPr lang="en-US"/>
           </a:p>
@@ -3438,26 +2600,25 @@
         </p:nvSpPr>
         <p:spPr>
           <a:xfrm>
-            <a:off x="2640596" y="6476999"/>
-            <a:ext cx="5507719" cy="274320"/>
+            <a:off x="4038600" y="6356350"/>
+            <a:ext cx="4114800" cy="365125"/>
           </a:xfrm>
           <a:prstGeom prst="rect">
             <a:avLst/>
           </a:prstGeom>
         </p:spPr>
         <p:txBody>
-          <a:bodyPr vert="horz" lIns="45720" rIns="45720" bIns="0" rtlCol="0" anchor="b"/>
+          <a:bodyPr vert="horz" lIns="91440" tIns="45720" rIns="91440" bIns="45720" rtlCol="0" anchor="ctr"/>
           <a:lstStyle>
-            <a:lvl1pPr algn="l" eaLnBrk="1" latinLnBrk="0" hangingPunct="1">
-              <a:defRPr kumimoji="0" sz="1200">
+            <a:lvl1pPr algn="ctr">
+              <a:defRPr sz="1200">
                 <a:solidFill>
                   <a:schemeClr val="tx1">
-                    <a:tint val="95000"/>
+                    <a:tint val="75000"/>
                   </a:schemeClr>
                 </a:solidFill>
               </a:defRPr>
             </a:lvl1pPr>
-            <a:extLst/>
           </a:lstStyle>
           <a:p>
             <a:endParaRPr lang="en-US"/>
@@ -3476,29 +2637,28 @@
         </p:nvSpPr>
         <p:spPr>
           <a:xfrm>
-            <a:off x="8204396" y="6476999"/>
-            <a:ext cx="733864" cy="274320"/>
+            <a:off x="8610600" y="6356350"/>
+            <a:ext cx="2743200" cy="365125"/>
           </a:xfrm>
           <a:prstGeom prst="rect">
             <a:avLst/>
           </a:prstGeom>
         </p:spPr>
         <p:txBody>
-          <a:bodyPr vert="horz" bIns="0" rtlCol="0" anchor="b"/>
+          <a:bodyPr vert="horz" lIns="91440" tIns="45720" rIns="91440" bIns="45720" rtlCol="0" anchor="ctr"/>
           <a:lstStyle>
-            <a:lvl1pPr algn="r" eaLnBrk="1" latinLnBrk="0" hangingPunct="1">
-              <a:defRPr kumimoji="0" sz="1200">
+            <a:lvl1pPr algn="r">
+              <a:defRPr sz="1200">
                 <a:solidFill>
                   <a:schemeClr val="tx1">
-                    <a:tint val="95000"/>
+                    <a:tint val="75000"/>
                   </a:schemeClr>
                 </a:solidFill>
               </a:defRPr>
             </a:lvl1pPr>
-            <a:extLst/>
           </a:lstStyle>
           <a:p>
-            <a:fld id="{3FC8A660-D84A-4CD7-A356-93077375BF90}" type="slidenum">
+            <a:fld id="{8D7E2EF1-94DC-44F5-A526-FD74D364DCB6}" type="slidenum">
               <a:rPr lang="en-US" smtClean="0"/>
               <a:t>‹#›</a:t>
             </a:fld>
@@ -3507,54 +2667,57 @@
         </p:txBody>
       </p:sp>
     </p:spTree>
+    <p:extLst>
+      <p:ext uri="{BB962C8B-B14F-4D97-AF65-F5344CB8AC3E}">
+        <p14:creationId xmlns:p14="http://schemas.microsoft.com/office/powerpoint/2010/main" val="579652441"/>
+      </p:ext>
+    </p:extLst>
   </p:cSld>
   <p:clrMap bg1="lt1" tx1="dk1" bg2="lt2" tx2="dk2" accent1="accent1" accent2="accent2" accent3="accent3" accent4="accent4" accent5="accent5" accent6="accent6" hlink="hlink" folHlink="folHlink"/>
   <p:sldLayoutIdLst>
-    <p:sldLayoutId id="2147483661" r:id="rId1"/>
-    <p:sldLayoutId id="2147483662" r:id="rId2"/>
-    <p:sldLayoutId id="2147483663" r:id="rId3"/>
-    <p:sldLayoutId id="2147483664" r:id="rId4"/>
-    <p:sldLayoutId id="2147483665" r:id="rId5"/>
-    <p:sldLayoutId id="2147483666" r:id="rId6"/>
-    <p:sldLayoutId id="2147483667" r:id="rId7"/>
-    <p:sldLayoutId id="2147483668" r:id="rId8"/>
-    <p:sldLayoutId id="2147483669" r:id="rId9"/>
-    <p:sldLayoutId id="2147483670" r:id="rId10"/>
-    <p:sldLayoutId id="2147483671" r:id="rId11"/>
+    <p:sldLayoutId id="2147483649" r:id="rId1"/>
+    <p:sldLayoutId id="2147483650" r:id="rId2"/>
+    <p:sldLayoutId id="2147483651" r:id="rId3"/>
+    <p:sldLayoutId id="2147483652" r:id="rId4"/>
+    <p:sldLayoutId id="2147483653" r:id="rId5"/>
+    <p:sldLayoutId id="2147483654" r:id="rId6"/>
+    <p:sldLayoutId id="2147483655" r:id="rId7"/>
+    <p:sldLayoutId id="2147483656" r:id="rId8"/>
+    <p:sldLayoutId id="2147483657" r:id="rId9"/>
+    <p:sldLayoutId id="2147483658" r:id="rId10"/>
+    <p:sldLayoutId id="2147483659" r:id="rId11"/>
   </p:sldLayoutIdLst>
   <p:txStyles>
     <p:titleStyle>
-      <a:lvl1pPr algn="l" rtl="0" eaLnBrk="1" latinLnBrk="0" hangingPunct="1">
+      <a:lvl1pPr algn="l" defTabSz="914400" rtl="0" eaLnBrk="1" latinLnBrk="0" hangingPunct="1">
+        <a:lnSpc>
+          <a:spcPct val="90000"/>
+        </a:lnSpc>
         <a:spcBef>
           <a:spcPct val="0"/>
         </a:spcBef>
         <a:buNone/>
-        <a:defRPr kumimoji="0" sz="4500" b="1" kern="1200">
+        <a:defRPr sz="4400" kern="1200">
           <a:solidFill>
-            <a:schemeClr val="accent1">
-              <a:satMod val="150000"/>
-            </a:schemeClr>
+            <a:schemeClr val="tx1"/>
           </a:solidFill>
-          <a:effectLst/>
           <a:latin typeface="+mj-lt"/>
           <a:ea typeface="+mj-ea"/>
           <a:cs typeface="+mj-cs"/>
         </a:defRPr>
       </a:lvl1pPr>
-      <a:extLst/>
     </p:titleStyle>
     <p:bodyStyle>
-      <a:lvl1pPr marL="438912" indent="-320040" algn="l" rtl="0" eaLnBrk="1" latinLnBrk="0" hangingPunct="1">
+      <a:lvl1pPr marL="228600" indent="-228600" algn="l" defTabSz="914400" rtl="0" eaLnBrk="1" latinLnBrk="0" hangingPunct="1">
+        <a:lnSpc>
+          <a:spcPct val="90000"/>
+        </a:lnSpc>
         <a:spcBef>
-          <a:spcPts val="0"/>
+          <a:spcPts val="1000"/>
         </a:spcBef>
-        <a:buClr>
-          <a:schemeClr val="accent1"/>
-        </a:buClr>
-        <a:buSzPct val="80000"/>
-        <a:buFont typeface="Wingdings 2"/>
-        <a:buChar char=""/>
-        <a:defRPr kumimoji="0" sz="3200" kern="1200">
+        <a:buFont typeface="Arial" panose="020B0604020202020204" pitchFamily="34" charset="0"/>
+        <a:buChar char="•"/>
+        <a:defRPr sz="2800" kern="1200">
           <a:solidFill>
             <a:schemeClr val="tx1"/>
           </a:solidFill>
@@ -3563,17 +2726,16 @@
           <a:cs typeface="+mn-cs"/>
         </a:defRPr>
       </a:lvl1pPr>
-      <a:lvl2pPr marL="731520" indent="-274320" algn="l" rtl="0" eaLnBrk="1" latinLnBrk="0" hangingPunct="1">
+      <a:lvl2pPr marL="685800" indent="-228600" algn="l" defTabSz="914400" rtl="0" eaLnBrk="1" latinLnBrk="0" hangingPunct="1">
+        <a:lnSpc>
+          <a:spcPct val="90000"/>
+        </a:lnSpc>
         <a:spcBef>
-          <a:spcPct val="20000"/>
+          <a:spcPts val="500"/>
         </a:spcBef>
-        <a:buClr>
-          <a:schemeClr val="accent2"/>
-        </a:buClr>
-        <a:buSzPct val="90000"/>
-        <a:buFont typeface="Wingdings"/>
-        <a:buChar char=""/>
-        <a:defRPr kumimoji="0" sz="2800" kern="1200">
+        <a:buFont typeface="Arial" panose="020B0604020202020204" pitchFamily="34" charset="0"/>
+        <a:buChar char="•"/>
+        <a:defRPr sz="2400" kern="1200">
           <a:solidFill>
             <a:schemeClr val="tx1"/>
           </a:solidFill>
@@ -3582,16 +2744,16 @@
           <a:cs typeface="+mn-cs"/>
         </a:defRPr>
       </a:lvl2pPr>
-      <a:lvl3pPr marL="996696" indent="-228600" algn="l" rtl="0" eaLnBrk="1" latinLnBrk="0" hangingPunct="1">
+      <a:lvl3pPr marL="1143000" indent="-228600" algn="l" defTabSz="914400" rtl="0" eaLnBrk="1" latinLnBrk="0" hangingPunct="1">
+        <a:lnSpc>
+          <a:spcPct val="90000"/>
+        </a:lnSpc>
         <a:spcBef>
-          <a:spcPct val="20000"/>
+          <a:spcPts val="500"/>
         </a:spcBef>
-        <a:buClr>
-          <a:schemeClr val="accent3"/>
-        </a:buClr>
-        <a:buFont typeface="Arial"/>
-        <a:buChar char="▪"/>
-        <a:defRPr kumimoji="0" sz="2400" kern="1200">
+        <a:buFont typeface="Arial" panose="020B0604020202020204" pitchFamily="34" charset="0"/>
+        <a:buChar char="•"/>
+        <a:defRPr sz="2000" kern="1200">
           <a:solidFill>
             <a:schemeClr val="tx1"/>
           </a:solidFill>
@@ -3600,16 +2762,16 @@
           <a:cs typeface="+mn-cs"/>
         </a:defRPr>
       </a:lvl3pPr>
-      <a:lvl4pPr marL="1216152" indent="-182880" algn="l" rtl="0" eaLnBrk="1" latinLnBrk="0" hangingPunct="1">
+      <a:lvl4pPr marL="1600200" indent="-228600" algn="l" defTabSz="914400" rtl="0" eaLnBrk="1" latinLnBrk="0" hangingPunct="1">
+        <a:lnSpc>
+          <a:spcPct val="90000"/>
+        </a:lnSpc>
         <a:spcBef>
-          <a:spcPct val="20000"/>
+          <a:spcPts val="500"/>
         </a:spcBef>
-        <a:buClr>
-          <a:schemeClr val="accent4"/>
-        </a:buClr>
-        <a:buFont typeface="Arial"/>
-        <a:buChar char="▪"/>
-        <a:defRPr kumimoji="0" sz="2000" kern="1200">
+        <a:buFont typeface="Arial" panose="020B0604020202020204" pitchFamily="34" charset="0"/>
+        <a:buChar char="•"/>
+        <a:defRPr sz="1800" kern="1200">
           <a:solidFill>
             <a:schemeClr val="tx1"/>
           </a:solidFill>
@@ -3618,16 +2780,16 @@
           <a:cs typeface="+mn-cs"/>
         </a:defRPr>
       </a:lvl4pPr>
-      <a:lvl5pPr marL="1426464" indent="-182880" algn="l" rtl="0" eaLnBrk="1" latinLnBrk="0" hangingPunct="1">
+      <a:lvl5pPr marL="2057400" indent="-228600" algn="l" defTabSz="914400" rtl="0" eaLnBrk="1" latinLnBrk="0" hangingPunct="1">
+        <a:lnSpc>
+          <a:spcPct val="90000"/>
+        </a:lnSpc>
         <a:spcBef>
-          <a:spcPct val="20000"/>
+          <a:spcPts val="500"/>
         </a:spcBef>
-        <a:buClr>
-          <a:schemeClr val="accent5"/>
-        </a:buClr>
-        <a:buFont typeface="Wingdings 3"/>
-        <a:buChar char=""/>
-        <a:defRPr kumimoji="0" lang="en-US" sz="2000" kern="1200" smtClean="0">
+        <a:buFont typeface="Arial" panose="020B0604020202020204" pitchFamily="34" charset="0"/>
+        <a:buChar char="•"/>
+        <a:defRPr sz="1800" kern="1200">
           <a:solidFill>
             <a:schemeClr val="tx1"/>
           </a:solidFill>
@@ -3636,17 +2798,16 @@
           <a:cs typeface="+mn-cs"/>
         </a:defRPr>
       </a:lvl5pPr>
-      <a:lvl6pPr marL="1627632" indent="-182880" algn="l" rtl="0" eaLnBrk="1" latinLnBrk="0" hangingPunct="1">
+      <a:lvl6pPr marL="2514600" indent="-228600" algn="l" defTabSz="914400" rtl="0" eaLnBrk="1" latinLnBrk="0" hangingPunct="1">
+        <a:lnSpc>
+          <a:spcPct val="90000"/>
+        </a:lnSpc>
         <a:spcBef>
-          <a:spcPct val="20000"/>
+          <a:spcPts val="500"/>
         </a:spcBef>
-        <a:buClr>
-          <a:schemeClr val="accent6"/>
-        </a:buClr>
-        <a:buSzPct val="100000"/>
-        <a:buFont typeface="Wingdings 2"/>
-        <a:buChar char=""/>
-        <a:defRPr kumimoji="0" sz="2000" kern="1200">
+        <a:buFont typeface="Arial" panose="020B0604020202020204" pitchFamily="34" charset="0"/>
+        <a:buChar char="•"/>
+        <a:defRPr sz="1800" kern="1200">
           <a:solidFill>
             <a:schemeClr val="tx1"/>
           </a:solidFill>
@@ -3655,17 +2816,16 @@
           <a:cs typeface="+mn-cs"/>
         </a:defRPr>
       </a:lvl6pPr>
-      <a:lvl7pPr marL="1828800" indent="-182880" algn="l" rtl="0" eaLnBrk="1" latinLnBrk="0" hangingPunct="1">
+      <a:lvl7pPr marL="2971800" indent="-228600" algn="l" defTabSz="914400" rtl="0" eaLnBrk="1" latinLnBrk="0" hangingPunct="1">
+        <a:lnSpc>
+          <a:spcPct val="90000"/>
+        </a:lnSpc>
         <a:spcBef>
-          <a:spcPct val="20000"/>
+          <a:spcPts val="500"/>
         </a:spcBef>
-        <a:buClr>
-          <a:schemeClr val="accent1"/>
-        </a:buClr>
-        <a:buSzPct val="100000"/>
-        <a:buFont typeface="Wingdings 2"/>
-        <a:buChar char=""/>
-        <a:defRPr kumimoji="0" sz="1800" kern="1200">
+        <a:buFont typeface="Arial" panose="020B0604020202020204" pitchFamily="34" charset="0"/>
+        <a:buChar char="•"/>
+        <a:defRPr sz="1800" kern="1200">
           <a:solidFill>
             <a:schemeClr val="tx1"/>
           </a:solidFill>
@@ -3674,16 +2834,16 @@
           <a:cs typeface="+mn-cs"/>
         </a:defRPr>
       </a:lvl7pPr>
-      <a:lvl8pPr marL="2029968" indent="-182880" algn="l" rtl="0" eaLnBrk="1" latinLnBrk="0" hangingPunct="1">
+      <a:lvl8pPr marL="3429000" indent="-228600" algn="l" defTabSz="914400" rtl="0" eaLnBrk="1" latinLnBrk="0" hangingPunct="1">
+        <a:lnSpc>
+          <a:spcPct val="90000"/>
+        </a:lnSpc>
         <a:spcBef>
-          <a:spcPct val="20000"/>
+          <a:spcPts val="500"/>
         </a:spcBef>
-        <a:buClr>
-          <a:schemeClr val="accent2"/>
-        </a:buClr>
-        <a:buFont typeface="Wingdings 2" pitchFamily="18" charset="2"/>
-        <a:buChar char=""/>
-        <a:defRPr kumimoji="0" sz="1800" kern="1200">
+        <a:buFont typeface="Arial" panose="020B0604020202020204" pitchFamily="34" charset="0"/>
+        <a:buChar char="•"/>
+        <a:defRPr sz="1800" kern="1200">
           <a:solidFill>
             <a:schemeClr val="tx1"/>
           </a:solidFill>
@@ -3692,16 +2852,16 @@
           <a:cs typeface="+mn-cs"/>
         </a:defRPr>
       </a:lvl8pPr>
-      <a:lvl9pPr marL="2231136" indent="-182880" algn="l" rtl="0" eaLnBrk="1" latinLnBrk="0" hangingPunct="1">
+      <a:lvl9pPr marL="3886200" indent="-228600" algn="l" defTabSz="914400" rtl="0" eaLnBrk="1" latinLnBrk="0" hangingPunct="1">
+        <a:lnSpc>
+          <a:spcPct val="90000"/>
+        </a:lnSpc>
         <a:spcBef>
-          <a:spcPct val="20000"/>
+          <a:spcPts val="500"/>
         </a:spcBef>
-        <a:buClr>
-          <a:schemeClr val="accent3"/>
-        </a:buClr>
-        <a:buFont typeface="Wingdings 2" pitchFamily="18" charset="2"/>
-        <a:buChar char=""/>
-        <a:defRPr kumimoji="0" sz="1800" kern="1200" baseline="0">
+        <a:buFont typeface="Arial" panose="020B0604020202020204" pitchFamily="34" charset="0"/>
+        <a:buChar char="•"/>
+        <a:defRPr sz="1800" kern="1200">
           <a:solidFill>
             <a:schemeClr val="tx1"/>
           </a:solidFill>
@@ -3710,11 +2870,13 @@
           <a:cs typeface="+mn-cs"/>
         </a:defRPr>
       </a:lvl9pPr>
-      <a:extLst/>
     </p:bodyStyle>
     <p:otherStyle>
-      <a:lvl1pPr marL="0" algn="l" rtl="0" eaLnBrk="1" latinLnBrk="0" hangingPunct="1">
-        <a:defRPr kumimoji="0" kern="1200">
+      <a:defPPr>
+        <a:defRPr lang="en-US"/>
+      </a:defPPr>
+      <a:lvl1pPr marL="0" algn="l" defTabSz="914400" rtl="0" eaLnBrk="1" latinLnBrk="0" hangingPunct="1">
+        <a:defRPr sz="1800" kern="1200">
           <a:solidFill>
             <a:schemeClr val="tx1"/>
           </a:solidFill>
@@ -3723,8 +2885,8 @@
           <a:cs typeface="+mn-cs"/>
         </a:defRPr>
       </a:lvl1pPr>
-      <a:lvl2pPr marL="457200" algn="l" rtl="0" eaLnBrk="1" latinLnBrk="0" hangingPunct="1">
-        <a:defRPr kumimoji="0" kern="1200">
+      <a:lvl2pPr marL="457200" algn="l" defTabSz="914400" rtl="0" eaLnBrk="1" latinLnBrk="0" hangingPunct="1">
+        <a:defRPr sz="1800" kern="1200">
           <a:solidFill>
             <a:schemeClr val="tx1"/>
           </a:solidFill>
@@ -3733,8 +2895,8 @@
           <a:cs typeface="+mn-cs"/>
         </a:defRPr>
       </a:lvl2pPr>
-      <a:lvl3pPr marL="914400" algn="l" rtl="0" eaLnBrk="1" latinLnBrk="0" hangingPunct="1">
-        <a:defRPr kumimoji="0" kern="1200">
+      <a:lvl3pPr marL="914400" algn="l" defTabSz="914400" rtl="0" eaLnBrk="1" latinLnBrk="0" hangingPunct="1">
+        <a:defRPr sz="1800" kern="1200">
           <a:solidFill>
             <a:schemeClr val="tx1"/>
           </a:solidFill>
@@ -3743,8 +2905,8 @@
           <a:cs typeface="+mn-cs"/>
         </a:defRPr>
       </a:lvl3pPr>
-      <a:lvl4pPr marL="1371600" algn="l" rtl="0" eaLnBrk="1" latinLnBrk="0" hangingPunct="1">
-        <a:defRPr kumimoji="0" kern="1200">
+      <a:lvl4pPr marL="1371600" algn="l" defTabSz="914400" rtl="0" eaLnBrk="1" latinLnBrk="0" hangingPunct="1">
+        <a:defRPr sz="1800" kern="1200">
           <a:solidFill>
             <a:schemeClr val="tx1"/>
           </a:solidFill>
@@ -3753,8 +2915,8 @@
           <a:cs typeface="+mn-cs"/>
         </a:defRPr>
       </a:lvl4pPr>
-      <a:lvl5pPr marL="1828800" algn="l" rtl="0" eaLnBrk="1" latinLnBrk="0" hangingPunct="1">
-        <a:defRPr kumimoji="0" kern="1200">
+      <a:lvl5pPr marL="1828800" algn="l" defTabSz="914400" rtl="0" eaLnBrk="1" latinLnBrk="0" hangingPunct="1">
+        <a:defRPr sz="1800" kern="1200">
           <a:solidFill>
             <a:schemeClr val="tx1"/>
           </a:solidFill>
@@ -3763,8 +2925,8 @@
           <a:cs typeface="+mn-cs"/>
         </a:defRPr>
       </a:lvl5pPr>
-      <a:lvl6pPr marL="2286000" algn="l" rtl="0" eaLnBrk="1" latinLnBrk="0" hangingPunct="1">
-        <a:defRPr kumimoji="0" kern="1200">
+      <a:lvl6pPr marL="2286000" algn="l" defTabSz="914400" rtl="0" eaLnBrk="1" latinLnBrk="0" hangingPunct="1">
+        <a:defRPr sz="1800" kern="1200">
           <a:solidFill>
             <a:schemeClr val="tx1"/>
           </a:solidFill>
@@ -3773,8 +2935,8 @@
           <a:cs typeface="+mn-cs"/>
         </a:defRPr>
       </a:lvl6pPr>
-      <a:lvl7pPr marL="2743200" algn="l" rtl="0" eaLnBrk="1" latinLnBrk="0" hangingPunct="1">
-        <a:defRPr kumimoji="0" kern="1200">
+      <a:lvl7pPr marL="2743200" algn="l" defTabSz="914400" rtl="0" eaLnBrk="1" latinLnBrk="0" hangingPunct="1">
+        <a:defRPr sz="1800" kern="1200">
           <a:solidFill>
             <a:schemeClr val="tx1"/>
           </a:solidFill>
@@ -3783,8 +2945,8 @@
           <a:cs typeface="+mn-cs"/>
         </a:defRPr>
       </a:lvl7pPr>
-      <a:lvl8pPr marL="3200400" algn="l" rtl="0" eaLnBrk="1" latinLnBrk="0" hangingPunct="1">
-        <a:defRPr kumimoji="0" kern="1200">
+      <a:lvl8pPr marL="3200400" algn="l" defTabSz="914400" rtl="0" eaLnBrk="1" latinLnBrk="0" hangingPunct="1">
+        <a:defRPr sz="1800" kern="1200">
           <a:solidFill>
             <a:schemeClr val="tx1"/>
           </a:solidFill>
@@ -3793,8 +2955,8 @@
           <a:cs typeface="+mn-cs"/>
         </a:defRPr>
       </a:lvl8pPr>
-      <a:lvl9pPr marL="3657600" algn="l" rtl="0" eaLnBrk="1" latinLnBrk="0" hangingPunct="1">
-        <a:defRPr kumimoji="0" kern="1200">
+      <a:lvl9pPr marL="3657600" algn="l" defTabSz="914400" rtl="0" eaLnBrk="1" latinLnBrk="0" hangingPunct="1">
+        <a:defRPr sz="1800" kern="1200">
           <a:solidFill>
             <a:schemeClr val="tx1"/>
           </a:solidFill>
@@ -3803,7 +2965,6 @@
           <a:cs typeface="+mn-cs"/>
         </a:defRPr>
       </a:lvl9pPr>
-      <a:extLst/>
     </p:otherStyle>
   </p:txStyles>
 </p:sldMaster>
@@ -3828,7 +2989,7 @@
       </p:grpSpPr>
       <p:sp>
         <p:nvSpPr>
-          <p:cNvPr id="10241" name="Title 1"/>
+          <p:cNvPr id="2" name="Title 1"/>
           <p:cNvSpPr>
             <a:spLocks noGrp="1"/>
           </p:cNvSpPr>
@@ -3849,7 +3010,7 @@
               <a:rPr lang="en-US" dirty="0" err="1" smtClean="0"/>
               <a:t>ed</a:t>
             </a:r>
-            <a:endParaRPr lang="en-US" dirty="0" smtClean="0"/>
+            <a:endParaRPr lang="en-US" dirty="0"/>
           </a:p>
         </p:txBody>
       </p:sp>
@@ -3865,117 +3026,32 @@
         </p:nvSpPr>
         <p:spPr/>
         <p:txBody>
-          <a:bodyPr rtlCol="0">
-            <a:normAutofit/>
-          </a:bodyPr>
-          <a:lstStyle/>
-          <a:p>
-            <a:pPr fontAlgn="auto">
-              <a:spcAft>
-                <a:spcPts val="0"/>
-              </a:spcAft>
-              <a:defRPr/>
-            </a:pPr>
+          <a:bodyPr/>
+          <a:lstStyle/>
+          <a:p>
             <a:r>
               <a:rPr lang="en-US" dirty="0" smtClean="0"/>
               <a:t>How to make the Microsoft Kinect work for you</a:t>
             </a:r>
-            <a:endParaRPr lang="en-US" dirty="0">
+            <a:endParaRPr lang="en-US" dirty="0" smtClean="0">
               <a:ea typeface="+mn-ea"/>
             </a:endParaRPr>
           </a:p>
-        </p:txBody>
-      </p:sp>
-      <p:pic>
-        <p:nvPicPr>
-          <p:cNvPr id="5" name="Picture 4"/>
-          <p:cNvPicPr>
-            <a:picLocks noChangeAspect="1"/>
-          </p:cNvPicPr>
-          <p:nvPr/>
-        </p:nvPicPr>
-        <p:blipFill>
-          <a:blip r:embed="rId2" cstate="print">
-            <a:extLst>
-              <a:ext uri="{28A0092B-C50C-407E-A947-70E740481C1C}">
-                <a14:useLocalDpi xmlns:a14="http://schemas.microsoft.com/office/drawing/2010/main" val="0"/>
-              </a:ext>
-            </a:extLst>
-          </a:blip>
-          <a:stretch>
-            <a:fillRect/>
-          </a:stretch>
-        </p:blipFill>
-        <p:spPr>
-          <a:xfrm>
-            <a:off x="6096000" y="5363308"/>
-            <a:ext cx="2743200" cy="1266092"/>
-          </a:xfrm>
-          <a:prstGeom prst="rect">
-            <a:avLst/>
-          </a:prstGeom>
-          <a:solidFill>
-            <a:schemeClr val="tx1"/>
-          </a:solidFill>
-        </p:spPr>
-      </p:pic>
-      <p:sp>
-        <p:nvSpPr>
-          <p:cNvPr id="2" name="Rectangle 1"/>
-          <p:cNvSpPr/>
-          <p:nvPr/>
-        </p:nvSpPr>
-        <p:spPr>
-          <a:xfrm>
-            <a:off x="228600" y="5553670"/>
-            <a:ext cx="4572000" cy="923330"/>
-          </a:xfrm>
-          <a:prstGeom prst="rect">
-            <a:avLst/>
-          </a:prstGeom>
-        </p:spPr>
-        <p:txBody>
-          <a:bodyPr>
-            <a:spAutoFit/>
-          </a:bodyPr>
-          <a:lstStyle/>
-          <a:p>
-            <a:r>
-              <a:rPr lang="en-US" dirty="0"/>
-              <a:t>Chris Gardner</a:t>
-            </a:r>
-          </a:p>
-          <a:p>
-            <a:r>
-              <a:rPr lang="en-US" dirty="0"/>
-              <a:t>Senior Software Engineer</a:t>
-            </a:r>
-          </a:p>
-          <a:p>
-            <a:r>
-              <a:rPr lang="en-US" dirty="0"/>
-              <a:t>T &amp; W Operations, Inc.</a:t>
-            </a:r>
+          <a:p>
+            <a:endParaRPr lang="en-US" dirty="0"/>
           </a:p>
         </p:txBody>
       </p:sp>
     </p:spTree>
     <p:extLst>
       <p:ext uri="{BB962C8B-B14F-4D97-AF65-F5344CB8AC3E}">
-        <p14:creationId xmlns:p14="http://schemas.microsoft.com/office/powerpoint/2010/main" val="1783441756"/>
+        <p14:creationId xmlns:p14="http://schemas.microsoft.com/office/powerpoint/2010/main" val="3267581931"/>
       </p:ext>
     </p:extLst>
   </p:cSld>
   <p:clrMapOvr>
     <a:masterClrMapping/>
   </p:clrMapOvr>
-  <p:timing>
-    <p:tnLst>
-      <p:par>
-        <p:cTn id="1" dur="indefinite" restart="never" nodeType="tmRoot"/>
-      </p:par>
-    </p:tnLst>
-  </p:timing>
 </p:sld>
 </file>
 
@@ -4035,18 +3111,14 @@
           <a:lstStyle/>
           <a:p>
             <a:r>
-              <a:rPr lang="en-US" dirty="0"/>
-              <a:t>Visual Studio 2012 or 2013</a:t>
-            </a:r>
-          </a:p>
-          <a:p>
-            <a:r>
-              <a:rPr lang="en-US" dirty="0"/>
-              <a:t>.NET Framework </a:t>
-            </a:r>
-            <a:r>
-              <a:rPr lang="en-US" dirty="0" smtClean="0"/>
-              <a:t>4.5</a:t>
+              <a:rPr lang="en-US" dirty="0" smtClean="0"/>
+              <a:t>Visual Studio 2012 or better</a:t>
+            </a:r>
+          </a:p>
+          <a:p>
+            <a:r>
+              <a:rPr lang="en-US" dirty="0" smtClean="0"/>
+              <a:t>.NET Framework 4.5 or better</a:t>
             </a:r>
           </a:p>
           <a:p>
@@ -4056,57 +3128,46 @@
             </a:r>
           </a:p>
           <a:p>
+            <a:r>
+              <a:rPr lang="en-US" dirty="0" smtClean="0"/>
+              <a:t>MS Speech Platform SDK v11</a:t>
+            </a:r>
+          </a:p>
+          <a:p>
             <a:pPr lvl="1"/>
             <a:r>
               <a:rPr lang="en-US" dirty="0" smtClean="0"/>
-              <a:t>Currently Available as a Public Preview</a:t>
-            </a:r>
-          </a:p>
-          <a:p>
-            <a:r>
-              <a:rPr lang="en-US" dirty="0" smtClean="0"/>
-              <a:t>MS Speech Platform SDK v11</a:t>
+              <a:t>For Speech Recognition</a:t>
+            </a:r>
+          </a:p>
+          <a:p>
+            <a:r>
+              <a:rPr lang="en-US" dirty="0" smtClean="0"/>
+              <a:t>DirectX SDK</a:t>
             </a:r>
           </a:p>
           <a:p>
             <a:pPr lvl="1"/>
             <a:r>
               <a:rPr lang="en-US" dirty="0" smtClean="0"/>
-              <a:t>For Speech Recognition</a:t>
-            </a:r>
-          </a:p>
-          <a:p>
-            <a:r>
-              <a:rPr lang="en-US" dirty="0" smtClean="0"/>
-              <a:t>DirectX SDK</a:t>
-            </a:r>
-          </a:p>
-          <a:p>
-            <a:pPr lvl="1"/>
-            <a:r>
-              <a:rPr lang="en-US" dirty="0" smtClean="0"/>
               <a:t>For D3D / Native</a:t>
             </a:r>
+          </a:p>
+          <a:p>
+            <a:endParaRPr lang="en-US" dirty="0"/>
           </a:p>
         </p:txBody>
       </p:sp>
     </p:spTree>
     <p:extLst>
       <p:ext uri="{BB962C8B-B14F-4D97-AF65-F5344CB8AC3E}">
-        <p14:creationId xmlns:p14="http://schemas.microsoft.com/office/powerpoint/2010/main" val="3829590549"/>
+        <p14:creationId xmlns:p14="http://schemas.microsoft.com/office/powerpoint/2010/main" val="1656829781"/>
       </p:ext>
     </p:extLst>
   </p:cSld>
   <p:clrMapOvr>
     <a:masterClrMapping/>
   </p:clrMapOvr>
-  <p:timing>
-    <p:tnLst>
-      <p:par>
-        <p:cTn id="1" dur="indefinite" restart="never" nodeType="tmRoot"/>
-      </p:par>
-    </p:tnLst>
-  </p:timing>
 </p:sld>
 </file>
 
@@ -4144,7 +3205,7 @@
           <a:p>
             <a:r>
               <a:rPr lang="en-US" dirty="0" smtClean="0"/>
-              <a:t>SDK Features</a:t>
+              <a:t>Kinect SDK</a:t>
             </a:r>
             <a:endParaRPr lang="en-US" dirty="0"/>
           </a:p>
@@ -4162,64 +3223,51 @@
         </p:nvSpPr>
         <p:spPr/>
         <p:txBody>
-          <a:bodyPr>
-            <a:normAutofit/>
-          </a:bodyPr>
-          <a:lstStyle/>
-          <a:p>
-            <a:r>
-              <a:rPr lang="en-US" dirty="0" smtClean="0"/>
-              <a:t>Framework Support</a:t>
+          <a:bodyPr/>
+          <a:lstStyle/>
+          <a:p>
+            <a:r>
+              <a:rPr lang="en-US" dirty="0" smtClean="0"/>
+              <a:t>Download at aka.ms/k4w</a:t>
             </a:r>
           </a:p>
           <a:p>
             <a:pPr lvl="1"/>
             <a:r>
               <a:rPr lang="en-US" dirty="0" smtClean="0"/>
-              <a:t>Native</a:t>
+              <a:t>Required – Installs tools to update the Kinect Firmware</a:t>
+            </a:r>
+          </a:p>
+          <a:p>
+            <a:r>
+              <a:rPr lang="en-US" dirty="0" err="1" smtClean="0"/>
+              <a:t>NuGet</a:t>
+            </a:r>
+            <a:r>
+              <a:rPr lang="en-US" dirty="0" smtClean="0"/>
+              <a:t> packages available</a:t>
             </a:r>
           </a:p>
           <a:p>
             <a:pPr lvl="1"/>
             <a:r>
               <a:rPr lang="en-US" dirty="0" smtClean="0"/>
-              <a:t>.NET</a:t>
-            </a:r>
-          </a:p>
-          <a:p>
-            <a:pPr lvl="1"/>
-            <a:r>
-              <a:rPr lang="en-US" dirty="0" err="1" smtClean="0"/>
-              <a:t>WinRT</a:t>
-            </a:r>
-            <a:endParaRPr lang="en-US" dirty="0" smtClean="0"/>
-          </a:p>
-          <a:p>
-            <a:pPr lvl="1"/>
-            <a:r>
-              <a:rPr lang="en-US" dirty="0" smtClean="0"/>
-              <a:t>Unity</a:t>
-            </a:r>
+              <a:t>Optional – You can directly link to libraries in the installed SDK</a:t>
+            </a:r>
+            <a:endParaRPr lang="en-US" dirty="0"/>
           </a:p>
         </p:txBody>
       </p:sp>
     </p:spTree>
     <p:extLst>
       <p:ext uri="{BB962C8B-B14F-4D97-AF65-F5344CB8AC3E}">
-        <p14:creationId xmlns:p14="http://schemas.microsoft.com/office/powerpoint/2010/main" val="3847913651"/>
+        <p14:creationId xmlns:p14="http://schemas.microsoft.com/office/powerpoint/2010/main" val="3908237761"/>
       </p:ext>
     </p:extLst>
   </p:cSld>
   <p:clrMapOvr>
     <a:masterClrMapping/>
   </p:clrMapOvr>
-  <p:timing>
-    <p:tnLst>
-      <p:par>
-        <p:cTn id="1" dur="indefinite" restart="never" nodeType="tmRoot"/>
-      </p:par>
-    </p:tnLst>
-  </p:timing>
 </p:sld>
 </file>
 
@@ -4257,7 +3305,7 @@
           <a:p>
             <a:r>
               <a:rPr lang="en-US" dirty="0" smtClean="0"/>
-              <a:t>SDK Features</a:t>
+              <a:t>SDK Support</a:t>
             </a:r>
             <a:endParaRPr lang="en-US" dirty="0"/>
           </a:p>
@@ -4275,96 +3323,45 @@
         </p:nvSpPr>
         <p:spPr/>
         <p:txBody>
-          <a:bodyPr>
-            <a:normAutofit/>
-          </a:bodyPr>
-          <a:lstStyle/>
-          <a:p>
-            <a:r>
-              <a:rPr lang="en-US" dirty="0" smtClean="0"/>
-              <a:t>Tools</a:t>
-            </a:r>
-          </a:p>
-          <a:p>
-            <a:pPr lvl="1"/>
-            <a:r>
-              <a:rPr lang="en-US" dirty="0" err="1" smtClean="0"/>
-              <a:t>KinectMonitor</a:t>
-            </a:r>
-            <a:r>
-              <a:rPr lang="en-US" dirty="0" smtClean="0"/>
-              <a:t> Service</a:t>
-            </a:r>
-          </a:p>
-          <a:p>
-            <a:pPr lvl="2"/>
-            <a:r>
-              <a:rPr lang="en-US" dirty="0" smtClean="0"/>
-              <a:t>Background service to automatically start / stop hardware</a:t>
-            </a:r>
-          </a:p>
-          <a:p>
-            <a:pPr lvl="1"/>
-            <a:r>
-              <a:rPr lang="en-US" dirty="0" smtClean="0"/>
-              <a:t>Kinect Studio</a:t>
-            </a:r>
-          </a:p>
-          <a:p>
-            <a:pPr lvl="2"/>
-            <a:r>
-              <a:rPr lang="en-US" dirty="0" smtClean="0"/>
-              <a:t>Record streams and playback to the device / app</a:t>
-            </a:r>
-          </a:p>
-          <a:p>
-            <a:pPr lvl="1"/>
-            <a:r>
-              <a:rPr lang="en-US" dirty="0" smtClean="0"/>
-              <a:t>Hand Pointer Gesture Support</a:t>
-            </a:r>
-          </a:p>
-          <a:p>
-            <a:pPr lvl="2"/>
-            <a:r>
-              <a:rPr lang="en-US" dirty="0" smtClean="0"/>
-              <a:t>WPF / </a:t>
-            </a:r>
-            <a:r>
-              <a:rPr lang="en-US" dirty="0" err="1" smtClean="0"/>
-              <a:t>WinRT</a:t>
-            </a:r>
-            <a:r>
-              <a:rPr lang="en-US" dirty="0" smtClean="0"/>
-              <a:t> to enable built-in gesture support</a:t>
-            </a:r>
-          </a:p>
-          <a:p>
-            <a:pPr lvl="1"/>
-            <a:r>
-              <a:rPr lang="en-US" dirty="0" smtClean="0"/>
-              <a:t>Gesture Builder</a:t>
-            </a:r>
+          <a:bodyPr/>
+          <a:lstStyle/>
+          <a:p>
+            <a:r>
+              <a:rPr lang="en-US" dirty="0" smtClean="0"/>
+              <a:t>Native</a:t>
+            </a:r>
+          </a:p>
+          <a:p>
+            <a:r>
+              <a:rPr lang="en-US" dirty="0" smtClean="0"/>
+              <a:t>.NET</a:t>
+            </a:r>
+          </a:p>
+          <a:p>
+            <a:r>
+              <a:rPr lang="en-US" dirty="0" smtClean="0"/>
+              <a:t>WinRT / UWP</a:t>
+            </a:r>
+          </a:p>
+          <a:p>
+            <a:r>
+              <a:rPr lang="en-US" dirty="0" smtClean="0"/>
+              <a:t>Unity</a:t>
+            </a:r>
+            <a:endParaRPr lang="en-US" dirty="0"/>
           </a:p>
         </p:txBody>
       </p:sp>
     </p:spTree>
     <p:extLst>
       <p:ext uri="{BB962C8B-B14F-4D97-AF65-F5344CB8AC3E}">
-        <p14:creationId xmlns:p14="http://schemas.microsoft.com/office/powerpoint/2010/main" val="1940792650"/>
+        <p14:creationId xmlns:p14="http://schemas.microsoft.com/office/powerpoint/2010/main" val="1558060673"/>
       </p:ext>
     </p:extLst>
   </p:cSld>
   <p:clrMapOvr>
     <a:masterClrMapping/>
   </p:clrMapOvr>
-  <p:timing>
-    <p:tnLst>
-      <p:par>
-        <p:cTn id="1" dur="indefinite" restart="never" nodeType="tmRoot"/>
-      </p:par>
-    </p:tnLst>
-  </p:timing>
 </p:sld>
 </file>
 
@@ -4402,7 +3399,7 @@
           <a:p>
             <a:r>
               <a:rPr lang="en-US" dirty="0" smtClean="0"/>
-              <a:t>SDK Features</a:t>
+              <a:t>SDK Tools</a:t>
             </a:r>
             <a:endParaRPr lang="en-US" dirty="0"/>
           </a:p>
@@ -4420,19 +3417,48 @@
         </p:nvSpPr>
         <p:spPr/>
         <p:txBody>
-          <a:bodyPr/>
-          <a:lstStyle/>
-          <a:p>
-            <a:r>
-              <a:rPr lang="en-US" dirty="0" smtClean="0"/>
-              <a:t>Kinect Fusion</a:t>
-            </a:r>
-          </a:p>
-          <a:p>
-            <a:pPr lvl="1"/>
-            <a:r>
-              <a:rPr lang="en-US" dirty="0" smtClean="0"/>
-              <a:t>3D Modelling Software</a:t>
+          <a:bodyPr>
+            <a:normAutofit/>
+          </a:bodyPr>
+          <a:lstStyle/>
+          <a:p>
+            <a:r>
+              <a:rPr lang="en-US" dirty="0" smtClean="0"/>
+              <a:t>Configuration Checker</a:t>
+            </a:r>
+          </a:p>
+          <a:p>
+            <a:r>
+              <a:rPr lang="en-US" dirty="0" err="1" smtClean="0"/>
+              <a:t>KinecrMonitor</a:t>
+            </a:r>
+            <a:r>
+              <a:rPr lang="en-US" dirty="0" smtClean="0"/>
+              <a:t> Service - Windows service to handle hardware</a:t>
+            </a:r>
+          </a:p>
+          <a:p>
+            <a:r>
+              <a:rPr lang="en-US" dirty="0" smtClean="0"/>
+              <a:t>Kinect Studio - Record and playback streams of data</a:t>
+            </a:r>
+          </a:p>
+          <a:p>
+            <a:r>
+              <a:rPr lang="en-US" dirty="0" smtClean="0"/>
+              <a:t>Hand Pointer Gestures - WPF/WinRT/UWP built-in gesture support</a:t>
+            </a:r>
+          </a:p>
+          <a:p>
+            <a:r>
+              <a:rPr lang="en-US" dirty="0" smtClean="0"/>
+              <a:t>Gesture Builder</a:t>
+            </a:r>
+          </a:p>
+          <a:p>
+            <a:r>
+              <a:rPr lang="en-US" dirty="0" smtClean="0"/>
+              <a:t>Kinect Fusion / 3D Builder</a:t>
             </a:r>
           </a:p>
           <a:p>
@@ -4447,20 +3473,13 @@
     </p:spTree>
     <p:extLst>
       <p:ext uri="{BB962C8B-B14F-4D97-AF65-F5344CB8AC3E}">
-        <p14:creationId xmlns:p14="http://schemas.microsoft.com/office/powerpoint/2010/main" val="3889817124"/>
+        <p14:creationId xmlns:p14="http://schemas.microsoft.com/office/powerpoint/2010/main" val="3200748000"/>
       </p:ext>
     </p:extLst>
   </p:cSld>
   <p:clrMapOvr>
     <a:masterClrMapping/>
   </p:clrMapOvr>
-  <p:timing>
-    <p:tnLst>
-      <p:par>
-        <p:cTn id="1" dur="indefinite" restart="never" nodeType="tmRoot"/>
-      </p:par>
-    </p:tnLst>
-  </p:timing>
 </p:sld>
 </file>
 
@@ -4483,7 +3502,7 @@
       </p:grpSpPr>
       <p:sp>
         <p:nvSpPr>
-          <p:cNvPr id="4" name="Title 3"/>
+          <p:cNvPr id="2" name="Title 1"/>
           <p:cNvSpPr>
             <a:spLocks noGrp="1"/>
           </p:cNvSpPr>
@@ -4498,7 +3517,7 @@
           <a:p>
             <a:r>
               <a:rPr lang="en-US" dirty="0" smtClean="0"/>
-              <a:t>Demo Time</a:t>
+              <a:t>What Can We Do With It?</a:t>
             </a:r>
             <a:endParaRPr lang="en-US" dirty="0"/>
           </a:p>
@@ -4506,74 +3525,59 @@
       </p:sp>
       <p:sp>
         <p:nvSpPr>
-          <p:cNvPr id="5" name="Text Placeholder 4"/>
-          <p:cNvSpPr>
-            <a:spLocks noGrp="1"/>
-          </p:cNvSpPr>
-          <p:nvPr>
-            <p:ph type="body" idx="1"/>
-          </p:nvPr>
-        </p:nvSpPr>
-        <p:spPr/>
-        <p:txBody>
-          <a:bodyPr/>
-          <a:lstStyle/>
-          <a:p>
-            <a:r>
-              <a:rPr lang="en-US" dirty="0" smtClean="0"/>
-              <a:t>Factory Smoke NOT Included</a:t>
-            </a:r>
+          <p:cNvPr id="3" name="Content Placeholder 2"/>
+          <p:cNvSpPr>
+            <a:spLocks noGrp="1"/>
+          </p:cNvSpPr>
+          <p:nvPr>
+            <p:ph idx="1"/>
+          </p:nvPr>
+        </p:nvSpPr>
+        <p:spPr/>
+        <p:txBody>
+          <a:bodyPr/>
+          <a:lstStyle/>
+          <a:p>
+            <a:r>
+              <a:rPr lang="en-US" dirty="0" smtClean="0"/>
+              <a:t>The Kinect blog does a really good job of showcasing cool projects</a:t>
+            </a:r>
+          </a:p>
+          <a:p>
+            <a:pPr lvl="1"/>
+            <a:r>
+              <a:rPr lang="en-US" dirty="0" smtClean="0"/>
+              <a:t>blogs.msdn.microsoft.com/</a:t>
+            </a:r>
+            <a:r>
+              <a:rPr lang="en-US" dirty="0" err="1" smtClean="0"/>
+              <a:t>kinectforwindows</a:t>
+            </a:r>
+            <a:endParaRPr lang="en-US" dirty="0" smtClean="0"/>
+          </a:p>
+          <a:p>
+            <a:pPr lvl="1"/>
             <a:endParaRPr lang="en-US" dirty="0"/>
           </a:p>
-        </p:txBody>
-      </p:sp>
-      <p:pic>
-        <p:nvPicPr>
-          <p:cNvPr id="3" name="Picture 2"/>
-          <p:cNvPicPr>
-            <a:picLocks noChangeAspect="1"/>
-          </p:cNvPicPr>
-          <p:nvPr/>
-        </p:nvPicPr>
-        <p:blipFill>
-          <a:blip r:embed="rId2">
-            <a:extLst>
-              <a:ext uri="{28A0092B-C50C-407E-A947-70E740481C1C}">
-                <a14:useLocalDpi xmlns:a14="http://schemas.microsoft.com/office/drawing/2010/main" val="0"/>
-              </a:ext>
-            </a:extLst>
-          </a:blip>
-          <a:stretch>
-            <a:fillRect/>
-          </a:stretch>
-        </p:blipFill>
-        <p:spPr>
-          <a:xfrm>
-            <a:off x="2667000" y="2819400"/>
-            <a:ext cx="3810000" cy="3810000"/>
-          </a:xfrm>
-          <a:prstGeom prst="rect">
-            <a:avLst/>
-          </a:prstGeom>
-        </p:spPr>
-      </p:pic>
+          <a:p>
+            <a:r>
+              <a:rPr lang="en-US" dirty="0" smtClean="0"/>
+              <a:t>I’ve picked a few good ones to highlight</a:t>
+            </a:r>
+            <a:endParaRPr lang="en-US" dirty="0"/>
+          </a:p>
+        </p:txBody>
+      </p:sp>
     </p:spTree>
     <p:extLst>
       <p:ext uri="{BB962C8B-B14F-4D97-AF65-F5344CB8AC3E}">
-        <p14:creationId xmlns:p14="http://schemas.microsoft.com/office/powerpoint/2010/main" val="3739182902"/>
+        <p14:creationId xmlns:p14="http://schemas.microsoft.com/office/powerpoint/2010/main" val="979062537"/>
       </p:ext>
     </p:extLst>
   </p:cSld>
   <p:clrMapOvr>
     <a:masterClrMapping/>
   </p:clrMapOvr>
-  <p:timing>
-    <p:tnLst>
-      <p:par>
-        <p:cTn id="1" dur="indefinite" restart="never" nodeType="tmRoot"/>
-      </p:par>
-    </p:tnLst>
-  </p:timing>
 </p:sld>
 </file>
 
@@ -4596,22 +3600,22 @@
       </p:grpSpPr>
       <p:sp>
         <p:nvSpPr>
-          <p:cNvPr id="4" name="Title 3"/>
-          <p:cNvSpPr>
-            <a:spLocks noGrp="1"/>
-          </p:cNvSpPr>
-          <p:nvPr>
-            <p:ph type="ctrTitle"/>
-          </p:nvPr>
-        </p:nvSpPr>
-        <p:spPr/>
-        <p:txBody>
-          <a:bodyPr/>
-          <a:lstStyle/>
-          <a:p>
-            <a:r>
-              <a:rPr lang="en-US" dirty="0" smtClean="0"/>
-              <a:t>Questions?</a:t>
+          <p:cNvPr id="2" name="Title 1"/>
+          <p:cNvSpPr>
+            <a:spLocks noGrp="1"/>
+          </p:cNvSpPr>
+          <p:nvPr>
+            <p:ph type="title"/>
+          </p:nvPr>
+        </p:nvSpPr>
+        <p:spPr/>
+        <p:txBody>
+          <a:bodyPr/>
+          <a:lstStyle/>
+          <a:p>
+            <a:r>
+              <a:rPr lang="en-US" dirty="0" smtClean="0"/>
+              <a:t>Aid Shoppers</a:t>
             </a:r>
             <a:endParaRPr lang="en-US" dirty="0"/>
           </a:p>
@@ -4619,37 +3623,75 @@
       </p:sp>
       <p:sp>
         <p:nvSpPr>
-          <p:cNvPr id="5" name="Subtitle 4"/>
-          <p:cNvSpPr>
-            <a:spLocks noGrp="1"/>
-          </p:cNvSpPr>
-          <p:nvPr>
-            <p:ph type="subTitle" idx="1"/>
-          </p:nvPr>
-        </p:nvSpPr>
-        <p:spPr/>
-        <p:txBody>
-          <a:bodyPr/>
-          <a:lstStyle/>
-          <a:p>
-            <a:r>
-              <a:rPr lang="en-US" dirty="0" smtClean="0"/>
-              <a:t>Thank You</a:t>
-            </a:r>
+          <p:cNvPr id="3" name="Content Placeholder 2"/>
+          <p:cNvSpPr>
+            <a:spLocks noGrp="1"/>
+          </p:cNvSpPr>
+          <p:nvPr>
+            <p:ph type="body" sz="half" idx="2"/>
+          </p:nvPr>
+        </p:nvSpPr>
+        <p:spPr/>
+        <p:txBody>
+          <a:bodyPr/>
+          <a:lstStyle/>
+          <a:p>
+            <a:r>
+              <a:rPr lang="en-US" dirty="0" smtClean="0"/>
+              <a:t>Prototype supermarket gives information on products to shoppers</a:t>
+            </a:r>
+          </a:p>
+          <a:p>
             <a:endParaRPr lang="en-US" dirty="0"/>
           </a:p>
-        </p:txBody>
-      </p:sp>
-      <p:sp>
-        <p:nvSpPr>
-          <p:cNvPr id="6" name="TextBox 5"/>
+          <a:p>
+            <a:r>
+              <a:rPr lang="en-US" dirty="0" smtClean="0"/>
+              <a:t>“[W]hen a Kinect sensor detected a shopper pointing at an item, an overhead, mirrored display presented an array of detailed product information, extracted from a Microsoft Azure cloud database.”</a:t>
+            </a:r>
+            <a:endParaRPr lang="en-US" dirty="0"/>
+          </a:p>
+        </p:txBody>
+      </p:sp>
+      <p:pic>
+        <p:nvPicPr>
+          <p:cNvPr id="6" name="Picture Placeholder 5"/>
+          <p:cNvPicPr>
+            <a:picLocks noGrp="1" noChangeAspect="1"/>
+          </p:cNvPicPr>
+          <p:nvPr>
+            <p:ph type="pic" idx="1"/>
+          </p:nvPr>
+        </p:nvPicPr>
+        <p:blipFill>
+          <a:blip r:embed="rId2">
+            <a:extLst>
+              <a:ext uri="{28A0092B-C50C-407E-A947-70E740481C1C}">
+                <a14:useLocalDpi xmlns:a14="http://schemas.microsoft.com/office/drawing/2010/main" val="0"/>
+              </a:ext>
+            </a:extLst>
+          </a:blip>
+          <a:srcRect t="10235" b="10235"/>
+          <a:stretch>
+            <a:fillRect/>
+          </a:stretch>
+        </p:blipFill>
+        <p:spPr>
+          <a:prstGeom prst="rect">
+            <a:avLst/>
+          </a:prstGeom>
+        </p:spPr>
+      </p:pic>
+      <p:sp>
+        <p:nvSpPr>
+          <p:cNvPr id="7" name="TextBox 6"/>
           <p:cNvSpPr txBox="1"/>
           <p:nvPr/>
         </p:nvSpPr>
         <p:spPr>
           <a:xfrm>
-            <a:off x="381000" y="5486400"/>
-            <a:ext cx="2510303" cy="923330"/>
+            <a:off x="0" y="6519446"/>
+            <a:ext cx="8735084" cy="338554"/>
           </a:xfrm>
           <a:prstGeom prst="rect">
             <a:avLst/>
@@ -4663,20 +3705,67 @@
           <a:lstStyle/>
           <a:p>
             <a:r>
-              <a:rPr lang="en-US" dirty="0" smtClean="0"/>
-              <a:t>Chris Gardner</a:t>
-            </a:r>
-          </a:p>
-          <a:p>
-            <a:r>
-              <a:rPr lang="en-US" dirty="0" smtClean="0"/>
-              <a:t>cgardner@tnwops.com</a:t>
-            </a:r>
-          </a:p>
-          <a:p>
-            <a:r>
-              <a:rPr lang="en-US" dirty="0" smtClean="0"/>
-              <a:t>http://www.tnwops.com</a:t>
+              <a:rPr lang="en-US" sz="800" dirty="0" smtClean="0"/>
+              <a:t>Page Source: https://blogs.msdn.microsoft.com/kinectforwindows/2015/07/08/kinect-powers-informed-shoppers/</a:t>
+            </a:r>
+          </a:p>
+          <a:p>
+            <a:r>
+              <a:rPr lang="en-US" sz="800" dirty="0" smtClean="0"/>
+              <a:t>Image Source: https://msdnshared.blob.core.windows.net/media/MSDNBlogsFS/prod.evol.blogs.msdn.com/CommunityServer.Blogs.Components.WeblogFiles/00/00/01/49/02/2210.Avenade-1-419px.png</a:t>
+            </a:r>
+            <a:endParaRPr lang="en-US" sz="800" dirty="0"/>
+          </a:p>
+        </p:txBody>
+      </p:sp>
+    </p:spTree>
+    <p:extLst>
+      <p:ext uri="{BB962C8B-B14F-4D97-AF65-F5344CB8AC3E}">
+        <p14:creationId xmlns:p14="http://schemas.microsoft.com/office/powerpoint/2010/main" val="229018354"/>
+      </p:ext>
+    </p:extLst>
+  </p:cSld>
+  <p:clrMapOvr>
+    <a:masterClrMapping/>
+  </p:clrMapOvr>
+</p:sld>
+</file>
+
+<file path=ppt/slides/slide16.xml><?xml version="1.0" encoding="utf-8"?>
+<p:sld xmlns:a="http://schemas.openxmlformats.org/drawingml/2006/main" xmlns:r="http://schemas.openxmlformats.org/officeDocument/2006/relationships" xmlns:p="http://schemas.openxmlformats.org/presentationml/2006/main">
+  <p:cSld>
+    <p:spTree>
+      <p:nvGrpSpPr>
+        <p:cNvPr id="1" name=""/>
+        <p:cNvGrpSpPr/>
+        <p:nvPr/>
+      </p:nvGrpSpPr>
+      <p:grpSpPr>
+        <a:xfrm>
+          <a:off x="0" y="0"/>
+          <a:ext cx="0" cy="0"/>
+          <a:chOff x="0" y="0"/>
+          <a:chExt cx="0" cy="0"/>
+        </a:xfrm>
+      </p:grpSpPr>
+      <p:sp>
+        <p:nvSpPr>
+          <p:cNvPr id="2" name="Title 1"/>
+          <p:cNvSpPr>
+            <a:spLocks noGrp="1"/>
+          </p:cNvSpPr>
+          <p:nvPr>
+            <p:ph type="title"/>
+          </p:nvPr>
+        </p:nvSpPr>
+        <p:spPr/>
+        <p:txBody>
+          <a:bodyPr/>
+          <a:lstStyle/>
+          <a:p>
+            <a:r>
+              <a:rPr lang="en-US" dirty="0" smtClean="0"/>
+              <a:t>Read Sign Language</a:t>
             </a:r>
             <a:endParaRPr lang="en-US" dirty="0"/>
           </a:p>
@@ -4684,14 +3773,90 @@
       </p:sp>
       <p:sp>
         <p:nvSpPr>
-          <p:cNvPr id="7" name="TextBox 6"/>
+          <p:cNvPr id="3" name="Picture Placeholder 2"/>
+          <p:cNvSpPr>
+            <a:spLocks noGrp="1"/>
+          </p:cNvSpPr>
+          <p:nvPr>
+            <p:ph type="pic" idx="1"/>
+          </p:nvPr>
+        </p:nvSpPr>
+        <p:spPr/>
+      </p:sp>
+      <p:sp>
+        <p:nvSpPr>
+          <p:cNvPr id="4" name="Text Placeholder 3"/>
+          <p:cNvSpPr>
+            <a:spLocks noGrp="1"/>
+          </p:cNvSpPr>
+          <p:nvPr>
+            <p:ph type="body" sz="half" idx="2"/>
+          </p:nvPr>
+        </p:nvSpPr>
+        <p:spPr/>
+        <p:txBody>
+          <a:bodyPr/>
+          <a:lstStyle/>
+          <a:p>
+            <a:r>
+              <a:rPr lang="en-US" dirty="0" smtClean="0"/>
+              <a:t>Translate to and from sign language</a:t>
+            </a:r>
+          </a:p>
+          <a:p>
+            <a:endParaRPr lang="en-US" dirty="0"/>
+          </a:p>
+          <a:p>
+            <a:r>
+              <a:rPr lang="en-US" dirty="0" smtClean="0"/>
+              <a:t>“</a:t>
+            </a:r>
+            <a:r>
+              <a:rPr lang="en-US" dirty="0"/>
+              <a:t>It is progressing from recognizing isolated words signed by a specific person (translator mode) to understanding continuous communication from any competent signer (communication mode</a:t>
+            </a:r>
+            <a:r>
+              <a:rPr lang="en-US" dirty="0" smtClean="0"/>
+              <a:t>).”</a:t>
+            </a:r>
+            <a:endParaRPr lang="en-US" dirty="0"/>
+          </a:p>
+        </p:txBody>
+      </p:sp>
+      <p:pic>
+        <p:nvPicPr>
+          <p:cNvPr id="10" name="Picture 9"/>
+          <p:cNvPicPr>
+            <a:picLocks noChangeAspect="1"/>
+          </p:cNvPicPr>
+          <p:nvPr/>
+        </p:nvPicPr>
+        <p:blipFill>
+          <a:blip r:embed="rId2"/>
+          <a:stretch>
+            <a:fillRect/>
+          </a:stretch>
+        </p:blipFill>
+        <p:spPr>
+          <a:xfrm>
+            <a:off x="5186840" y="1597601"/>
+            <a:ext cx="6164896" cy="3653272"/>
+          </a:xfrm>
+          <a:prstGeom prst="rect">
+            <a:avLst/>
+          </a:prstGeom>
+        </p:spPr>
+      </p:pic>
+      <p:sp>
+        <p:nvSpPr>
+          <p:cNvPr id="11" name="TextBox 10"/>
           <p:cNvSpPr txBox="1"/>
           <p:nvPr/>
         </p:nvSpPr>
         <p:spPr>
           <a:xfrm>
-            <a:off x="4191000" y="5486400"/>
-            <a:ext cx="4572000" cy="1200329"/>
+            <a:off x="0" y="6512519"/>
+            <a:ext cx="8962710" cy="338554"/>
           </a:xfrm>
           <a:prstGeom prst="rect">
             <a:avLst/>
@@ -4699,55 +3864,447 @@
           <a:noFill/>
         </p:spPr>
         <p:txBody>
-          <a:bodyPr wrap="square" rtlCol="0">
+          <a:bodyPr wrap="none" rtlCol="0">
             <a:spAutoFit/>
           </a:bodyPr>
           <a:lstStyle/>
           <a:p>
             <a:r>
-              <a:rPr lang="en-US" dirty="0" smtClean="0"/>
-              <a:t>@</a:t>
-            </a:r>
-            <a:r>
-              <a:rPr lang="en-US" dirty="0" err="1" smtClean="0"/>
-              <a:t>freestylecoder</a:t>
-            </a:r>
-            <a:endParaRPr lang="en-US" dirty="0"/>
-          </a:p>
-          <a:p>
-            <a:r>
-              <a:rPr lang="en-US" dirty="0" smtClean="0"/>
-              <a:t>http://blog.freestylecoding.com</a:t>
-            </a:r>
-          </a:p>
-          <a:p>
-            <a:r>
-              <a:rPr lang="en-US" dirty="0"/>
-              <a:t>http://www.extra-life.org/participant/cgardner</a:t>
-            </a:r>
-          </a:p>
-          <a:p>
-            <a:endParaRPr lang="en-US" dirty="0" smtClean="0"/>
+              <a:rPr lang="en-US" sz="800" dirty="0" smtClean="0"/>
+              <a:t>Page Source: https://blogs.msdn.microsoft.com/msr_er/2013/10/29/kinect-sign-language-translator-part-1/</a:t>
+            </a:r>
+          </a:p>
+          <a:p>
+            <a:r>
+              <a:rPr lang="en-US" sz="800" dirty="0" smtClean="0"/>
+              <a:t>Image Source: https://msdnshared.blob.core.windows.net/media/MSDNBlogsFS/prod.evol.blogs.msdn.com/CommunityServer.Blogs.Components.WeblogFiles/00/00/01/32/81/0724.Kinect-sign-lang-avatar.png</a:t>
+            </a:r>
+            <a:endParaRPr lang="en-US" sz="800" dirty="0"/>
           </a:p>
         </p:txBody>
       </p:sp>
     </p:spTree>
     <p:extLst>
       <p:ext uri="{BB962C8B-B14F-4D97-AF65-F5344CB8AC3E}">
-        <p14:creationId xmlns:p14="http://schemas.microsoft.com/office/powerpoint/2010/main" val="4294173371"/>
+        <p14:creationId xmlns:p14="http://schemas.microsoft.com/office/powerpoint/2010/main" val="1850553914"/>
       </p:ext>
     </p:extLst>
   </p:cSld>
   <p:clrMapOvr>
     <a:masterClrMapping/>
   </p:clrMapOvr>
-  <p:timing>
-    <p:tnLst>
-      <p:par>
-        <p:cTn id="1" dur="indefinite" restart="never" nodeType="tmRoot"/>
-      </p:par>
-    </p:tnLst>
-  </p:timing>
+</p:sld>
+</file>
+
+<file path=ppt/slides/slide17.xml><?xml version="1.0" encoding="utf-8"?>
+<p:sld xmlns:a="http://schemas.openxmlformats.org/drawingml/2006/main" xmlns:r="http://schemas.openxmlformats.org/officeDocument/2006/relationships" xmlns:p="http://schemas.openxmlformats.org/presentationml/2006/main">
+  <p:cSld>
+    <p:spTree>
+      <p:nvGrpSpPr>
+        <p:cNvPr id="1" name=""/>
+        <p:cNvGrpSpPr/>
+        <p:nvPr/>
+      </p:nvGrpSpPr>
+      <p:grpSpPr>
+        <a:xfrm>
+          <a:off x="0" y="0"/>
+          <a:ext cx="0" cy="0"/>
+          <a:chOff x="0" y="0"/>
+          <a:chExt cx="0" cy="0"/>
+        </a:xfrm>
+      </p:grpSpPr>
+      <p:sp>
+        <p:nvSpPr>
+          <p:cNvPr id="2" name="Title 1"/>
+          <p:cNvSpPr>
+            <a:spLocks noGrp="1"/>
+          </p:cNvSpPr>
+          <p:nvPr>
+            <p:ph type="title"/>
+          </p:nvPr>
+        </p:nvSpPr>
+        <p:spPr/>
+        <p:txBody>
+          <a:bodyPr/>
+          <a:lstStyle/>
+          <a:p>
+            <a:r>
+              <a:rPr lang="en-US" dirty="0" smtClean="0"/>
+              <a:t>Detect PTSD</a:t>
+            </a:r>
+            <a:endParaRPr lang="en-US" dirty="0"/>
+          </a:p>
+        </p:txBody>
+      </p:sp>
+      <p:sp>
+        <p:nvSpPr>
+          <p:cNvPr id="3" name="Picture Placeholder 2"/>
+          <p:cNvSpPr>
+            <a:spLocks noGrp="1"/>
+          </p:cNvSpPr>
+          <p:nvPr>
+            <p:ph type="pic" idx="1"/>
+          </p:nvPr>
+        </p:nvSpPr>
+        <p:spPr/>
+      </p:sp>
+      <p:sp>
+        <p:nvSpPr>
+          <p:cNvPr id="4" name="Text Placeholder 3"/>
+          <p:cNvSpPr>
+            <a:spLocks noGrp="1"/>
+          </p:cNvSpPr>
+          <p:nvPr>
+            <p:ph type="body" sz="half" idx="2"/>
+          </p:nvPr>
+        </p:nvSpPr>
+        <p:spPr/>
+        <p:txBody>
+          <a:bodyPr/>
+          <a:lstStyle/>
+          <a:p>
+            <a:r>
+              <a:rPr lang="en-US" dirty="0" smtClean="0"/>
+              <a:t>Detect early signs of PTSD in soldiers and crisis survivors.</a:t>
+            </a:r>
+          </a:p>
+          <a:p>
+            <a:endParaRPr lang="en-US" dirty="0"/>
+          </a:p>
+          <a:p>
+            <a:r>
+              <a:rPr lang="en-US" dirty="0" smtClean="0"/>
+              <a:t>“[W]hen the on-screen virtual human … asks the soldier how he is feeling, the Kinect sensor tracks his overall movement and changes in posture during his reply. These nonverbal signs can reveal stress and anxiety, even if the soldier’s verbal response is `I feel fine.’”</a:t>
+            </a:r>
+          </a:p>
+        </p:txBody>
+      </p:sp>
+      <p:pic>
+        <p:nvPicPr>
+          <p:cNvPr id="6" name="Picture 5"/>
+          <p:cNvPicPr>
+            <a:picLocks noChangeAspect="1"/>
+          </p:cNvPicPr>
+          <p:nvPr/>
+        </p:nvPicPr>
+        <p:blipFill>
+          <a:blip r:embed="rId2"/>
+          <a:stretch>
+            <a:fillRect/>
+          </a:stretch>
+        </p:blipFill>
+        <p:spPr>
+          <a:xfrm>
+            <a:off x="5217744" y="2057400"/>
+            <a:ext cx="6103088" cy="2733674"/>
+          </a:xfrm>
+          <a:prstGeom prst="rect">
+            <a:avLst/>
+          </a:prstGeom>
+        </p:spPr>
+      </p:pic>
+      <p:sp>
+        <p:nvSpPr>
+          <p:cNvPr id="7" name="TextBox 6"/>
+          <p:cNvSpPr txBox="1"/>
+          <p:nvPr/>
+        </p:nvSpPr>
+        <p:spPr>
+          <a:xfrm>
+            <a:off x="0" y="6396335"/>
+            <a:ext cx="6199133" cy="461665"/>
+          </a:xfrm>
+          <a:prstGeom prst="rect">
+            <a:avLst/>
+          </a:prstGeom>
+          <a:noFill/>
+        </p:spPr>
+        <p:txBody>
+          <a:bodyPr wrap="none" rtlCol="0">
+            <a:spAutoFit/>
+          </a:bodyPr>
+          <a:lstStyle/>
+          <a:p>
+            <a:r>
+              <a:rPr lang="en-US" sz="800" dirty="0" smtClean="0"/>
+              <a:t>Page Source: https://blogs.msdn.microsoft.com/kinectforwindows/2015/07/01/kinect-helps-detect-ptsd-in-combat-soldiers/</a:t>
+            </a:r>
+          </a:p>
+          <a:p>
+            <a:r>
+              <a:rPr lang="en-US" sz="800" dirty="0" smtClean="0"/>
+              <a:t>Page Source: http://ict.usc.edu/news/press-releases/ict-virtual-human-health-prototype-named-top-ten-digital-innovation-by-netexplo-forum/</a:t>
+            </a:r>
+          </a:p>
+          <a:p>
+            <a:r>
+              <a:rPr lang="en-US" sz="800" dirty="0" smtClean="0"/>
+              <a:t>Image Source: http://ict.usc.edu/wp-content/uploads/2013/05/simsensei-1.jpg</a:t>
+            </a:r>
+            <a:endParaRPr lang="en-US" sz="800" dirty="0"/>
+          </a:p>
+        </p:txBody>
+      </p:sp>
+    </p:spTree>
+    <p:extLst>
+      <p:ext uri="{BB962C8B-B14F-4D97-AF65-F5344CB8AC3E}">
+        <p14:creationId xmlns:p14="http://schemas.microsoft.com/office/powerpoint/2010/main" val="1359883665"/>
+      </p:ext>
+    </p:extLst>
+  </p:cSld>
+  <p:clrMapOvr>
+    <a:masterClrMapping/>
+  </p:clrMapOvr>
+</p:sld>
+</file>
+
+<file path=ppt/slides/slide18.xml><?xml version="1.0" encoding="utf-8"?>
+<p:sld xmlns:a="http://schemas.openxmlformats.org/drawingml/2006/main" xmlns:r="http://schemas.openxmlformats.org/officeDocument/2006/relationships" xmlns:p="http://schemas.openxmlformats.org/presentationml/2006/main">
+  <p:cSld>
+    <p:spTree>
+      <p:nvGrpSpPr>
+        <p:cNvPr id="1" name=""/>
+        <p:cNvGrpSpPr/>
+        <p:nvPr/>
+      </p:nvGrpSpPr>
+      <p:grpSpPr>
+        <a:xfrm>
+          <a:off x="0" y="0"/>
+          <a:ext cx="0" cy="0"/>
+          <a:chOff x="0" y="0"/>
+          <a:chExt cx="0" cy="0"/>
+        </a:xfrm>
+      </p:grpSpPr>
+      <p:sp>
+        <p:nvSpPr>
+          <p:cNvPr id="5" name="Title 4"/>
+          <p:cNvSpPr>
+            <a:spLocks noGrp="1"/>
+          </p:cNvSpPr>
+          <p:nvPr>
+            <p:ph type="title"/>
+          </p:nvPr>
+        </p:nvSpPr>
+        <p:spPr/>
+        <p:txBody>
+          <a:bodyPr/>
+          <a:lstStyle/>
+          <a:p>
+            <a:r>
+              <a:rPr lang="en-US" dirty="0" smtClean="0"/>
+              <a:t>Demo Time</a:t>
+            </a:r>
+            <a:endParaRPr lang="en-US" dirty="0"/>
+          </a:p>
+        </p:txBody>
+      </p:sp>
+      <p:pic>
+        <p:nvPicPr>
+          <p:cNvPr id="7" name="Content Placeholder 6"/>
+          <p:cNvPicPr>
+            <a:picLocks noGrp="1" noChangeAspect="1"/>
+          </p:cNvPicPr>
+          <p:nvPr>
+            <p:ph idx="1"/>
+          </p:nvPr>
+        </p:nvPicPr>
+        <p:blipFill>
+          <a:blip r:embed="rId2">
+            <a:extLst>
+              <a:ext uri="{28A0092B-C50C-407E-A947-70E740481C1C}">
+                <a14:useLocalDpi xmlns:a14="http://schemas.microsoft.com/office/drawing/2010/main" val="0"/>
+              </a:ext>
+            </a:extLst>
+          </a:blip>
+          <a:stretch>
+            <a:fillRect/>
+          </a:stretch>
+        </p:blipFill>
+        <p:spPr>
+          <a:xfrm>
+            <a:off x="4191000" y="2096294"/>
+            <a:ext cx="3810000" cy="3810000"/>
+          </a:xfrm>
+          <a:prstGeom prst="rect">
+            <a:avLst/>
+          </a:prstGeom>
+        </p:spPr>
+      </p:pic>
+    </p:spTree>
+    <p:extLst>
+      <p:ext uri="{BB962C8B-B14F-4D97-AF65-F5344CB8AC3E}">
+        <p14:creationId xmlns:p14="http://schemas.microsoft.com/office/powerpoint/2010/main" val="3809582396"/>
+      </p:ext>
+    </p:extLst>
+  </p:cSld>
+  <p:clrMapOvr>
+    <a:masterClrMapping/>
+  </p:clrMapOvr>
+</p:sld>
+</file>
+
+<file path=ppt/slides/slide19.xml><?xml version="1.0" encoding="utf-8"?>
+<p:sld xmlns:a="http://schemas.openxmlformats.org/drawingml/2006/main" xmlns:r="http://schemas.openxmlformats.org/officeDocument/2006/relationships" xmlns:p="http://schemas.openxmlformats.org/presentationml/2006/main">
+  <p:cSld>
+    <p:spTree>
+      <p:nvGrpSpPr>
+        <p:cNvPr id="1" name=""/>
+        <p:cNvGrpSpPr/>
+        <p:nvPr/>
+      </p:nvGrpSpPr>
+      <p:grpSpPr>
+        <a:xfrm>
+          <a:off x="0" y="0"/>
+          <a:ext cx="0" cy="0"/>
+          <a:chOff x="0" y="0"/>
+          <a:chExt cx="0" cy="0"/>
+        </a:xfrm>
+      </p:grpSpPr>
+      <p:sp>
+        <p:nvSpPr>
+          <p:cNvPr id="2" name="Title 1"/>
+          <p:cNvSpPr>
+            <a:spLocks noGrp="1"/>
+          </p:cNvSpPr>
+          <p:nvPr>
+            <p:ph type="title"/>
+          </p:nvPr>
+        </p:nvSpPr>
+        <p:spPr/>
+        <p:txBody>
+          <a:bodyPr/>
+          <a:lstStyle/>
+          <a:p>
+            <a:r>
+              <a:rPr lang="en-US" dirty="0" smtClean="0"/>
+              <a:t>Thank You!</a:t>
+            </a:r>
+            <a:endParaRPr lang="en-US" dirty="0"/>
+          </a:p>
+        </p:txBody>
+      </p:sp>
+      <p:sp>
+        <p:nvSpPr>
+          <p:cNvPr id="3" name="Content Placeholder 2"/>
+          <p:cNvSpPr>
+            <a:spLocks noGrp="1"/>
+          </p:cNvSpPr>
+          <p:nvPr>
+            <p:ph idx="1"/>
+          </p:nvPr>
+        </p:nvSpPr>
+        <p:spPr/>
+        <p:txBody>
+          <a:bodyPr>
+            <a:normAutofit/>
+          </a:bodyPr>
+          <a:lstStyle/>
+          <a:p>
+            <a:r>
+              <a:rPr lang="en-US" dirty="0" smtClean="0"/>
+              <a:t>Contact Info</a:t>
+            </a:r>
+          </a:p>
+          <a:p>
+            <a:pPr lvl="1"/>
+            <a:r>
+              <a:rPr lang="en-US" dirty="0" smtClean="0"/>
+              <a:t>Personal</a:t>
+            </a:r>
+          </a:p>
+          <a:p>
+            <a:pPr lvl="2"/>
+            <a:r>
+              <a:rPr lang="en-US" dirty="0" smtClean="0"/>
+              <a:t>@</a:t>
+            </a:r>
+            <a:r>
+              <a:rPr lang="en-US" dirty="0" err="1" smtClean="0"/>
+              <a:t>freestylecoder</a:t>
+            </a:r>
+            <a:endParaRPr lang="en-US" dirty="0" smtClean="0"/>
+          </a:p>
+          <a:p>
+            <a:pPr lvl="2"/>
+            <a:r>
+              <a:rPr lang="en-US" dirty="0" smtClean="0"/>
+              <a:t>cgardner@gmail.com</a:t>
+            </a:r>
+          </a:p>
+          <a:p>
+            <a:pPr lvl="1"/>
+            <a:r>
+              <a:rPr lang="en-US" dirty="0" smtClean="0"/>
+              <a:t>Professional</a:t>
+            </a:r>
+          </a:p>
+          <a:p>
+            <a:pPr lvl="2"/>
+            <a:r>
+              <a:rPr lang="en-US" dirty="0"/>
+              <a:t>l</a:t>
+            </a:r>
+            <a:r>
+              <a:rPr lang="en-US" dirty="0" smtClean="0"/>
+              <a:t>etsfixhealthcare.com</a:t>
+            </a:r>
+          </a:p>
+          <a:p>
+            <a:pPr lvl="2"/>
+            <a:r>
+              <a:rPr lang="en-US" dirty="0" smtClean="0"/>
+              <a:t>cgardner@careevolution.com</a:t>
+            </a:r>
+          </a:p>
+          <a:p>
+            <a:pPr lvl="1"/>
+            <a:r>
+              <a:rPr lang="en-US" dirty="0" smtClean="0"/>
+              <a:t>DevSpace</a:t>
+            </a:r>
+          </a:p>
+          <a:p>
+            <a:pPr lvl="2"/>
+            <a:r>
+              <a:rPr lang="en-US" dirty="0" smtClean="0"/>
+              <a:t>@</a:t>
+            </a:r>
+            <a:r>
+              <a:rPr lang="en-US" dirty="0" err="1" smtClean="0"/>
+              <a:t>devspaceconf</a:t>
+            </a:r>
+            <a:endParaRPr lang="en-US" dirty="0" smtClean="0"/>
+          </a:p>
+          <a:p>
+            <a:pPr lvl="2"/>
+            <a:r>
+              <a:rPr lang="en-US" dirty="0" smtClean="0"/>
+              <a:t>devspaceconf.com</a:t>
+            </a:r>
+          </a:p>
+          <a:p>
+            <a:pPr lvl="2"/>
+            <a:r>
+              <a:rPr lang="en-US" dirty="0" smtClean="0"/>
+              <a:t>cgardner@devspaceconf.com</a:t>
+            </a:r>
+          </a:p>
+          <a:p>
+            <a:pPr lvl="2"/>
+            <a:endParaRPr lang="en-US" dirty="0" smtClean="0"/>
+          </a:p>
+        </p:txBody>
+      </p:sp>
+    </p:spTree>
+    <p:extLst>
+      <p:ext uri="{BB962C8B-B14F-4D97-AF65-F5344CB8AC3E}">
+        <p14:creationId xmlns:p14="http://schemas.microsoft.com/office/powerpoint/2010/main" val="1196545541"/>
+      </p:ext>
+    </p:extLst>
+  </p:cSld>
+  <p:clrMapOvr>
+    <a:masterClrMapping/>
+  </p:clrMapOvr>
 </p:sld>
 </file>
 
@@ -4785,7 +4342,7 @@
           <a:p>
             <a:r>
               <a:rPr lang="en-US" dirty="0" smtClean="0"/>
-              <a:t>Road Map</a:t>
+              <a:t>Who Am I?</a:t>
             </a:r>
             <a:endParaRPr lang="en-US" dirty="0"/>
           </a:p>
@@ -4808,99 +4365,35 @@
           <a:p>
             <a:r>
               <a:rPr lang="en-US" dirty="0" smtClean="0"/>
-              <a:t>Features</a:t>
-            </a:r>
-          </a:p>
-          <a:p>
-            <a:r>
-              <a:rPr lang="en-US" dirty="0" smtClean="0"/>
-              <a:t>Demos</a:t>
-            </a:r>
-          </a:p>
-        </p:txBody>
-      </p:sp>
-    </p:spTree>
-    <p:extLst>
-      <p:ext uri="{BB962C8B-B14F-4D97-AF65-F5344CB8AC3E}">
-        <p14:creationId xmlns:p14="http://schemas.microsoft.com/office/powerpoint/2010/main" val="1122869065"/>
-      </p:ext>
-    </p:extLst>
-  </p:cSld>
-  <p:clrMapOvr>
-    <a:masterClrMapping/>
-  </p:clrMapOvr>
-  <p:timing>
-    <p:tnLst>
-      <p:par>
-        <p:cTn id="1" dur="indefinite" restart="never" nodeType="tmRoot"/>
-      </p:par>
-    </p:tnLst>
-  </p:timing>
-</p:sld>
-</file>
-
-<file path=ppt/slides/slide3.xml><?xml version="1.0" encoding="utf-8"?>
-<p:sld xmlns:a="http://schemas.openxmlformats.org/drawingml/2006/main" xmlns:r="http://schemas.openxmlformats.org/officeDocument/2006/relationships" xmlns:p="http://schemas.openxmlformats.org/presentationml/2006/main">
-  <p:cSld>
-    <p:spTree>
-      <p:nvGrpSpPr>
-        <p:cNvPr id="1" name=""/>
-        <p:cNvGrpSpPr/>
-        <p:nvPr/>
-      </p:nvGrpSpPr>
-      <p:grpSpPr>
-        <a:xfrm>
-          <a:off x="0" y="0"/>
-          <a:ext cx="0" cy="0"/>
-          <a:chOff x="0" y="0"/>
-          <a:chExt cx="0" cy="0"/>
-        </a:xfrm>
-      </p:grpSpPr>
-      <p:sp>
-        <p:nvSpPr>
-          <p:cNvPr id="2" name="Title 1"/>
-          <p:cNvSpPr>
-            <a:spLocks noGrp="1"/>
-          </p:cNvSpPr>
-          <p:nvPr>
-            <p:ph type="title"/>
-          </p:nvPr>
-        </p:nvSpPr>
-        <p:spPr/>
-        <p:txBody>
-          <a:bodyPr/>
-          <a:lstStyle/>
-          <a:p>
-            <a:r>
-              <a:rPr lang="en-US" dirty="0" smtClean="0"/>
-              <a:t>Appease the Lawyers</a:t>
+              <a:t>Chris Gardner</a:t>
+            </a:r>
+          </a:p>
+          <a:p>
+            <a:pPr lvl="1"/>
+            <a:r>
+              <a:rPr lang="en-US" dirty="0" smtClean="0"/>
+              <a:t>Developer – </a:t>
+            </a:r>
+            <a:r>
+              <a:rPr lang="en-US" dirty="0" err="1" smtClean="0"/>
+              <a:t>CareEvolution</a:t>
+            </a:r>
+            <a:endParaRPr lang="en-US" dirty="0" smtClean="0"/>
+          </a:p>
+          <a:p>
+            <a:pPr lvl="1"/>
+            <a:r>
+              <a:rPr lang="en-US" dirty="0" smtClean="0"/>
+              <a:t>Chairman – DevSpace Technical Conference</a:t>
+            </a:r>
+          </a:p>
+          <a:p>
+            <a:pPr lvl="1"/>
+            <a:r>
+              <a:rPr lang="en-US" dirty="0" smtClean="0"/>
+              <a:t>MCT Regional Lead – Eastern US</a:t>
             </a:r>
             <a:endParaRPr lang="en-US" dirty="0"/>
-          </a:p>
-        </p:txBody>
-      </p:sp>
-      <p:sp>
-        <p:nvSpPr>
-          <p:cNvPr id="3" name="Content Placeholder 2"/>
-          <p:cNvSpPr>
-            <a:spLocks noGrp="1"/>
-          </p:cNvSpPr>
-          <p:nvPr>
-            <p:ph idx="1"/>
-          </p:nvPr>
-        </p:nvSpPr>
-        <p:spPr/>
-        <p:txBody>
-          <a:bodyPr/>
-          <a:lstStyle/>
-          <a:p>
-            <a:pPr marL="118872" indent="0">
-              <a:buNone/>
-            </a:pPr>
-            <a:r>
-              <a:rPr lang="en-US" dirty="0"/>
-              <a:t>This is preliminary software and/or hardware and APIs are preliminary and subject to change.</a:t>
-            </a:r>
           </a:p>
         </p:txBody>
       </p:sp>
@@ -4926,219 +4419,179 @@
         </p:blipFill>
         <p:spPr>
           <a:xfrm>
-            <a:off x="2190750" y="3133725"/>
-            <a:ext cx="4762500" cy="3190875"/>
+            <a:off x="7673614" y="1690688"/>
+            <a:ext cx="3680186" cy="664229"/>
           </a:xfrm>
           <a:prstGeom prst="rect">
             <a:avLst/>
           </a:prstGeom>
         </p:spPr>
       </p:pic>
-      <p:sp>
-        <p:nvSpPr>
-          <p:cNvPr id="5" name="TextBox 4"/>
-          <p:cNvSpPr txBox="1"/>
+      <p:pic>
+        <p:nvPicPr>
+          <p:cNvPr id="5" name="Picture 4"/>
+          <p:cNvPicPr>
+            <a:picLocks noChangeAspect="1"/>
+          </p:cNvPicPr>
           <p:nvPr/>
-        </p:nvSpPr>
+        </p:nvPicPr>
+        <p:blipFill>
+          <a:blip r:embed="rId3">
+            <a:extLst>
+              <a:ext uri="{28A0092B-C50C-407E-A947-70E740481C1C}">
+                <a14:useLocalDpi xmlns:a14="http://schemas.microsoft.com/office/drawing/2010/main" val="0"/>
+              </a:ext>
+            </a:extLst>
+          </a:blip>
+          <a:stretch>
+            <a:fillRect/>
+          </a:stretch>
+        </p:blipFill>
         <p:spPr>
           <a:xfrm>
-            <a:off x="-5927" y="6519446"/>
-            <a:ext cx="3206327" cy="338554"/>
+            <a:off x="7288506" y="3439861"/>
+            <a:ext cx="4065294" cy="2737102"/>
           </a:xfrm>
           <a:prstGeom prst="rect">
             <a:avLst/>
           </a:prstGeom>
-          <a:noFill/>
         </p:spPr>
-        <p:txBody>
-          <a:bodyPr wrap="none" rtlCol="0">
-            <a:spAutoFit/>
-          </a:bodyPr>
-          <a:lstStyle/>
-          <a:p>
-            <a:r>
-              <a:rPr lang="en-US" sz="800" dirty="0" smtClean="0"/>
-              <a:t>Page </a:t>
-            </a:r>
-            <a:r>
-              <a:rPr lang="en-US" sz="800" dirty="0"/>
-              <a:t>Source: http://icanhas.cheezburger.com/justcapshunz/tag/otter</a:t>
-            </a:r>
-            <a:endParaRPr lang="en-US" sz="800" dirty="0" smtClean="0"/>
-          </a:p>
-          <a:p>
-            <a:r>
-              <a:rPr lang="en-US" sz="800" dirty="0"/>
-              <a:t>Image Source: https://i.chzbgr.com/maxW500/7806336256/h86FB62F9/</a:t>
-            </a:r>
-          </a:p>
-        </p:txBody>
-      </p:sp>
+      </p:pic>
+      <p:pic>
+        <p:nvPicPr>
+          <p:cNvPr id="6" name="Picture 5"/>
+          <p:cNvPicPr>
+            <a:picLocks noChangeAspect="1"/>
+          </p:cNvPicPr>
+          <p:nvPr/>
+        </p:nvPicPr>
+        <p:blipFill>
+          <a:blip r:embed="rId4" cstate="print">
+            <a:extLst>
+              <a:ext uri="{28A0092B-C50C-407E-A947-70E740481C1C}">
+                <a14:useLocalDpi xmlns:a14="http://schemas.microsoft.com/office/drawing/2010/main" val="0"/>
+              </a:ext>
+            </a:extLst>
+          </a:blip>
+          <a:stretch>
+            <a:fillRect/>
+          </a:stretch>
+        </p:blipFill>
+        <p:spPr>
+          <a:xfrm>
+            <a:off x="838200" y="3942774"/>
+            <a:ext cx="3404623" cy="2234189"/>
+          </a:xfrm>
+          <a:prstGeom prst="rect">
+            <a:avLst/>
+          </a:prstGeom>
+        </p:spPr>
+      </p:pic>
     </p:spTree>
     <p:extLst>
       <p:ext uri="{BB962C8B-B14F-4D97-AF65-F5344CB8AC3E}">
-        <p14:creationId xmlns:p14="http://schemas.microsoft.com/office/powerpoint/2010/main" val="2916924969"/>
+        <p14:creationId xmlns:p14="http://schemas.microsoft.com/office/powerpoint/2010/main" val="902130044"/>
       </p:ext>
     </p:extLst>
   </p:cSld>
   <p:clrMapOvr>
     <a:masterClrMapping/>
   </p:clrMapOvr>
-  <p:timing>
-    <p:tnLst>
-      <p:par>
-        <p:cTn id="1" dur="indefinite" restart="never" nodeType="tmRoot">
-          <p:childTnLst>
-            <p:seq concurrent="1" nextAc="seek">
-              <p:cTn id="2" dur="indefinite" nodeType="mainSeq">
-                <p:childTnLst>
-                  <p:par>
-                    <p:cTn id="3" fill="hold">
-                      <p:stCondLst>
-                        <p:cond delay="indefinite"/>
-                      </p:stCondLst>
-                      <p:childTnLst>
-                        <p:par>
-                          <p:cTn id="4" fill="hold">
-                            <p:stCondLst>
-                              <p:cond delay="0"/>
-                            </p:stCondLst>
-                            <p:childTnLst>
-                              <p:par>
-                                <p:cTn id="5" presetID="1" presetClass="entr" presetSubtype="0" fill="hold" grpId="0" nodeType="clickEffect">
-                                  <p:stCondLst>
-                                    <p:cond delay="0"/>
-                                  </p:stCondLst>
-                                  <p:childTnLst>
-                                    <p:set>
-                                      <p:cBhvr>
-                                        <p:cTn id="6" dur="1" fill="hold">
-                                          <p:stCondLst>
-                                            <p:cond delay="0"/>
-                                          </p:stCondLst>
-                                        </p:cTn>
-                                        <p:tgtEl>
-                                          <p:spTgt spid="3">
-                                            <p:txEl>
-                                              <p:pRg st="0" end="0"/>
-                                            </p:txEl>
-                                          </p:spTgt>
-                                        </p:tgtEl>
-                                        <p:attrNameLst>
-                                          <p:attrName>style.visibility</p:attrName>
-                                        </p:attrNameLst>
-                                      </p:cBhvr>
-                                      <p:to>
-                                        <p:strVal val="visible"/>
-                                      </p:to>
-                                    </p:set>
-                                  </p:childTnLst>
-                                </p:cTn>
-                              </p:par>
-                            </p:childTnLst>
-                          </p:cTn>
-                        </p:par>
-                      </p:childTnLst>
-                    </p:cTn>
-                  </p:par>
-                  <p:par>
-                    <p:cTn id="7" fill="hold">
-                      <p:stCondLst>
-                        <p:cond delay="indefinite"/>
-                      </p:stCondLst>
-                      <p:childTnLst>
-                        <p:par>
-                          <p:cTn id="8" fill="hold">
-                            <p:stCondLst>
-                              <p:cond delay="0"/>
-                            </p:stCondLst>
-                            <p:childTnLst>
-                              <p:par>
-                                <p:cTn id="9" presetID="1" presetClass="entr" presetSubtype="0" fill="hold" nodeType="clickEffect">
-                                  <p:stCondLst>
-                                    <p:cond delay="0"/>
-                                  </p:stCondLst>
-                                  <p:childTnLst>
-                                    <p:set>
-                                      <p:cBhvr>
-                                        <p:cTn id="10" dur="1" fill="hold">
-                                          <p:stCondLst>
-                                            <p:cond delay="0"/>
-                                          </p:stCondLst>
-                                        </p:cTn>
-                                        <p:tgtEl>
-                                          <p:spTgt spid="4"/>
-                                        </p:tgtEl>
-                                        <p:attrNameLst>
-                                          <p:attrName>style.visibility</p:attrName>
-                                        </p:attrNameLst>
-                                      </p:cBhvr>
-                                      <p:to>
-                                        <p:strVal val="visible"/>
-                                      </p:to>
-                                    </p:set>
-                                  </p:childTnLst>
-                                </p:cTn>
-                              </p:par>
-                              <p:par>
-                                <p:cTn id="11" presetID="1" presetClass="entr" presetSubtype="0" fill="hold" grpId="0" nodeType="withEffect">
-                                  <p:stCondLst>
-                                    <p:cond delay="0"/>
-                                  </p:stCondLst>
-                                  <p:childTnLst>
-                                    <p:set>
-                                      <p:cBhvr>
-                                        <p:cTn id="12" dur="1" fill="hold">
-                                          <p:stCondLst>
-                                            <p:cond delay="0"/>
-                                          </p:stCondLst>
-                                        </p:cTn>
-                                        <p:tgtEl>
-                                          <p:spTgt spid="5"/>
-                                        </p:tgtEl>
-                                        <p:attrNameLst>
-                                          <p:attrName>style.visibility</p:attrName>
-                                        </p:attrNameLst>
-                                      </p:cBhvr>
-                                      <p:to>
-                                        <p:strVal val="visible"/>
-                                      </p:to>
-                                    </p:set>
-                                  </p:childTnLst>
-                                </p:cTn>
-                              </p:par>
-                            </p:childTnLst>
-                          </p:cTn>
-                        </p:par>
-                      </p:childTnLst>
-                    </p:cTn>
-                  </p:par>
-                </p:childTnLst>
-              </p:cTn>
-              <p:prevCondLst>
-                <p:cond evt="onPrev" delay="0">
-                  <p:tgtEl>
-                    <p:sldTgt/>
-                  </p:tgtEl>
-                </p:cond>
-              </p:prevCondLst>
-              <p:nextCondLst>
-                <p:cond evt="onNext" delay="0">
-                  <p:tgtEl>
-                    <p:sldTgt/>
-                  </p:tgtEl>
-                </p:cond>
-              </p:nextCondLst>
-            </p:seq>
-          </p:childTnLst>
-        </p:cTn>
-      </p:par>
-    </p:tnLst>
-    <p:bldLst>
-      <p:bldP spid="3" grpId="0" build="p"/>
-      <p:bldP spid="5" grpId="0"/>
-    </p:bldLst>
-  </p:timing>
+</p:sld>
+</file>
+
+<file path=ppt/slides/slide3.xml><?xml version="1.0" encoding="utf-8"?>
+<p:sld xmlns:a="http://schemas.openxmlformats.org/drawingml/2006/main" xmlns:r="http://schemas.openxmlformats.org/officeDocument/2006/relationships" xmlns:p="http://schemas.openxmlformats.org/presentationml/2006/main">
+  <p:cSld>
+    <p:spTree>
+      <p:nvGrpSpPr>
+        <p:cNvPr id="1" name=""/>
+        <p:cNvGrpSpPr/>
+        <p:nvPr/>
+      </p:nvGrpSpPr>
+      <p:grpSpPr>
+        <a:xfrm>
+          <a:off x="0" y="0"/>
+          <a:ext cx="0" cy="0"/>
+          <a:chOff x="0" y="0"/>
+          <a:chExt cx="0" cy="0"/>
+        </a:xfrm>
+      </p:grpSpPr>
+      <p:sp>
+        <p:nvSpPr>
+          <p:cNvPr id="2" name="Title 1"/>
+          <p:cNvSpPr>
+            <a:spLocks noGrp="1"/>
+          </p:cNvSpPr>
+          <p:nvPr>
+            <p:ph type="title"/>
+          </p:nvPr>
+        </p:nvSpPr>
+        <p:spPr/>
+        <p:txBody>
+          <a:bodyPr/>
+          <a:lstStyle/>
+          <a:p>
+            <a:r>
+              <a:rPr lang="en-US" dirty="0" smtClean="0"/>
+              <a:t>Road Map</a:t>
+            </a:r>
+            <a:endParaRPr lang="en-US" dirty="0"/>
+          </a:p>
+        </p:txBody>
+      </p:sp>
+      <p:sp>
+        <p:nvSpPr>
+          <p:cNvPr id="3" name="Content Placeholder 2"/>
+          <p:cNvSpPr>
+            <a:spLocks noGrp="1"/>
+          </p:cNvSpPr>
+          <p:nvPr>
+            <p:ph idx="1"/>
+          </p:nvPr>
+        </p:nvSpPr>
+        <p:spPr/>
+        <p:txBody>
+          <a:bodyPr/>
+          <a:lstStyle/>
+          <a:p>
+            <a:r>
+              <a:rPr lang="en-US" dirty="0" smtClean="0"/>
+              <a:t>Specifications</a:t>
+            </a:r>
+          </a:p>
+          <a:p>
+            <a:r>
+              <a:rPr lang="en-US" dirty="0" smtClean="0"/>
+              <a:t>System Requirements</a:t>
+            </a:r>
+            <a:endParaRPr lang="en-US" dirty="0"/>
+          </a:p>
+          <a:p>
+            <a:r>
+              <a:rPr lang="en-US" dirty="0" smtClean="0"/>
+              <a:t>Cool Things</a:t>
+            </a:r>
+          </a:p>
+          <a:p>
+            <a:r>
+              <a:rPr lang="en-US" dirty="0" smtClean="0"/>
+              <a:t>Demos</a:t>
+            </a:r>
+            <a:endParaRPr lang="en-US" dirty="0"/>
+          </a:p>
+        </p:txBody>
+      </p:sp>
+    </p:spTree>
+    <p:extLst>
+      <p:ext uri="{BB962C8B-B14F-4D97-AF65-F5344CB8AC3E}">
+        <p14:creationId xmlns:p14="http://schemas.microsoft.com/office/powerpoint/2010/main" val="4049525392"/>
+      </p:ext>
+    </p:extLst>
+  </p:cSld>
+  <p:clrMapOvr>
+    <a:masterClrMapping/>
+  </p:clrMapOvr>
 </p:sld>
 </file>
 
@@ -5161,7 +4614,7 @@
       </p:grpSpPr>
       <p:sp>
         <p:nvSpPr>
-          <p:cNvPr id="4" name="Title 3"/>
+          <p:cNvPr id="2" name="Title 1"/>
           <p:cNvSpPr>
             <a:spLocks noGrp="1"/>
           </p:cNvSpPr>
@@ -5176,30 +4629,7 @@
           <a:p>
             <a:r>
               <a:rPr lang="en-US" dirty="0" smtClean="0"/>
-              <a:t>Features</a:t>
-            </a:r>
-            <a:endParaRPr lang="en-US" dirty="0"/>
-          </a:p>
-        </p:txBody>
-      </p:sp>
-      <p:sp>
-        <p:nvSpPr>
-          <p:cNvPr id="5" name="Text Placeholder 4"/>
-          <p:cNvSpPr>
-            <a:spLocks noGrp="1"/>
-          </p:cNvSpPr>
-          <p:nvPr>
-            <p:ph type="body" idx="1"/>
-          </p:nvPr>
-        </p:nvSpPr>
-        <p:spPr/>
-        <p:txBody>
-          <a:bodyPr/>
-          <a:lstStyle/>
-          <a:p>
-            <a:r>
-              <a:rPr lang="en-US" dirty="0" smtClean="0"/>
-              <a:t>What they want you to think</a:t>
+              <a:t>Hardware Specifications</a:t>
             </a:r>
             <a:endParaRPr lang="en-US" dirty="0"/>
           </a:p>
@@ -5207,11 +4637,13 @@
       </p:sp>
       <p:pic>
         <p:nvPicPr>
-          <p:cNvPr id="2" name="Picture 1"/>
+          <p:cNvPr id="4" name="Content Placeholder 3"/>
           <p:cNvPicPr>
-            <a:picLocks noChangeAspect="1"/>
+            <a:picLocks noGrp="1" noChangeAspect="1"/>
           </p:cNvPicPr>
-          <p:nvPr/>
+          <p:nvPr>
+            <p:ph idx="1"/>
+          </p:nvPr>
         </p:nvPicPr>
         <p:blipFill>
           <a:blip r:embed="rId2">
@@ -5227,8 +4659,8 @@
         </p:blipFill>
         <p:spPr>
           <a:xfrm>
-            <a:off x="1458686" y="2690302"/>
-            <a:ext cx="6161314" cy="4091498"/>
+            <a:off x="2819698" y="1825625"/>
+            <a:ext cx="6552603" cy="4351338"/>
           </a:xfrm>
           <a:prstGeom prst="rect">
             <a:avLst/>
@@ -5238,20 +4670,13 @@
     </p:spTree>
     <p:extLst>
       <p:ext uri="{BB962C8B-B14F-4D97-AF65-F5344CB8AC3E}">
-        <p14:creationId xmlns:p14="http://schemas.microsoft.com/office/powerpoint/2010/main" val="990812410"/>
+        <p14:creationId xmlns:p14="http://schemas.microsoft.com/office/powerpoint/2010/main" val="1911045491"/>
       </p:ext>
     </p:extLst>
   </p:cSld>
   <p:clrMapOvr>
     <a:masterClrMapping/>
   </p:clrMapOvr>
-  <p:timing>
-    <p:tnLst>
-      <p:par>
-        <p:cTn id="1" dur="indefinite" restart="never" nodeType="tmRoot"/>
-      </p:par>
-    </p:tnLst>
-  </p:timing>
 </p:sld>
 </file>
 
@@ -5274,7 +4699,7 @@
       </p:grpSpPr>
       <p:sp>
         <p:nvSpPr>
-          <p:cNvPr id="4" name="Title 3"/>
+          <p:cNvPr id="2" name="Title 1"/>
           <p:cNvSpPr>
             <a:spLocks noGrp="1"/>
           </p:cNvSpPr>
@@ -5289,7 +4714,7 @@
           <a:p>
             <a:r>
               <a:rPr lang="en-US" dirty="0" smtClean="0"/>
-              <a:t>Hardware</a:t>
+              <a:t>Hardware (External)</a:t>
             </a:r>
             <a:endParaRPr lang="en-US" dirty="0"/>
           </a:p>
@@ -5297,7 +4722,7 @@
       </p:sp>
       <p:pic>
         <p:nvPicPr>
-          <p:cNvPr id="5" name="Content Placeholder 4"/>
+          <p:cNvPr id="4" name="Content Placeholder 4"/>
           <p:cNvPicPr>
             <a:picLocks noGrp="1" noChangeAspect="1"/>
           </p:cNvPicPr>
@@ -5319,14 +4744,14 @@
         </p:blipFill>
         <p:spPr>
           <a:xfrm>
-            <a:off x="893292" y="1774825"/>
-            <a:ext cx="7357415" cy="4625975"/>
+            <a:off x="2635691" y="1825625"/>
+            <a:ext cx="6920617" cy="4351338"/>
           </a:xfrm>
         </p:spPr>
       </p:pic>
       <p:sp>
         <p:nvSpPr>
-          <p:cNvPr id="6" name="TextBox 5"/>
+          <p:cNvPr id="5" name="TextBox 4"/>
           <p:cNvSpPr txBox="1"/>
           <p:nvPr/>
         </p:nvSpPr>
@@ -5362,20 +4787,13 @@
     </p:spTree>
     <p:extLst>
       <p:ext uri="{BB962C8B-B14F-4D97-AF65-F5344CB8AC3E}">
-        <p14:creationId xmlns:p14="http://schemas.microsoft.com/office/powerpoint/2010/main" val="1440830385"/>
+        <p14:creationId xmlns:p14="http://schemas.microsoft.com/office/powerpoint/2010/main" val="1376638773"/>
       </p:ext>
     </p:extLst>
   </p:cSld>
   <p:clrMapOvr>
     <a:masterClrMapping/>
   </p:clrMapOvr>
-  <p:timing>
-    <p:tnLst>
-      <p:par>
-        <p:cTn id="1" dur="indefinite" restart="never" nodeType="tmRoot"/>
-      </p:par>
-    </p:tnLst>
-  </p:timing>
 </p:sld>
 </file>
 
@@ -5413,41 +4831,21 @@
           <a:p>
             <a:r>
               <a:rPr lang="en-US" dirty="0" smtClean="0"/>
-              <a:t>Hardware</a:t>
+              <a:t>Hardware (Internal)</a:t>
             </a:r>
             <a:endParaRPr lang="en-US" dirty="0"/>
-          </a:p>
-        </p:txBody>
-      </p:sp>
-      <p:sp>
-        <p:nvSpPr>
-          <p:cNvPr id="3" name="Content Placeholder 2"/>
-          <p:cNvSpPr>
-            <a:spLocks noGrp="1"/>
-          </p:cNvSpPr>
-          <p:nvPr>
-            <p:ph idx="1"/>
-          </p:nvPr>
-        </p:nvSpPr>
-        <p:spPr/>
-        <p:txBody>
-          <a:bodyPr/>
-          <a:lstStyle/>
-          <a:p>
-            <a:r>
-              <a:rPr lang="en-US" dirty="0"/>
-              <a:t>http://www.tested.com/tech/gaming/459605-whats-inside-xbox-ones-kinect-sensor/</a:t>
-            </a:r>
           </a:p>
         </p:txBody>
       </p:sp>
       <p:pic>
         <p:nvPicPr>
-          <p:cNvPr id="4" name="Picture 3"/>
+          <p:cNvPr id="4" name="Content Placeholder 3"/>
           <p:cNvPicPr>
-            <a:picLocks noChangeAspect="1"/>
+            <a:picLocks noGrp="1" noChangeAspect="1"/>
           </p:cNvPicPr>
-          <p:nvPr/>
+          <p:nvPr>
+            <p:ph idx="1"/>
+          </p:nvPr>
         </p:nvPicPr>
         <p:blipFill>
           <a:blip r:embed="rId2">
@@ -5463,8 +4861,8 @@
         </p:blipFill>
         <p:spPr>
           <a:xfrm>
-            <a:off x="2133600" y="2819400"/>
-            <a:ext cx="4876800" cy="3657600"/>
+            <a:off x="3389376" y="2292382"/>
+            <a:ext cx="5413248" cy="4059936"/>
           </a:xfrm>
           <a:prstGeom prst="rect">
             <a:avLst/>
@@ -5513,23 +4911,46 @@
           </a:p>
         </p:txBody>
       </p:sp>
+      <p:sp>
+        <p:nvSpPr>
+          <p:cNvPr id="6" name="TextBox 5"/>
+          <p:cNvSpPr txBox="1"/>
+          <p:nvPr/>
+        </p:nvSpPr>
+        <p:spPr>
+          <a:xfrm>
+            <a:off x="838200" y="1971326"/>
+            <a:ext cx="10515600" cy="369332"/>
+          </a:xfrm>
+          <a:prstGeom prst="rect">
+            <a:avLst/>
+          </a:prstGeom>
+          <a:noFill/>
+        </p:spPr>
+        <p:txBody>
+          <a:bodyPr wrap="square" rtlCol="0">
+            <a:spAutoFit/>
+          </a:bodyPr>
+          <a:lstStyle/>
+          <a:p>
+            <a:pPr algn="ctr"/>
+            <a:r>
+              <a:rPr lang="en-US" dirty="0" smtClean="0"/>
+              <a:t>http://www.tested.com/tech/gaming/459605-whats-inside-xbox-ones-kinect-sensor/</a:t>
+            </a:r>
+          </a:p>
+        </p:txBody>
+      </p:sp>
     </p:spTree>
     <p:extLst>
       <p:ext uri="{BB962C8B-B14F-4D97-AF65-F5344CB8AC3E}">
-        <p14:creationId xmlns:p14="http://schemas.microsoft.com/office/powerpoint/2010/main" val="2543411366"/>
+        <p14:creationId xmlns:p14="http://schemas.microsoft.com/office/powerpoint/2010/main" val="1701340793"/>
       </p:ext>
     </p:extLst>
   </p:cSld>
   <p:clrMapOvr>
     <a:masterClrMapping/>
   </p:clrMapOvr>
-  <p:timing>
-    <p:tnLst>
-      <p:par>
-        <p:cTn id="1" dur="indefinite" restart="never" nodeType="tmRoot"/>
-      </p:par>
-    </p:tnLst>
-  </p:timing>
 </p:sld>
 </file>
 
@@ -5567,59 +4988,15 @@
           <a:p>
             <a:r>
               <a:rPr lang="en-US" dirty="0" smtClean="0"/>
-              <a:t>Hardware</a:t>
+              <a:t>Hardware (Connectors)</a:t>
             </a:r>
             <a:endParaRPr lang="en-US" dirty="0"/>
-          </a:p>
-        </p:txBody>
-      </p:sp>
-      <p:sp>
-        <p:nvSpPr>
-          <p:cNvPr id="5" name="TextBox 4"/>
-          <p:cNvSpPr txBox="1"/>
-          <p:nvPr/>
-        </p:nvSpPr>
-        <p:spPr>
-          <a:xfrm>
-            <a:off x="0" y="6519446"/>
-            <a:ext cx="4778872" cy="338554"/>
-          </a:xfrm>
-          <a:prstGeom prst="rect">
-            <a:avLst/>
-          </a:prstGeom>
-          <a:noFill/>
-        </p:spPr>
-        <p:txBody>
-          <a:bodyPr wrap="none" rtlCol="0">
-            <a:spAutoFit/>
-          </a:bodyPr>
-          <a:lstStyle/>
-          <a:p>
-            <a:r>
-              <a:rPr lang="en-US" sz="800" dirty="0" smtClean="0"/>
-              <a:t>Page Source</a:t>
-            </a:r>
-            <a:r>
-              <a:rPr lang="en-US" sz="800" dirty="0"/>
-              <a:t>: http://tweakers.net/nieuws/95084/microsoft-toont-hardware-voor-kinect-for-windows-v2.html</a:t>
-            </a:r>
-            <a:endParaRPr lang="en-US" sz="800" dirty="0" smtClean="0"/>
-          </a:p>
-          <a:p>
-            <a:r>
-              <a:rPr lang="en-US" sz="800" dirty="0" smtClean="0"/>
-              <a:t>Image Source</a:t>
-            </a:r>
-            <a:r>
-              <a:rPr lang="en-US" sz="800" dirty="0"/>
-              <a:t>: http://ic.tweakimg.net/ext/i/imagemedium/1395988515.jpeg</a:t>
-            </a:r>
           </a:p>
         </p:txBody>
       </p:sp>
       <p:pic>
         <p:nvPicPr>
-          <p:cNvPr id="7" name="Content Placeholder 6"/>
+          <p:cNvPr id="5" name="Content Placeholder 6"/>
           <p:cNvPicPr>
             <a:picLocks noGrp="1" noChangeAspect="1"/>
           </p:cNvPicPr>
@@ -5641,28 +5018,65 @@
         </p:blipFill>
         <p:spPr>
           <a:xfrm>
-            <a:off x="460930" y="1774825"/>
-            <a:ext cx="8222140" cy="4625976"/>
+            <a:off x="2306873" y="1869440"/>
+            <a:ext cx="7578254" cy="4263708"/>
           </a:xfrm>
         </p:spPr>
       </p:pic>
+      <p:sp>
+        <p:nvSpPr>
+          <p:cNvPr id="6" name="TextBox 5"/>
+          <p:cNvSpPr txBox="1"/>
+          <p:nvPr/>
+        </p:nvSpPr>
+        <p:spPr>
+          <a:xfrm>
+            <a:off x="0" y="6519446"/>
+            <a:ext cx="4778872" cy="338554"/>
+          </a:xfrm>
+          <a:prstGeom prst="rect">
+            <a:avLst/>
+          </a:prstGeom>
+          <a:noFill/>
+        </p:spPr>
+        <p:txBody>
+          <a:bodyPr wrap="none" rtlCol="0">
+            <a:spAutoFit/>
+          </a:bodyPr>
+          <a:lstStyle/>
+          <a:p>
+            <a:r>
+              <a:rPr lang="en-US" sz="800" dirty="0" smtClean="0"/>
+              <a:t>Page Source</a:t>
+            </a:r>
+            <a:r>
+              <a:rPr lang="en-US" sz="800" dirty="0"/>
+              <a:t>: http://tweakers.net/nieuws/95084/microsoft-toont-hardware-voor-kinect-for-windows-v2.html</a:t>
+            </a:r>
+            <a:endParaRPr lang="en-US" sz="800" dirty="0" smtClean="0"/>
+          </a:p>
+          <a:p>
+            <a:r>
+              <a:rPr lang="en-US" sz="800" dirty="0" smtClean="0"/>
+              <a:t>Image Source</a:t>
+            </a:r>
+            <a:r>
+              <a:rPr lang="en-US" sz="800" dirty="0"/>
+              <a:t>: http://ic.tweakimg.net/ext/i/imagemedium/1395988515.jpeg</a:t>
+            </a:r>
+          </a:p>
+        </p:txBody>
+      </p:sp>
     </p:spTree>
     <p:extLst>
       <p:ext uri="{BB962C8B-B14F-4D97-AF65-F5344CB8AC3E}">
-        <p14:creationId xmlns:p14="http://schemas.microsoft.com/office/powerpoint/2010/main" val="1444889884"/>
+        <p14:creationId xmlns:p14="http://schemas.microsoft.com/office/powerpoint/2010/main" val="1614758017"/>
       </p:ext>
     </p:extLst>
   </p:cSld>
   <p:clrMapOvr>
     <a:masterClrMapping/>
   </p:clrMapOvr>
-  <p:timing>
-    <p:tnLst>
-      <p:par>
-        <p:cTn id="1" dur="indefinite" restart="never" nodeType="tmRoot"/>
-      </p:par>
-    </p:tnLst>
-  </p:timing>
 </p:sld>
 </file>
 
@@ -5700,7 +5114,7 @@
           <a:p>
             <a:r>
               <a:rPr lang="en-US" dirty="0" smtClean="0"/>
-              <a:t>Hardware Specs</a:t>
+              <a:t>Hardware (The Wordy Part)</a:t>
             </a:r>
             <a:endParaRPr lang="en-US" dirty="0"/>
           </a:p>
@@ -5766,6 +5180,9 @@
             </a:r>
           </a:p>
           <a:p>
+            <a:pPr marL="0" indent="0">
+              <a:buNone/>
+            </a:pPr>
             <a:endParaRPr lang="en-US" dirty="0"/>
           </a:p>
         </p:txBody>
@@ -5773,20 +5190,13 @@
     </p:spTree>
     <p:extLst>
       <p:ext uri="{BB962C8B-B14F-4D97-AF65-F5344CB8AC3E}">
-        <p14:creationId xmlns:p14="http://schemas.microsoft.com/office/powerpoint/2010/main" val="3059074622"/>
+        <p14:creationId xmlns:p14="http://schemas.microsoft.com/office/powerpoint/2010/main" val="2075772384"/>
       </p:ext>
     </p:extLst>
   </p:cSld>
   <p:clrMapOvr>
     <a:masterClrMapping/>
   </p:clrMapOvr>
-  <p:timing>
-    <p:tnLst>
-      <p:par>
-        <p:cTn id="1" dur="indefinite" restart="never" nodeType="tmRoot"/>
-      </p:par>
-    </p:tnLst>
-  </p:timing>
 </p:sld>
 </file>
 
@@ -5819,14 +5229,12 @@
         </p:nvSpPr>
         <p:spPr/>
         <p:txBody>
-          <a:bodyPr>
-            <a:normAutofit fontScale="90000"/>
-          </a:bodyPr>
-          <a:lstStyle/>
-          <a:p>
-            <a:r>
-              <a:rPr lang="en-US" dirty="0" smtClean="0"/>
-              <a:t>“Minimum” System Requirements</a:t>
+          <a:bodyPr/>
+          <a:lstStyle/>
+          <a:p>
+            <a:r>
+              <a:rPr lang="en-US" dirty="0" smtClean="0"/>
+              <a:t>Recommended System Requirements</a:t>
             </a:r>
             <a:endParaRPr lang="en-US" dirty="0"/>
           </a:p>
@@ -5844,92 +5252,48 @@
         </p:nvSpPr>
         <p:spPr/>
         <p:txBody>
-          <a:bodyPr>
-            <a:normAutofit/>
-          </a:bodyPr>
-          <a:lstStyle/>
-          <a:p>
-            <a:r>
-              <a:rPr lang="en-US" dirty="0"/>
-              <a:t>Operating </a:t>
-            </a:r>
-            <a:r>
-              <a:rPr lang="en-US" dirty="0" smtClean="0"/>
-              <a:t>system</a:t>
-            </a:r>
-          </a:p>
-          <a:p>
-            <a:pPr lvl="1"/>
-            <a:r>
-              <a:rPr lang="en-US" dirty="0" smtClean="0"/>
-              <a:t>Windows 8(.1)</a:t>
-            </a:r>
-          </a:p>
-          <a:p>
-            <a:pPr lvl="1"/>
-            <a:r>
-              <a:rPr lang="en-US" dirty="0" smtClean="0"/>
-              <a:t>Windows </a:t>
-            </a:r>
-            <a:r>
-              <a:rPr lang="en-US" dirty="0"/>
-              <a:t>Embedded Standard </a:t>
-            </a:r>
-            <a:r>
-              <a:rPr lang="en-US" dirty="0" smtClean="0"/>
-              <a:t>8(.1)</a:t>
-            </a:r>
-            <a:endParaRPr lang="en-US" dirty="0"/>
-          </a:p>
-          <a:p>
-            <a:r>
-              <a:rPr lang="en-US" dirty="0" smtClean="0"/>
-              <a:t>64 </a:t>
-            </a:r>
-            <a:r>
-              <a:rPr lang="en-US" dirty="0"/>
-              <a:t>bit (x64) processor </a:t>
-            </a:r>
-          </a:p>
-          <a:p>
-            <a:r>
-              <a:rPr lang="en-US" dirty="0" smtClean="0"/>
-              <a:t>I7 </a:t>
-            </a:r>
-            <a:r>
-              <a:rPr lang="en-US" dirty="0"/>
-              <a:t>3.1-GHz or faster processor</a:t>
-            </a:r>
-          </a:p>
-          <a:p>
-            <a:r>
-              <a:rPr lang="en-US" dirty="0"/>
+          <a:bodyPr/>
+          <a:lstStyle/>
+          <a:p>
+            <a:r>
+              <a:rPr lang="en-US" dirty="0" smtClean="0"/>
+              <a:t>Windows 8 or Better</a:t>
+            </a:r>
+          </a:p>
+          <a:p>
+            <a:r>
+              <a:rPr lang="en-US" dirty="0" smtClean="0"/>
+              <a:t>64 bit (x64) processor </a:t>
+            </a:r>
+          </a:p>
+          <a:p>
+            <a:r>
+              <a:rPr lang="en-US" dirty="0" smtClean="0"/>
+              <a:t>4 GB RAM (or more)</a:t>
+            </a:r>
+          </a:p>
+          <a:p>
+            <a:r>
+              <a:rPr lang="en-US" dirty="0" smtClean="0">
+                <a:effectLst/>
+              </a:rPr>
+              <a:t>Physical dual-core 3.1 GHz (2 logical cores per physical) or faster</a:t>
+            </a:r>
+            <a:endParaRPr lang="en-US" dirty="0" smtClean="0"/>
+          </a:p>
+          <a:p>
+            <a:r>
+              <a:rPr lang="en-US" dirty="0" smtClean="0"/>
               <a:t>USB 3.0 bus dedicated to the v2 sensor</a:t>
             </a:r>
           </a:p>
           <a:p>
             <a:r>
-              <a:rPr lang="en-US" dirty="0"/>
-              <a:t>4</a:t>
-            </a:r>
-            <a:r>
-              <a:rPr lang="en-US" dirty="0" smtClean="0"/>
-              <a:t> </a:t>
-            </a:r>
-            <a:r>
-              <a:rPr lang="en-US" dirty="0"/>
-              <a:t>GB RAM</a:t>
-            </a:r>
-          </a:p>
-          <a:p>
-            <a:r>
-              <a:rPr lang="en-US" dirty="0"/>
-              <a:t>Graphics card that supports DirectX </a:t>
-            </a:r>
-            <a:r>
-              <a:rPr lang="en-US" dirty="0" smtClean="0"/>
-              <a:t>11</a:t>
-            </a:r>
+              <a:rPr lang="en-US" dirty="0" smtClean="0"/>
+              <a:t>Graphics card that supports DirectX 11</a:t>
+            </a:r>
+          </a:p>
+          <a:p>
             <a:endParaRPr lang="en-US" dirty="0"/>
           </a:p>
         </p:txBody>
@@ -5937,27 +5301,20 @@
     </p:spTree>
     <p:extLst>
       <p:ext uri="{BB962C8B-B14F-4D97-AF65-F5344CB8AC3E}">
-        <p14:creationId xmlns:p14="http://schemas.microsoft.com/office/powerpoint/2010/main" val="3457092634"/>
+        <p14:creationId xmlns:p14="http://schemas.microsoft.com/office/powerpoint/2010/main" val="2156273436"/>
       </p:ext>
     </p:extLst>
   </p:cSld>
   <p:clrMapOvr>
     <a:masterClrMapping/>
   </p:clrMapOvr>
-  <p:timing>
-    <p:tnLst>
-      <p:par>
-        <p:cTn id="1" dur="indefinite" restart="never" nodeType="tmRoot"/>
-      </p:par>
-    </p:tnLst>
-  </p:timing>
 </p:sld>
 </file>
 
 <file path=ppt/theme/theme1.xml><?xml version="1.0" encoding="utf-8"?>
-<a:theme xmlns:a="http://schemas.openxmlformats.org/drawingml/2006/main" name="Module">
+<a:theme xmlns:a="http://schemas.openxmlformats.org/drawingml/2006/main" name="Office Theme">
   <a:themeElements>
-    <a:clrScheme name="Module">
+    <a:clrScheme name="Office">
       <a:dk1>
         <a:sysClr val="windowText" lastClr="000000"/>
       </a:dk1>
@@ -5965,52 +5322,52 @@
         <a:sysClr val="window" lastClr="FFFFFF"/>
       </a:lt1>
       <a:dk2>
-        <a:srgbClr val="5A6378"/>
+        <a:srgbClr val="44546A"/>
       </a:dk2>
       <a:lt2>
-        <a:srgbClr val="D4D4D6"/>
+        <a:srgbClr val="E7E6E6"/>
       </a:lt2>
       <a:accent1>
-        <a:srgbClr val="F0AD00"/>
+        <a:srgbClr val="5B9BD5"/>
       </a:accent1>
       <a:accent2>
-        <a:srgbClr val="60B5CC"/>
+        <a:srgbClr val="ED7D31"/>
       </a:accent2>
       <a:accent3>
-        <a:srgbClr val="E66C7D"/>
+        <a:srgbClr val="A5A5A5"/>
       </a:accent3>
       <a:accent4>
-        <a:srgbClr val="6BB76D"/>
+        <a:srgbClr val="FFC000"/>
       </a:accent4>
       <a:accent5>
-        <a:srgbClr val="E88651"/>
+        <a:srgbClr val="4472C4"/>
       </a:accent5>
       <a:accent6>
-        <a:srgbClr val="C64847"/>
+        <a:srgbClr val="70AD47"/>
       </a:accent6>
       <a:hlink>
-        <a:srgbClr val="168BBA"/>
+        <a:srgbClr val="0563C1"/>
       </a:hlink>
       <a:folHlink>
-        <a:srgbClr val="680000"/>
+        <a:srgbClr val="954F72"/>
       </a:folHlink>
     </a:clrScheme>
-    <a:fontScheme name="Module">
+    <a:fontScheme name="Office">
       <a:majorFont>
-        <a:latin typeface="Corbel"/>
+        <a:latin typeface="Calibri Light" panose="020F0302020204030204"/>
         <a:ea typeface=""/>
         <a:cs typeface=""/>
-        <a:font script="Jpan" typeface="HGｺﾞｼｯｸM"/>
-        <a:font script="Hang" typeface="HY엽서L"/>
-        <a:font script="Hans" typeface="华文楷体"/>
+        <a:font script="Jpan" typeface="ＭＳ Ｐゴシック"/>
+        <a:font script="Hang" typeface="맑은 고딕"/>
+        <a:font script="Hans" typeface="宋体"/>
         <a:font script="Hant" typeface="新細明體"/>
-        <a:font script="Arab" typeface="Tahoma"/>
-        <a:font script="Hebr" typeface="Miriam"/>
-        <a:font script="Thai" typeface="DilleniaUPC"/>
+        <a:font script="Arab" typeface="Times New Roman"/>
+        <a:font script="Hebr" typeface="Times New Roman"/>
+        <a:font script="Thai" typeface="Angsana New"/>
         <a:font script="Ethi" typeface="Nyala"/>
         <a:font script="Beng" typeface="Vrinda"/>
         <a:font script="Gujr" typeface="Shruti"/>
-        <a:font script="Khmr" typeface="DaunPenh"/>
+        <a:font script="Khmr" typeface="MoolBoran"/>
         <a:font script="Knda" typeface="Tunga"/>
         <a:font script="Guru" typeface="Raavi"/>
         <a:font script="Cans" typeface="Euphemia"/>
@@ -6027,21 +5384,21 @@
         <a:font script="Laoo" typeface="DokChampa"/>
         <a:font script="Sinh" typeface="Iskoola Pota"/>
         <a:font script="Mong" typeface="Mongolian Baiti"/>
-        <a:font script="Viet" typeface="Arial"/>
+        <a:font script="Viet" typeface="Times New Roman"/>
         <a:font script="Uigh" typeface="Microsoft Uighur"/>
         <a:font script="Geor" typeface="Sylfaen"/>
       </a:majorFont>
       <a:minorFont>
-        <a:latin typeface="Corbel"/>
+        <a:latin typeface="Calibri" panose="020F0502020204030204"/>
         <a:ea typeface=""/>
         <a:cs typeface=""/>
-        <a:font script="Jpan" typeface="HGｺﾞｼｯｸM"/>
-        <a:font script="Hang" typeface="HY엽서L"/>
-        <a:font script="Hans" typeface="华文楷体"/>
+        <a:font script="Jpan" typeface="ＭＳ Ｐゴシック"/>
+        <a:font script="Hang" typeface="맑은 고딕"/>
+        <a:font script="Hans" typeface="宋体"/>
         <a:font script="Hant" typeface="新細明體"/>
-        <a:font script="Arab" typeface="Tahoma"/>
-        <a:font script="Hebr" typeface="Miriam"/>
-        <a:font script="Thai" typeface="DilleniaUPC"/>
+        <a:font script="Arab" typeface="Arial"/>
+        <a:font script="Hebr" typeface="Arial"/>
+        <a:font script="Thai" typeface="Cordia New"/>
         <a:font script="Ethi" typeface="Nyala"/>
         <a:font script="Beng" typeface="Vrinda"/>
         <a:font script="Gujr" typeface="Shruti"/>
@@ -6067,7 +5424,7 @@
         <a:font script="Geor" typeface="Sylfaen"/>
       </a:minorFont>
     </a:fontScheme>
-    <a:fmtScheme name="Module">
+    <a:fmtScheme name="Office">
       <a:fillStyleLst>
         <a:solidFill>
           <a:schemeClr val="phClr"/>
@@ -6076,165 +5433,141 @@
           <a:gsLst>
             <a:gs pos="0">
               <a:schemeClr val="phClr">
-                <a:tint val="50000"/>
-                <a:satMod val="300000"/>
+                <a:lumMod val="110000"/>
+                <a:satMod val="105000"/>
+                <a:tint val="67000"/>
               </a:schemeClr>
             </a:gs>
-            <a:gs pos="35000">
+            <a:gs pos="50000">
               <a:schemeClr val="phClr">
-                <a:tint val="37000"/>
-                <a:satMod val="300000"/>
+                <a:lumMod val="105000"/>
+                <a:satMod val="103000"/>
+                <a:tint val="73000"/>
               </a:schemeClr>
             </a:gs>
             <a:gs pos="100000">
               <a:schemeClr val="phClr">
-                <a:tint val="15000"/>
-                <a:satMod val="350000"/>
+                <a:lumMod val="105000"/>
+                <a:satMod val="109000"/>
+                <a:tint val="81000"/>
               </a:schemeClr>
             </a:gs>
           </a:gsLst>
-          <a:lin ang="16200000" scaled="1"/>
+          <a:lin ang="5400000" scaled="0"/>
         </a:gradFill>
         <a:gradFill rotWithShape="1">
           <a:gsLst>
             <a:gs pos="0">
               <a:schemeClr val="phClr">
-                <a:shade val="47500"/>
-                <a:satMod val="137000"/>
+                <a:satMod val="103000"/>
+                <a:lumMod val="102000"/>
+                <a:tint val="94000"/>
               </a:schemeClr>
             </a:gs>
-            <a:gs pos="55000">
+            <a:gs pos="50000">
               <a:schemeClr val="phClr">
-                <a:shade val="69000"/>
-                <a:satMod val="137000"/>
+                <a:satMod val="110000"/>
+                <a:lumMod val="100000"/>
+                <a:shade val="100000"/>
               </a:schemeClr>
             </a:gs>
             <a:gs pos="100000">
               <a:schemeClr val="phClr">
-                <a:shade val="98000"/>
-                <a:satMod val="137000"/>
+                <a:lumMod val="99000"/>
+                <a:satMod val="120000"/>
+                <a:shade val="78000"/>
               </a:schemeClr>
             </a:gs>
           </a:gsLst>
-          <a:lin ang="16200000" scaled="0"/>
+          <a:lin ang="5400000" scaled="0"/>
         </a:gradFill>
       </a:fillStyleLst>
       <a:lnStyleLst>
-        <a:ln w="6350" cap="rnd" cmpd="sng" algn="ctr">
-          <a:solidFill>
-            <a:schemeClr val="phClr">
-              <a:shade val="95000"/>
-              <a:satMod val="105000"/>
-            </a:schemeClr>
-          </a:solidFill>
-          <a:prstDash val="solid"/>
-        </a:ln>
-        <a:ln w="48000" cap="flat" cmpd="thickThin" algn="ctr">
+        <a:ln w="6350" cap="flat" cmpd="sng" algn="ctr">
           <a:solidFill>
             <a:schemeClr val="phClr"/>
           </a:solidFill>
           <a:prstDash val="solid"/>
+          <a:miter lim="800000"/>
         </a:ln>
-        <a:ln w="48500" cap="flat" cmpd="thickThin" algn="ctr">
+        <a:ln w="12700" cap="flat" cmpd="sng" algn="ctr">
           <a:solidFill>
             <a:schemeClr val="phClr"/>
           </a:solidFill>
           <a:prstDash val="solid"/>
+          <a:miter lim="800000"/>
+        </a:ln>
+        <a:ln w="19050" cap="flat" cmpd="sng" algn="ctr">
+          <a:solidFill>
+            <a:schemeClr val="phClr"/>
+          </a:solidFill>
+          <a:prstDash val="solid"/>
+          <a:miter lim="800000"/>
         </a:ln>
       </a:lnStyleLst>
       <a:effectStyleLst>
         <a:effectStyle>
+          <a:effectLst/>
+        </a:effectStyle>
+        <a:effectStyle>
+          <a:effectLst/>
+        </a:effectStyle>
+        <a:effectStyle>
           <a:effectLst>
-            <a:outerShdw blurRad="45000" dist="25000" dir="5400000" rotWithShape="0">
+            <a:outerShdw blurRad="57150" dist="19050" dir="5400000" algn="ctr" rotWithShape="0">
               <a:srgbClr val="000000">
-                <a:alpha val="38000"/>
+                <a:alpha val="63000"/>
               </a:srgbClr>
             </a:outerShdw>
           </a:effectLst>
-        </a:effectStyle>
-        <a:effectStyle>
-          <a:effectLst>
-            <a:outerShdw blurRad="39000" dist="25400" dir="5400000" rotWithShape="0">
-              <a:srgbClr val="000000">
-                <a:alpha val="38000"/>
-              </a:srgbClr>
-            </a:outerShdw>
-          </a:effectLst>
-        </a:effectStyle>
-        <a:effectStyle>
-          <a:effectLst>
-            <a:outerShdw blurRad="39000" dist="25400" dir="5400000" rotWithShape="0">
-              <a:srgbClr val="000000">
-                <a:alpha val="38000"/>
-              </a:srgbClr>
-            </a:outerShdw>
-          </a:effectLst>
-          <a:scene3d>
-            <a:camera prst="orthographicFront" fov="0">
-              <a:rot lat="0" lon="0" rev="0"/>
-            </a:camera>
-            <a:lightRig rig="threePt" dir="t">
-              <a:rot lat="0" lon="0" rev="1800000"/>
-            </a:lightRig>
-          </a:scene3d>
-          <a:sp3d prstMaterial="matte">
-            <a:bevelT h="20000"/>
-          </a:sp3d>
         </a:effectStyle>
       </a:effectStyleLst>
       <a:bgFillStyleLst>
         <a:solidFill>
           <a:schemeClr val="phClr"/>
         </a:solidFill>
+        <a:solidFill>
+          <a:schemeClr val="phClr">
+            <a:tint val="95000"/>
+            <a:satMod val="170000"/>
+          </a:schemeClr>
+        </a:solidFill>
         <a:gradFill rotWithShape="1">
           <a:gsLst>
             <a:gs pos="0">
               <a:schemeClr val="phClr">
-                <a:tint val="48000"/>
-                <a:satMod val="300000"/>
+                <a:tint val="93000"/>
+                <a:satMod val="150000"/>
+                <a:shade val="98000"/>
+                <a:lumMod val="102000"/>
               </a:schemeClr>
             </a:gs>
-            <a:gs pos="12000">
+            <a:gs pos="50000">
               <a:schemeClr val="phClr">
-                <a:tint val="48000"/>
-                <a:satMod val="300000"/>
-              </a:schemeClr>
-            </a:gs>
-            <a:gs pos="20000">
-              <a:schemeClr val="phClr">
-                <a:tint val="49000"/>
-                <a:satMod val="300000"/>
+                <a:tint val="98000"/>
+                <a:satMod val="130000"/>
+                <a:shade val="90000"/>
+                <a:lumMod val="103000"/>
               </a:schemeClr>
             </a:gs>
             <a:gs pos="100000">
               <a:schemeClr val="phClr">
-                <a:shade val="30000"/>
+                <a:shade val="63000"/>
+                <a:satMod val="120000"/>
               </a:schemeClr>
             </a:gs>
           </a:gsLst>
-          <a:path path="circle">
-            <a:fillToRect l="10000" t="-25000" r="10000" b="125000"/>
-          </a:path>
+          <a:lin ang="5400000" scaled="0"/>
         </a:gradFill>
-        <a:blipFill>
-          <a:blip xmlns:r="http://schemas.openxmlformats.org/officeDocument/2006/relationships" r:embed="rId1">
-            <a:duotone>
-              <a:schemeClr val="phClr">
-                <a:shade val="75000"/>
-                <a:satMod val="105000"/>
-              </a:schemeClr>
-              <a:schemeClr val="phClr">
-                <a:tint val="95000"/>
-                <a:satMod val="105000"/>
-              </a:schemeClr>
-            </a:duotone>
-          </a:blip>
-          <a:tile tx="0" ty="0" sx="38000" sy="38000" flip="none" algn="tl"/>
-        </a:blipFill>
       </a:bgFillStyleLst>
     </a:fmtScheme>
   </a:themeElements>
   <a:objectDefaults/>
   <a:extraClrSchemeLst/>
+  <a:extLst>
+    <a:ext uri="{05A4C25C-085E-4340-85A3-A5531E510DB2}">
+      <thm15:themeFamily xmlns:thm15="http://schemas.microsoft.com/office/thememl/2012/main" name="Office Theme" id="{62F939B6-93AF-4DB8-9C6B-D6C7DFDC589F}" vid="{4A3C46E8-61CC-4603-A589-7422A47A8E4A}"/>
+    </a:ext>
+  </a:extLst>
 </a:theme>
 </file>